--- a/PPT_WIP.pptx
+++ b/PPT_WIP.pptx
@@ -5,25 +5,23 @@
     <p:sldMasterId id="2147483648" r:id="rId1"/>
   </p:sldMasterIdLst>
   <p:notesMasterIdLst>
-    <p:notesMasterId r:id="rId18"/>
+    <p:notesMasterId r:id="rId16"/>
   </p:notesMasterIdLst>
   <p:sldIdLst>
     <p:sldId id="256" r:id="rId2"/>
-    <p:sldId id="257" r:id="rId3"/>
-    <p:sldId id="258" r:id="rId4"/>
-    <p:sldId id="267" r:id="rId5"/>
-    <p:sldId id="266" r:id="rId6"/>
-    <p:sldId id="273" r:id="rId7"/>
-    <p:sldId id="261" r:id="rId8"/>
-    <p:sldId id="260" r:id="rId9"/>
+    <p:sldId id="267" r:id="rId3"/>
+    <p:sldId id="266" r:id="rId4"/>
+    <p:sldId id="273" r:id="rId5"/>
+    <p:sldId id="274" r:id="rId6"/>
+    <p:sldId id="272" r:id="rId7"/>
+    <p:sldId id="260" r:id="rId8"/>
+    <p:sldId id="271" r:id="rId9"/>
     <p:sldId id="269" r:id="rId10"/>
     <p:sldId id="270" r:id="rId11"/>
-    <p:sldId id="271" r:id="rId12"/>
-    <p:sldId id="272" r:id="rId13"/>
-    <p:sldId id="262" r:id="rId14"/>
-    <p:sldId id="263" r:id="rId15"/>
-    <p:sldId id="264" r:id="rId16"/>
-    <p:sldId id="265" r:id="rId17"/>
+    <p:sldId id="262" r:id="rId12"/>
+    <p:sldId id="263" r:id="rId13"/>
+    <p:sldId id="264" r:id="rId14"/>
+    <p:sldId id="265" r:id="rId15"/>
   </p:sldIdLst>
   <p:sldSz cx="9144000" cy="6858000" type="screen4x3"/>
   <p:notesSz cx="6858000" cy="9144000"/>
@@ -149,453 +147,6 @@
 </p1510:revInfo>
 </file>
 
-<file path=ppt/changesInfos/changesInfo1.xml><?xml version="1.0" encoding="utf-8"?>
-<pc:chgInfo xmlns:a="http://schemas.openxmlformats.org/drawingml/2006/main" xmlns:r="http://schemas.openxmlformats.org/officeDocument/2006/relationships" xmlns:ac="http://schemas.microsoft.com/office/drawing/2013/main/command" xmlns:pc="http://schemas.microsoft.com/office/powerpoint/2013/main/command">
-  <pc:docChgLst>
-    <pc:chgData name="vaibhav bhosle" userId="68d2ea067cb66f68" providerId="LiveId" clId="{31ADAD4B-D503-4568-BB74-7843C0CB657A}"/>
-    <pc:docChg chg="undo custSel addSld delSld modSld sldOrd">
-      <pc:chgData name="vaibhav bhosle" userId="68d2ea067cb66f68" providerId="LiveId" clId="{31ADAD4B-D503-4568-BB74-7843C0CB657A}" dt="2024-02-07T12:55:24.971" v="1776" actId="20577"/>
-      <pc:docMkLst>
-        <pc:docMk/>
-      </pc:docMkLst>
-      <pc:sldChg chg="modSp mod">
-        <pc:chgData name="vaibhav bhosle" userId="68d2ea067cb66f68" providerId="LiveId" clId="{31ADAD4B-D503-4568-BB74-7843C0CB657A}" dt="2024-02-07T12:32:24.678" v="1747" actId="20577"/>
-        <pc:sldMkLst>
-          <pc:docMk/>
-          <pc:sldMk cId="0" sldId="257"/>
-        </pc:sldMkLst>
-        <pc:spChg chg="mod">
-          <ac:chgData name="vaibhav bhosle" userId="68d2ea067cb66f68" providerId="LiveId" clId="{31ADAD4B-D503-4568-BB74-7843C0CB657A}" dt="2024-02-07T12:32:24.678" v="1747" actId="20577"/>
-          <ac:spMkLst>
-            <pc:docMk/>
-            <pc:sldMk cId="0" sldId="257"/>
-            <ac:spMk id="3" creationId="{00000000-0000-0000-0000-000000000000}"/>
-          </ac:spMkLst>
-        </pc:spChg>
-      </pc:sldChg>
-      <pc:sldChg chg="del">
-        <pc:chgData name="vaibhav bhosle" userId="68d2ea067cb66f68" providerId="LiveId" clId="{31ADAD4B-D503-4568-BB74-7843C0CB657A}" dt="2024-02-07T12:03:37.405" v="833" actId="2696"/>
-        <pc:sldMkLst>
-          <pc:docMk/>
-          <pc:sldMk cId="0" sldId="259"/>
-        </pc:sldMkLst>
-      </pc:sldChg>
-      <pc:sldChg chg="addSp delSp modSp mod ord modNotesTx">
-        <pc:chgData name="vaibhav bhosle" userId="68d2ea067cb66f68" providerId="LiveId" clId="{31ADAD4B-D503-4568-BB74-7843C0CB657A}" dt="2024-02-07T12:12:06.798" v="979"/>
-        <pc:sldMkLst>
-          <pc:docMk/>
-          <pc:sldMk cId="0" sldId="260"/>
-        </pc:sldMkLst>
-        <pc:spChg chg="mod">
-          <ac:chgData name="vaibhav bhosle" userId="68d2ea067cb66f68" providerId="LiveId" clId="{31ADAD4B-D503-4568-BB74-7843C0CB657A}" dt="2024-02-07T11:44:27.021" v="593" actId="27636"/>
-          <ac:spMkLst>
-            <pc:docMk/>
-            <pc:sldMk cId="0" sldId="260"/>
-            <ac:spMk id="2" creationId="{00000000-0000-0000-0000-000000000000}"/>
-          </ac:spMkLst>
-        </pc:spChg>
-        <pc:spChg chg="del mod">
-          <ac:chgData name="vaibhav bhosle" userId="68d2ea067cb66f68" providerId="LiveId" clId="{31ADAD4B-D503-4568-BB74-7843C0CB657A}" dt="2024-02-07T11:38:13.295" v="493" actId="931"/>
-          <ac:spMkLst>
-            <pc:docMk/>
-            <pc:sldMk cId="0" sldId="260"/>
-            <ac:spMk id="3" creationId="{00000000-0000-0000-0000-000000000000}"/>
-          </ac:spMkLst>
-        </pc:spChg>
-        <pc:spChg chg="add del mod">
-          <ac:chgData name="vaibhav bhosle" userId="68d2ea067cb66f68" providerId="LiveId" clId="{31ADAD4B-D503-4568-BB74-7843C0CB657A}" dt="2024-02-07T11:39:39.568" v="496" actId="931"/>
-          <ac:spMkLst>
-            <pc:docMk/>
-            <pc:sldMk cId="0" sldId="260"/>
-            <ac:spMk id="8" creationId="{06D3A9E7-1257-2C5B-D7EA-87B1E72BE851}"/>
-          </ac:spMkLst>
-        </pc:spChg>
-        <pc:picChg chg="add del mod">
-          <ac:chgData name="vaibhav bhosle" userId="68d2ea067cb66f68" providerId="LiveId" clId="{31ADAD4B-D503-4568-BB74-7843C0CB657A}" dt="2024-02-07T11:39:19.812" v="495" actId="478"/>
-          <ac:picMkLst>
-            <pc:docMk/>
-            <pc:sldMk cId="0" sldId="260"/>
-            <ac:picMk id="6" creationId="{926B221A-A35D-EC16-7AF2-37AD34514B2E}"/>
-          </ac:picMkLst>
-        </pc:picChg>
-        <pc:picChg chg="add mod">
-          <ac:chgData name="vaibhav bhosle" userId="68d2ea067cb66f68" providerId="LiveId" clId="{31ADAD4B-D503-4568-BB74-7843C0CB657A}" dt="2024-02-07T11:40:06.264" v="503" actId="14100"/>
-          <ac:picMkLst>
-            <pc:docMk/>
-            <pc:sldMk cId="0" sldId="260"/>
-            <ac:picMk id="10" creationId="{399CB185-BBF0-5622-E547-D57FE56C3AB4}"/>
-          </ac:picMkLst>
-        </pc:picChg>
-      </pc:sldChg>
-      <pc:sldChg chg="addSp delSp modSp mod setBg modNotesTx">
-        <pc:chgData name="vaibhav bhosle" userId="68d2ea067cb66f68" providerId="LiveId" clId="{31ADAD4B-D503-4568-BB74-7843C0CB657A}" dt="2024-02-07T12:30:19.162" v="1734" actId="20577"/>
-        <pc:sldMkLst>
-          <pc:docMk/>
-          <pc:sldMk cId="0" sldId="261"/>
-        </pc:sldMkLst>
-        <pc:spChg chg="mod">
-          <ac:chgData name="vaibhav bhosle" userId="68d2ea067cb66f68" providerId="LiveId" clId="{31ADAD4B-D503-4568-BB74-7843C0CB657A}" dt="2024-02-07T12:30:19.162" v="1734" actId="20577"/>
-          <ac:spMkLst>
-            <pc:docMk/>
-            <pc:sldMk cId="0" sldId="261"/>
-            <ac:spMk id="2" creationId="{00000000-0000-0000-0000-000000000000}"/>
-          </ac:spMkLst>
-        </pc:spChg>
-        <pc:spChg chg="del">
-          <ac:chgData name="vaibhav bhosle" userId="68d2ea067cb66f68" providerId="LiveId" clId="{31ADAD4B-D503-4568-BB74-7843C0CB657A}" dt="2024-02-07T11:24:04.272" v="0" actId="931"/>
-          <ac:spMkLst>
-            <pc:docMk/>
-            <pc:sldMk cId="0" sldId="261"/>
-            <ac:spMk id="3" creationId="{00000000-0000-0000-0000-000000000000}"/>
-          </ac:spMkLst>
-        </pc:spChg>
-        <pc:spChg chg="add del mod">
-          <ac:chgData name="vaibhav bhosle" userId="68d2ea067cb66f68" providerId="LiveId" clId="{31ADAD4B-D503-4568-BB74-7843C0CB657A}" dt="2024-02-07T11:30:14.542" v="4" actId="931"/>
-          <ac:spMkLst>
-            <pc:docMk/>
-            <pc:sldMk cId="0" sldId="261"/>
-            <ac:spMk id="7" creationId="{96F152C0-7C67-192B-4B23-4EF168A71555}"/>
-          </ac:spMkLst>
-        </pc:spChg>
-        <pc:spChg chg="add del">
-          <ac:chgData name="vaibhav bhosle" userId="68d2ea067cb66f68" providerId="LiveId" clId="{31ADAD4B-D503-4568-BB74-7843C0CB657A}" dt="2024-02-07T11:31:18.181" v="12" actId="26606"/>
-          <ac:spMkLst>
-            <pc:docMk/>
-            <pc:sldMk cId="0" sldId="261"/>
-            <ac:spMk id="14" creationId="{D4771268-CB57-404A-9271-370EB28F6090}"/>
-          </ac:spMkLst>
-        </pc:spChg>
-        <pc:spChg chg="add del">
-          <ac:chgData name="vaibhav bhosle" userId="68d2ea067cb66f68" providerId="LiveId" clId="{31ADAD4B-D503-4568-BB74-7843C0CB657A}" dt="2024-02-07T11:31:59.685" v="22" actId="26606"/>
-          <ac:spMkLst>
-            <pc:docMk/>
-            <pc:sldMk cId="0" sldId="261"/>
-            <ac:spMk id="16" creationId="{D12DDE76-C203-4047-9998-63900085B5E8}"/>
-          </ac:spMkLst>
-        </pc:spChg>
-        <pc:picChg chg="add del mod">
-          <ac:chgData name="vaibhav bhosle" userId="68d2ea067cb66f68" providerId="LiveId" clId="{31ADAD4B-D503-4568-BB74-7843C0CB657A}" dt="2024-02-07T11:24:31.928" v="3" actId="478"/>
-          <ac:picMkLst>
-            <pc:docMk/>
-            <pc:sldMk cId="0" sldId="261"/>
-            <ac:picMk id="5" creationId="{B2E3B1A4-EE12-C735-F948-88DB308BE389}"/>
-          </ac:picMkLst>
-        </pc:picChg>
-        <pc:picChg chg="add mod">
-          <ac:chgData name="vaibhav bhosle" userId="68d2ea067cb66f68" providerId="LiveId" clId="{31ADAD4B-D503-4568-BB74-7843C0CB657A}" dt="2024-02-07T12:04:56.273" v="834" actId="1076"/>
-          <ac:picMkLst>
-            <pc:docMk/>
-            <pc:sldMk cId="0" sldId="261"/>
-            <ac:picMk id="9" creationId="{5CC9D996-E097-A251-73C8-BB4450FE7B30}"/>
-          </ac:picMkLst>
-        </pc:picChg>
-      </pc:sldChg>
-      <pc:sldChg chg="modSp mod">
-        <pc:chgData name="vaibhav bhosle" userId="68d2ea067cb66f68" providerId="LiveId" clId="{31ADAD4B-D503-4568-BB74-7843C0CB657A}" dt="2024-02-07T12:26:36.527" v="1711" actId="20577"/>
-        <pc:sldMkLst>
-          <pc:docMk/>
-          <pc:sldMk cId="0" sldId="262"/>
-        </pc:sldMkLst>
-        <pc:spChg chg="mod">
-          <ac:chgData name="vaibhav bhosle" userId="68d2ea067cb66f68" providerId="LiveId" clId="{31ADAD4B-D503-4568-BB74-7843C0CB657A}" dt="2024-02-07T12:26:36.527" v="1711" actId="20577"/>
-          <ac:spMkLst>
-            <pc:docMk/>
-            <pc:sldMk cId="0" sldId="262"/>
-            <ac:spMk id="3" creationId="{00000000-0000-0000-0000-000000000000}"/>
-          </ac:spMkLst>
-        </pc:spChg>
-      </pc:sldChg>
-      <pc:sldChg chg="modSp mod">
-        <pc:chgData name="vaibhav bhosle" userId="68d2ea067cb66f68" providerId="LiveId" clId="{31ADAD4B-D503-4568-BB74-7843C0CB657A}" dt="2024-02-07T12:55:24.971" v="1776" actId="20577"/>
-        <pc:sldMkLst>
-          <pc:docMk/>
-          <pc:sldMk cId="0" sldId="263"/>
-        </pc:sldMkLst>
-        <pc:spChg chg="mod">
-          <ac:chgData name="vaibhav bhosle" userId="68d2ea067cb66f68" providerId="LiveId" clId="{31ADAD4B-D503-4568-BB74-7843C0CB657A}" dt="2024-02-07T12:55:24.971" v="1776" actId="20577"/>
-          <ac:spMkLst>
-            <pc:docMk/>
-            <pc:sldMk cId="0" sldId="263"/>
-            <ac:spMk id="3" creationId="{00000000-0000-0000-0000-000000000000}"/>
-          </ac:spMkLst>
-        </pc:spChg>
-      </pc:sldChg>
-      <pc:sldChg chg="delSp modSp mod modAnim">
-        <pc:chgData name="vaibhav bhosle" userId="68d2ea067cb66f68" providerId="LiveId" clId="{31ADAD4B-D503-4568-BB74-7843C0CB657A}" dt="2024-02-07T12:28:11.806" v="1731"/>
-        <pc:sldMkLst>
-          <pc:docMk/>
-          <pc:sldMk cId="0" sldId="264"/>
-        </pc:sldMkLst>
-        <pc:spChg chg="mod">
-          <ac:chgData name="vaibhav bhosle" userId="68d2ea067cb66f68" providerId="LiveId" clId="{31ADAD4B-D503-4568-BB74-7843C0CB657A}" dt="2024-02-07T12:28:02.080" v="1730" actId="255"/>
-          <ac:spMkLst>
-            <pc:docMk/>
-            <pc:sldMk cId="0" sldId="264"/>
-            <ac:spMk id="2" creationId="{00000000-0000-0000-0000-000000000000}"/>
-          </ac:spMkLst>
-        </pc:spChg>
-        <pc:spChg chg="del mod">
-          <ac:chgData name="vaibhav bhosle" userId="68d2ea067cb66f68" providerId="LiveId" clId="{31ADAD4B-D503-4568-BB74-7843C0CB657A}" dt="2024-02-07T12:27:41.434" v="1724" actId="21"/>
-          <ac:spMkLst>
-            <pc:docMk/>
-            <pc:sldMk cId="0" sldId="264"/>
-            <ac:spMk id="3" creationId="{00000000-0000-0000-0000-000000000000}"/>
-          </ac:spMkLst>
-        </pc:spChg>
-      </pc:sldChg>
-      <pc:sldChg chg="modSp mod modAnim">
-        <pc:chgData name="vaibhav bhosle" userId="68d2ea067cb66f68" providerId="LiveId" clId="{31ADAD4B-D503-4568-BB74-7843C0CB657A}" dt="2024-02-07T12:28:53.944" v="1733"/>
-        <pc:sldMkLst>
-          <pc:docMk/>
-          <pc:sldMk cId="0" sldId="265"/>
-        </pc:sldMkLst>
-        <pc:spChg chg="mod">
-          <ac:chgData name="vaibhav bhosle" userId="68d2ea067cb66f68" providerId="LiveId" clId="{31ADAD4B-D503-4568-BB74-7843C0CB657A}" dt="2024-02-07T12:28:44.085" v="1732" actId="255"/>
-          <ac:spMkLst>
-            <pc:docMk/>
-            <pc:sldMk cId="0" sldId="265"/>
-            <ac:spMk id="2" creationId="{00000000-0000-0000-0000-000000000000}"/>
-          </ac:spMkLst>
-        </pc:spChg>
-      </pc:sldChg>
-      <pc:sldChg chg="modSp del mod">
-        <pc:chgData name="vaibhav bhosle" userId="68d2ea067cb66f68" providerId="LiveId" clId="{31ADAD4B-D503-4568-BB74-7843C0CB657A}" dt="2024-02-07T12:08:20.756" v="835" actId="2696"/>
-        <pc:sldMkLst>
-          <pc:docMk/>
-          <pc:sldMk cId="3944268338" sldId="268"/>
-        </pc:sldMkLst>
-        <pc:spChg chg="mod">
-          <ac:chgData name="vaibhav bhosle" userId="68d2ea067cb66f68" providerId="LiveId" clId="{31ADAD4B-D503-4568-BB74-7843C0CB657A}" dt="2024-02-07T11:44:37.472" v="612" actId="27636"/>
-          <ac:spMkLst>
-            <pc:docMk/>
-            <pc:sldMk cId="3944268338" sldId="268"/>
-            <ac:spMk id="2" creationId="{00000000-0000-0000-0000-000000000000}"/>
-          </ac:spMkLst>
-        </pc:spChg>
-      </pc:sldChg>
-      <pc:sldChg chg="addSp delSp modSp add mod modNotesTx">
-        <pc:chgData name="vaibhav bhosle" userId="68d2ea067cb66f68" providerId="LiveId" clId="{31ADAD4B-D503-4568-BB74-7843C0CB657A}" dt="2024-02-07T12:18:13.723" v="1315" actId="20577"/>
-        <pc:sldMkLst>
-          <pc:docMk/>
-          <pc:sldMk cId="3004503704" sldId="269"/>
-        </pc:sldMkLst>
-        <pc:spChg chg="mod">
-          <ac:chgData name="vaibhav bhosle" userId="68d2ea067cb66f68" providerId="LiveId" clId="{31ADAD4B-D503-4568-BB74-7843C0CB657A}" dt="2024-02-07T11:44:18.608" v="584" actId="20577"/>
-          <ac:spMkLst>
-            <pc:docMk/>
-            <pc:sldMk cId="3004503704" sldId="269"/>
-            <ac:spMk id="2" creationId="{00000000-0000-0000-0000-000000000000}"/>
-          </ac:spMkLst>
-        </pc:spChg>
-        <pc:spChg chg="add del mod">
-          <ac:chgData name="vaibhav bhosle" userId="68d2ea067cb66f68" providerId="LiveId" clId="{31ADAD4B-D503-4568-BB74-7843C0CB657A}" dt="2024-02-07T11:42:27.176" v="507" actId="931"/>
-          <ac:spMkLst>
-            <pc:docMk/>
-            <pc:sldMk cId="3004503704" sldId="269"/>
-            <ac:spMk id="4" creationId="{F1CDA755-84BC-93F9-EEDA-4D1187F0DD48}"/>
-          </ac:spMkLst>
-        </pc:spChg>
-        <pc:picChg chg="add mod">
-          <ac:chgData name="vaibhav bhosle" userId="68d2ea067cb66f68" providerId="LiveId" clId="{31ADAD4B-D503-4568-BB74-7843C0CB657A}" dt="2024-02-07T11:42:44.585" v="514" actId="14100"/>
-          <ac:picMkLst>
-            <pc:docMk/>
-            <pc:sldMk cId="3004503704" sldId="269"/>
-            <ac:picMk id="6" creationId="{D5F5FFB0-2FBA-D044-9588-95AAED028A87}"/>
-          </ac:picMkLst>
-        </pc:picChg>
-        <pc:picChg chg="del">
-          <ac:chgData name="vaibhav bhosle" userId="68d2ea067cb66f68" providerId="LiveId" clId="{31ADAD4B-D503-4568-BB74-7843C0CB657A}" dt="2024-02-07T11:42:05.040" v="506" actId="478"/>
-          <ac:picMkLst>
-            <pc:docMk/>
-            <pc:sldMk cId="3004503704" sldId="269"/>
-            <ac:picMk id="10" creationId="{399CB185-BBF0-5622-E547-D57FE56C3AB4}"/>
-          </ac:picMkLst>
-        </pc:picChg>
-      </pc:sldChg>
-      <pc:sldChg chg="addSp delSp modSp add mod modNotesTx">
-        <pc:chgData name="vaibhav bhosle" userId="68d2ea067cb66f68" providerId="LiveId" clId="{31ADAD4B-D503-4568-BB74-7843C0CB657A}" dt="2024-02-07T12:24:12.144" v="1462" actId="20577"/>
-        <pc:sldMkLst>
-          <pc:docMk/>
-          <pc:sldMk cId="706350439" sldId="270"/>
-        </pc:sldMkLst>
-        <pc:spChg chg="mod">
-          <ac:chgData name="vaibhav bhosle" userId="68d2ea067cb66f68" providerId="LiveId" clId="{31ADAD4B-D503-4568-BB74-7843C0CB657A}" dt="2024-02-07T11:48:15.514" v="675" actId="20577"/>
-          <ac:spMkLst>
-            <pc:docMk/>
-            <pc:sldMk cId="706350439" sldId="270"/>
-            <ac:spMk id="2" creationId="{00000000-0000-0000-0000-000000000000}"/>
-          </ac:spMkLst>
-        </pc:spChg>
-        <pc:spChg chg="add del mod">
-          <ac:chgData name="vaibhav bhosle" userId="68d2ea067cb66f68" providerId="LiveId" clId="{31ADAD4B-D503-4568-BB74-7843C0CB657A}" dt="2024-02-07T11:48:40.607" v="677" actId="931"/>
-          <ac:spMkLst>
-            <pc:docMk/>
-            <pc:sldMk cId="706350439" sldId="270"/>
-            <ac:spMk id="4" creationId="{FBD19288-6507-E638-AFAB-36A463B1526A}"/>
-          </ac:spMkLst>
-        </pc:spChg>
-        <pc:spChg chg="add del mod">
-          <ac:chgData name="vaibhav bhosle" userId="68d2ea067cb66f68" providerId="LiveId" clId="{31ADAD4B-D503-4568-BB74-7843C0CB657A}" dt="2024-02-07T12:21:52.350" v="1317" actId="931"/>
-          <ac:spMkLst>
-            <pc:docMk/>
-            <pc:sldMk cId="706350439" sldId="270"/>
-            <ac:spMk id="9" creationId="{0E3B4905-27B9-E6E8-4A7B-143EFE532DC3}"/>
-          </ac:spMkLst>
-        </pc:spChg>
-        <pc:picChg chg="del">
-          <ac:chgData name="vaibhav bhosle" userId="68d2ea067cb66f68" providerId="LiveId" clId="{31ADAD4B-D503-4568-BB74-7843C0CB657A}" dt="2024-02-07T11:48:31.712" v="676" actId="478"/>
-          <ac:picMkLst>
-            <pc:docMk/>
-            <pc:sldMk cId="706350439" sldId="270"/>
-            <ac:picMk id="6" creationId="{D5F5FFB0-2FBA-D044-9588-95AAED028A87}"/>
-          </ac:picMkLst>
-        </pc:picChg>
-        <pc:picChg chg="add del mod">
-          <ac:chgData name="vaibhav bhosle" userId="68d2ea067cb66f68" providerId="LiveId" clId="{31ADAD4B-D503-4568-BB74-7843C0CB657A}" dt="2024-02-07T12:21:32.362" v="1316" actId="478"/>
-          <ac:picMkLst>
-            <pc:docMk/>
-            <pc:sldMk cId="706350439" sldId="270"/>
-            <ac:picMk id="7" creationId="{2E07E536-4CF5-E998-1312-A399E97DEA76}"/>
-          </ac:picMkLst>
-        </pc:picChg>
-        <pc:picChg chg="add mod">
-          <ac:chgData name="vaibhav bhosle" userId="68d2ea067cb66f68" providerId="LiveId" clId="{31ADAD4B-D503-4568-BB74-7843C0CB657A}" dt="2024-02-07T12:22:04.662" v="1322" actId="14100"/>
-          <ac:picMkLst>
-            <pc:docMk/>
-            <pc:sldMk cId="706350439" sldId="270"/>
-            <ac:picMk id="11" creationId="{4AD0163B-E614-77EC-1B11-048EF2152C1E}"/>
-          </ac:picMkLst>
-        </pc:picChg>
-      </pc:sldChg>
-      <pc:sldChg chg="addSp delSp modSp add mod">
-        <pc:chgData name="vaibhav bhosle" userId="68d2ea067cb66f68" providerId="LiveId" clId="{31ADAD4B-D503-4568-BB74-7843C0CB657A}" dt="2024-02-07T11:51:32.553" v="727" actId="962"/>
-        <pc:sldMkLst>
-          <pc:docMk/>
-          <pc:sldMk cId="263020404" sldId="271"/>
-        </pc:sldMkLst>
-        <pc:spChg chg="mod">
-          <ac:chgData name="vaibhav bhosle" userId="68d2ea067cb66f68" providerId="LiveId" clId="{31ADAD4B-D503-4568-BB74-7843C0CB657A}" dt="2024-02-07T11:51:16.563" v="722" actId="1076"/>
-          <ac:spMkLst>
-            <pc:docMk/>
-            <pc:sldMk cId="263020404" sldId="271"/>
-            <ac:spMk id="2" creationId="{00000000-0000-0000-0000-000000000000}"/>
-          </ac:spMkLst>
-        </pc:spChg>
-        <pc:spChg chg="add del mod">
-          <ac:chgData name="vaibhav bhosle" userId="68d2ea067cb66f68" providerId="LiveId" clId="{31ADAD4B-D503-4568-BB74-7843C0CB657A}" dt="2024-02-07T11:50:44.480" v="715" actId="931"/>
-          <ac:spMkLst>
-            <pc:docMk/>
-            <pc:sldMk cId="263020404" sldId="271"/>
-            <ac:spMk id="4" creationId="{7448BF3B-98E6-346E-199F-682E7B67C3A4}"/>
-          </ac:spMkLst>
-        </pc:spChg>
-        <pc:picChg chg="add mod">
-          <ac:chgData name="vaibhav bhosle" userId="68d2ea067cb66f68" providerId="LiveId" clId="{31ADAD4B-D503-4568-BB74-7843C0CB657A}" dt="2024-02-07T11:51:32.553" v="727" actId="962"/>
-          <ac:picMkLst>
-            <pc:docMk/>
-            <pc:sldMk cId="263020404" sldId="271"/>
-            <ac:picMk id="6" creationId="{9A609EC7-E79E-C140-0604-2F989655DC5A}"/>
-          </ac:picMkLst>
-        </pc:picChg>
-        <pc:picChg chg="del">
-          <ac:chgData name="vaibhav bhosle" userId="68d2ea067cb66f68" providerId="LiveId" clId="{31ADAD4B-D503-4568-BB74-7843C0CB657A}" dt="2024-02-07T11:50:17.559" v="714" actId="478"/>
-          <ac:picMkLst>
-            <pc:docMk/>
-            <pc:sldMk cId="263020404" sldId="271"/>
-            <ac:picMk id="7" creationId="{2E07E536-4CF5-E998-1312-A399E97DEA76}"/>
-          </ac:picMkLst>
-        </pc:picChg>
-      </pc:sldChg>
-      <pc:sldChg chg="addSp delSp modSp new mod">
-        <pc:chgData name="vaibhav bhosle" userId="68d2ea067cb66f68" providerId="LiveId" clId="{31ADAD4B-D503-4568-BB74-7843C0CB657A}" dt="2024-02-07T11:59:36.940" v="764" actId="14100"/>
-        <pc:sldMkLst>
-          <pc:docMk/>
-          <pc:sldMk cId="366985341" sldId="272"/>
-        </pc:sldMkLst>
-        <pc:spChg chg="mod">
-          <ac:chgData name="vaibhav bhosle" userId="68d2ea067cb66f68" providerId="LiveId" clId="{31ADAD4B-D503-4568-BB74-7843C0CB657A}" dt="2024-02-07T11:52:15.432" v="757" actId="1076"/>
-          <ac:spMkLst>
-            <pc:docMk/>
-            <pc:sldMk cId="366985341" sldId="272"/>
-            <ac:spMk id="2" creationId="{17358F9C-C032-B95A-60DB-974DD7632C4E}"/>
-          </ac:spMkLst>
-        </pc:spChg>
-        <pc:spChg chg="del">
-          <ac:chgData name="vaibhav bhosle" userId="68d2ea067cb66f68" providerId="LiveId" clId="{31ADAD4B-D503-4568-BB74-7843C0CB657A}" dt="2024-02-07T11:59:25.502" v="758" actId="931"/>
-          <ac:spMkLst>
-            <pc:docMk/>
-            <pc:sldMk cId="366985341" sldId="272"/>
-            <ac:spMk id="3" creationId="{5CFA4CCD-2FFD-8AA5-2A2A-0BDEA09793A8}"/>
-          </ac:spMkLst>
-        </pc:spChg>
-        <pc:picChg chg="add mod">
-          <ac:chgData name="vaibhav bhosle" userId="68d2ea067cb66f68" providerId="LiveId" clId="{31ADAD4B-D503-4568-BB74-7843C0CB657A}" dt="2024-02-07T11:59:36.940" v="764" actId="14100"/>
-          <ac:picMkLst>
-            <pc:docMk/>
-            <pc:sldMk cId="366985341" sldId="272"/>
-            <ac:picMk id="5" creationId="{E6132EF4-ECA1-8FB9-8847-C4F47BCFBF9A}"/>
-          </ac:picMkLst>
-        </pc:picChg>
-      </pc:sldChg>
-      <pc:sldChg chg="addSp delSp modSp new mod ord">
-        <pc:chgData name="vaibhav bhosle" userId="68d2ea067cb66f68" providerId="LiveId" clId="{31ADAD4B-D503-4568-BB74-7843C0CB657A}" dt="2024-02-07T12:03:00.808" v="832" actId="20577"/>
-        <pc:sldMkLst>
-          <pc:docMk/>
-          <pc:sldMk cId="3574457310" sldId="273"/>
-        </pc:sldMkLst>
-        <pc:spChg chg="mod">
-          <ac:chgData name="vaibhav bhosle" userId="68d2ea067cb66f68" providerId="LiveId" clId="{31ADAD4B-D503-4568-BB74-7843C0CB657A}" dt="2024-02-07T12:03:00.808" v="832" actId="20577"/>
-          <ac:spMkLst>
-            <pc:docMk/>
-            <pc:sldMk cId="3574457310" sldId="273"/>
-            <ac:spMk id="2" creationId="{F266EACA-BC38-AFDC-D708-E142A0C48C0A}"/>
-          </ac:spMkLst>
-        </pc:spChg>
-        <pc:spChg chg="del">
-          <ac:chgData name="vaibhav bhosle" userId="68d2ea067cb66f68" providerId="LiveId" clId="{31ADAD4B-D503-4568-BB74-7843C0CB657A}" dt="2024-02-07T12:00:59.346" v="768" actId="931"/>
-          <ac:spMkLst>
-            <pc:docMk/>
-            <pc:sldMk cId="3574457310" sldId="273"/>
-            <ac:spMk id="3" creationId="{8B0443CA-3157-8925-996D-3AC2256184CB}"/>
-          </ac:spMkLst>
-        </pc:spChg>
-        <pc:picChg chg="add mod">
-          <ac:chgData name="vaibhav bhosle" userId="68d2ea067cb66f68" providerId="LiveId" clId="{31ADAD4B-D503-4568-BB74-7843C0CB657A}" dt="2024-02-07T12:01:36.975" v="780" actId="1076"/>
-          <ac:picMkLst>
-            <pc:docMk/>
-            <pc:sldMk cId="3574457310" sldId="273"/>
-            <ac:picMk id="5" creationId="{D8B63721-28A1-FE89-BC53-DD2AD4C3C03E}"/>
-          </ac:picMkLst>
-        </pc:picChg>
-        <pc:picChg chg="add del mod">
-          <ac:chgData name="vaibhav bhosle" userId="68d2ea067cb66f68" providerId="LiveId" clId="{31ADAD4B-D503-4568-BB74-7843C0CB657A}" dt="2024-02-07T12:02:08.170" v="788" actId="478"/>
-          <ac:picMkLst>
-            <pc:docMk/>
-            <pc:sldMk cId="3574457310" sldId="273"/>
-            <ac:picMk id="6" creationId="{23F3AC26-38FA-C73C-F278-11785DFBBFCD}"/>
-          </ac:picMkLst>
-        </pc:picChg>
-        <pc:picChg chg="add mod">
-          <ac:chgData name="vaibhav bhosle" userId="68d2ea067cb66f68" providerId="LiveId" clId="{31ADAD4B-D503-4568-BB74-7843C0CB657A}" dt="2024-02-07T12:02:20.339" v="792" actId="1076"/>
-          <ac:picMkLst>
-            <pc:docMk/>
-            <pc:sldMk cId="3574457310" sldId="273"/>
-            <ac:picMk id="8" creationId="{3C3E53BF-F961-70CF-7372-65610C1A86B1}"/>
-          </ac:picMkLst>
-        </pc:picChg>
-      </pc:sldChg>
-      <pc:sldChg chg="add del">
-        <pc:chgData name="vaibhav bhosle" userId="68d2ea067cb66f68" providerId="LiveId" clId="{31ADAD4B-D503-4568-BB74-7843C0CB657A}" dt="2024-02-07T12:38:16.864" v="1749"/>
-        <pc:sldMkLst>
-          <pc:docMk/>
-          <pc:sldMk cId="1210903858" sldId="274"/>
-        </pc:sldMkLst>
-      </pc:sldChg>
-    </pc:docChg>
-  </pc:docChgLst>
-</pc:chgInfo>
-</file>
-
 <file path=ppt/notesMasters/notesMaster1.xml><?xml version="1.0" encoding="utf-8"?>
 <p:notesMaster xmlns:a="http://schemas.openxmlformats.org/drawingml/2006/main" xmlns:r="http://schemas.openxmlformats.org/officeDocument/2006/relationships" xmlns:p="http://schemas.openxmlformats.org/presentationml/2006/main">
   <p:cSld>
@@ -678,7 +229,7 @@
           <a:p>
             <a:fld id="{F488D1C0-1F46-4C96-A529-E7446B738FFE}" type="datetimeFigureOut">
               <a:rPr lang="en-AU" smtClean="0"/>
-              <a:t>6/02/2024</a:t>
+              <a:t>8/02/2024</a:t>
             </a:fld>
             <a:endParaRPr lang="en-AU"/>
           </a:p>
@@ -1095,7 +646,7 @@
           <a:p>
             <a:fld id="{F7021451-1387-4CA6-816F-3879F97B5CBC}" type="slidenum">
               <a:rPr lang="en-US" smtClean="0"/>
-              <a:t>4</a:t>
+              <a:t>2</a:t>
             </a:fld>
             <a:endParaRPr lang="en-US"/>
           </a:p>
@@ -1179,7 +730,7 @@
           <a:p>
             <a:fld id="{F7021451-1387-4CA6-816F-3879F97B5CBC}" type="slidenum">
               <a:rPr lang="en-US" smtClean="0"/>
-              <a:t>5</a:t>
+              <a:t>3</a:t>
             </a:fld>
             <a:endParaRPr lang="en-US"/>
           </a:p>
@@ -1243,23 +794,17 @@
           <a:lstStyle/>
           <a:p>
             <a:r>
-              <a:rPr lang="en-AU" dirty="0"/>
-              <a:t>The above bar graph shows there are 32 LGAs and the number of parks per LGA.</a:t>
-            </a:r>
-          </a:p>
-          <a:p>
-            <a:r>
-              <a:rPr lang="en-AU" dirty="0"/>
-              <a:t>Highest number of parks are in Yarra Ranges and Mitchell has the lowest number of parks.</a:t>
-            </a:r>
-          </a:p>
-          <a:p>
-            <a:r>
-              <a:rPr lang="en-AU" dirty="0"/>
-              <a:t>For new homeowners, factors of a good location like neighbourhood, proximity to amenities will increase the value of their property as per Investopedia.</a:t>
-            </a:r>
-          </a:p>
-          <a:p>
+              <a:rPr lang="en-US" dirty="0"/>
+              <a:t>Mitchell, Kingston, Hume and </a:t>
+            </a:r>
+            <a:r>
+              <a:rPr lang="en-US" dirty="0" err="1"/>
+              <a:t>Yarra</a:t>
+            </a:r>
+            <a:r>
+              <a:rPr lang="en-US" dirty="0"/>
+              <a:t> Ranges located well outside the Melbourne Metro LGA area. Would not be considered suitable for a family or person moving there who’s after a good balance between availability of inner-city services and public spaces.</a:t>
+            </a:r>
             <a:endParaRPr lang="en-AU" dirty="0"/>
           </a:p>
         </p:txBody>
@@ -1281,7 +826,7 @@
           <a:p>
             <a:fld id="{D2EC087D-094B-4121-A536-202E43873E76}" type="slidenum">
               <a:rPr lang="en-AU" smtClean="0"/>
-              <a:t>7</a:t>
+              <a:t>6</a:t>
             </a:fld>
             <a:endParaRPr lang="en-AU"/>
           </a:p>
@@ -1290,7 +835,7 @@
     </p:spTree>
     <p:extLst>
       <p:ext uri="{BB962C8B-B14F-4D97-AF65-F5344CB8AC3E}">
-        <p14:creationId xmlns:p14="http://schemas.microsoft.com/office/powerpoint/2010/main" val="644153602"/>
+        <p14:creationId xmlns:p14="http://schemas.microsoft.com/office/powerpoint/2010/main" val="3246329805"/>
       </p:ext>
     </p:extLst>
   </p:cSld>
@@ -1383,7 +928,7 @@
           <a:p>
             <a:fld id="{D2EC087D-094B-4121-A536-202E43873E76}" type="slidenum">
               <a:rPr lang="en-AU" smtClean="0"/>
-              <a:t>8</a:t>
+              <a:t>7</a:t>
             </a:fld>
             <a:endParaRPr lang="en-AU"/>
           </a:p>
@@ -1446,69 +991,6 @@
           <a:bodyPr/>
           <a:lstStyle/>
           <a:p>
-            <a:r>
-              <a:rPr lang="en-AU" dirty="0"/>
-              <a:t>The above bar graph shows the different types of schools per LGA.</a:t>
-            </a:r>
-          </a:p>
-          <a:p>
-            <a:r>
-              <a:rPr lang="en-AU" dirty="0"/>
-              <a:t>Families with kids would prefer buying a property which is near schools due to</a:t>
-            </a:r>
-          </a:p>
-          <a:p>
-            <a:r>
-              <a:rPr lang="en-AU" dirty="0"/>
-              <a:t>-improved investment returns </a:t>
-            </a:r>
-          </a:p>
-          <a:p>
-            <a:r>
-              <a:rPr lang="en-AU" dirty="0"/>
-              <a:t>-easy accessibility to schools</a:t>
-            </a:r>
-          </a:p>
-          <a:p>
-            <a:r>
-              <a:rPr lang="en-AU" dirty="0"/>
-              <a:t>-Safer neighbourhood</a:t>
-            </a:r>
-          </a:p>
-          <a:p>
-            <a:r>
-              <a:rPr lang="en-AU" dirty="0"/>
-              <a:t>-Sense of community</a:t>
-            </a:r>
-          </a:p>
-          <a:p>
-            <a:endParaRPr lang="en-AU" dirty="0"/>
-          </a:p>
-          <a:p>
-            <a:r>
-              <a:rPr lang="en-AU" dirty="0"/>
-              <a:t>Cons</a:t>
-            </a:r>
-          </a:p>
-          <a:p>
-            <a:r>
-              <a:rPr lang="en-AU" dirty="0"/>
-              <a:t>-Noisy</a:t>
-            </a:r>
-          </a:p>
-          <a:p>
-            <a:r>
-              <a:rPr lang="en-AU" dirty="0"/>
-              <a:t>-Traffic</a:t>
-            </a:r>
-          </a:p>
-          <a:p>
-            <a:r>
-              <a:rPr lang="en-AU" dirty="0"/>
-              <a:t>-Parking</a:t>
-            </a:r>
-          </a:p>
-          <a:p>
             <a:endParaRPr lang="en-AU" dirty="0"/>
           </a:p>
         </p:txBody>
@@ -1530,7 +1012,7 @@
           <a:p>
             <a:fld id="{D2EC087D-094B-4121-A536-202E43873E76}" type="slidenum">
               <a:rPr lang="en-AU" smtClean="0"/>
-              <a:t>9</a:t>
+              <a:t>8</a:t>
             </a:fld>
             <a:endParaRPr lang="en-AU"/>
           </a:p>
@@ -1539,7 +1021,7 @@
     </p:spTree>
     <p:extLst>
       <p:ext uri="{BB962C8B-B14F-4D97-AF65-F5344CB8AC3E}">
-        <p14:creationId xmlns:p14="http://schemas.microsoft.com/office/powerpoint/2010/main" val="4089683548"/>
+        <p14:creationId xmlns:p14="http://schemas.microsoft.com/office/powerpoint/2010/main" val="1146690169"/>
       </p:ext>
     </p:extLst>
   </p:cSld>
@@ -1595,8 +1077,68 @@
           <a:p>
             <a:r>
               <a:rPr lang="en-AU" dirty="0"/>
-              <a:t>It is evident with the above graph that Casey has the greatest number of open spaces and schools.</a:t>
-            </a:r>
+              <a:t>The above bar graph shows the different types of schools per LGA.</a:t>
+            </a:r>
+          </a:p>
+          <a:p>
+            <a:r>
+              <a:rPr lang="en-AU" dirty="0"/>
+              <a:t>Families with kids would prefer buying a property which is near schools due to</a:t>
+            </a:r>
+          </a:p>
+          <a:p>
+            <a:r>
+              <a:rPr lang="en-AU" dirty="0"/>
+              <a:t>-improved investment returns </a:t>
+            </a:r>
+          </a:p>
+          <a:p>
+            <a:r>
+              <a:rPr lang="en-AU" dirty="0"/>
+              <a:t>-easy accessibility to schools</a:t>
+            </a:r>
+          </a:p>
+          <a:p>
+            <a:r>
+              <a:rPr lang="en-AU" dirty="0"/>
+              <a:t>-Safer neighbourhood</a:t>
+            </a:r>
+          </a:p>
+          <a:p>
+            <a:r>
+              <a:rPr lang="en-AU" dirty="0"/>
+              <a:t>-Sense of community</a:t>
+            </a:r>
+          </a:p>
+          <a:p>
+            <a:endParaRPr lang="en-AU" dirty="0"/>
+          </a:p>
+          <a:p>
+            <a:r>
+              <a:rPr lang="en-AU" dirty="0"/>
+              <a:t>Cons</a:t>
+            </a:r>
+          </a:p>
+          <a:p>
+            <a:r>
+              <a:rPr lang="en-AU" dirty="0"/>
+              <a:t>-Noisy</a:t>
+            </a:r>
+          </a:p>
+          <a:p>
+            <a:r>
+              <a:rPr lang="en-AU" dirty="0"/>
+              <a:t>-Traffic</a:t>
+            </a:r>
+          </a:p>
+          <a:p>
+            <a:r>
+              <a:rPr lang="en-AU" dirty="0"/>
+              <a:t>-Parking</a:t>
+            </a:r>
+          </a:p>
+          <a:p>
+            <a:endParaRPr lang="en-AU" dirty="0"/>
           </a:p>
         </p:txBody>
       </p:sp>
@@ -1617,7 +1159,7 @@
           <a:p>
             <a:fld id="{D2EC087D-094B-4121-A536-202E43873E76}" type="slidenum">
               <a:rPr lang="en-AU" smtClean="0"/>
-              <a:t>10</a:t>
+              <a:t>9</a:t>
             </a:fld>
             <a:endParaRPr lang="en-AU"/>
           </a:p>
@@ -1626,7 +1168,7 @@
     </p:spTree>
     <p:extLst>
       <p:ext uri="{BB962C8B-B14F-4D97-AF65-F5344CB8AC3E}">
-        <p14:creationId xmlns:p14="http://schemas.microsoft.com/office/powerpoint/2010/main" val="1935141170"/>
+        <p14:creationId xmlns:p14="http://schemas.microsoft.com/office/powerpoint/2010/main" val="4089683548"/>
       </p:ext>
     </p:extLst>
   </p:cSld>
@@ -1680,7 +1222,10 @@
           <a:bodyPr/>
           <a:lstStyle/>
           <a:p>
-            <a:endParaRPr lang="en-AU" dirty="0"/>
+            <a:r>
+              <a:rPr lang="en-AU" dirty="0"/>
+              <a:t>It is evident with the above graph that Casey has the greatest number of open spaces and schools.</a:t>
+            </a:r>
           </a:p>
         </p:txBody>
       </p:sp>
@@ -1701,7 +1246,7 @@
           <a:p>
             <a:fld id="{D2EC087D-094B-4121-A536-202E43873E76}" type="slidenum">
               <a:rPr lang="en-AU" smtClean="0"/>
-              <a:t>11</a:t>
+              <a:t>10</a:t>
             </a:fld>
             <a:endParaRPr lang="en-AU"/>
           </a:p>
@@ -1710,7 +1255,7 @@
     </p:spTree>
     <p:extLst>
       <p:ext uri="{BB962C8B-B14F-4D97-AF65-F5344CB8AC3E}">
-        <p14:creationId xmlns:p14="http://schemas.microsoft.com/office/powerpoint/2010/main" val="1146690169"/>
+        <p14:creationId xmlns:p14="http://schemas.microsoft.com/office/powerpoint/2010/main" val="1935141170"/>
       </p:ext>
     </p:extLst>
   </p:cSld>
@@ -1899,7 +1444,7 @@
           <a:p>
             <a:fld id="{5BCAD085-E8A6-8845-BD4E-CB4CCA059FC4}" type="datetimeFigureOut">
               <a:rPr lang="en-US" smtClean="0"/>
-              <a:t>2/6/2024</a:t>
+              <a:t>2/8/2024</a:t>
             </a:fld>
             <a:endParaRPr lang="en-US"/>
           </a:p>
@@ -2067,7 +1612,7 @@
           <a:p>
             <a:fld id="{5BCAD085-E8A6-8845-BD4E-CB4CCA059FC4}" type="datetimeFigureOut">
               <a:rPr lang="en-US" smtClean="0"/>
-              <a:t>2/6/2024</a:t>
+              <a:t>2/8/2024</a:t>
             </a:fld>
             <a:endParaRPr lang="en-US"/>
           </a:p>
@@ -2245,7 +1790,7 @@
           <a:p>
             <a:fld id="{5BCAD085-E8A6-8845-BD4E-CB4CCA059FC4}" type="datetimeFigureOut">
               <a:rPr lang="en-US" smtClean="0"/>
-              <a:t>2/6/2024</a:t>
+              <a:t>2/8/2024</a:t>
             </a:fld>
             <a:endParaRPr lang="en-US"/>
           </a:p>
@@ -2413,7 +1958,7 @@
           <a:p>
             <a:fld id="{5BCAD085-E8A6-8845-BD4E-CB4CCA059FC4}" type="datetimeFigureOut">
               <a:rPr lang="en-US" smtClean="0"/>
-              <a:t>2/6/2024</a:t>
+              <a:t>2/8/2024</a:t>
             </a:fld>
             <a:endParaRPr lang="en-US"/>
           </a:p>
@@ -2658,7 +2203,7 @@
           <a:p>
             <a:fld id="{5BCAD085-E8A6-8845-BD4E-CB4CCA059FC4}" type="datetimeFigureOut">
               <a:rPr lang="en-US" smtClean="0"/>
-              <a:t>2/6/2024</a:t>
+              <a:t>2/8/2024</a:t>
             </a:fld>
             <a:endParaRPr lang="en-US"/>
           </a:p>
@@ -2943,7 +2488,7 @@
           <a:p>
             <a:fld id="{5BCAD085-E8A6-8845-BD4E-CB4CCA059FC4}" type="datetimeFigureOut">
               <a:rPr lang="en-US" smtClean="0"/>
-              <a:t>2/6/2024</a:t>
+              <a:t>2/8/2024</a:t>
             </a:fld>
             <a:endParaRPr lang="en-US"/>
           </a:p>
@@ -3362,7 +2907,7 @@
           <a:p>
             <a:fld id="{5BCAD085-E8A6-8845-BD4E-CB4CCA059FC4}" type="datetimeFigureOut">
               <a:rPr lang="en-US" smtClean="0"/>
-              <a:t>2/6/2024</a:t>
+              <a:t>2/8/2024</a:t>
             </a:fld>
             <a:endParaRPr lang="en-US"/>
           </a:p>
@@ -3479,7 +3024,7 @@
           <a:p>
             <a:fld id="{5BCAD085-E8A6-8845-BD4E-CB4CCA059FC4}" type="datetimeFigureOut">
               <a:rPr lang="en-US" smtClean="0"/>
-              <a:t>2/6/2024</a:t>
+              <a:t>2/8/2024</a:t>
             </a:fld>
             <a:endParaRPr lang="en-US"/>
           </a:p>
@@ -3574,7 +3119,7 @@
           <a:p>
             <a:fld id="{5BCAD085-E8A6-8845-BD4E-CB4CCA059FC4}" type="datetimeFigureOut">
               <a:rPr lang="en-US" smtClean="0"/>
-              <a:t>2/6/2024</a:t>
+              <a:t>2/8/2024</a:t>
             </a:fld>
             <a:endParaRPr lang="en-US"/>
           </a:p>
@@ -3849,7 +3394,7 @@
           <a:p>
             <a:fld id="{5BCAD085-E8A6-8845-BD4E-CB4CCA059FC4}" type="datetimeFigureOut">
               <a:rPr lang="en-US" smtClean="0"/>
-              <a:t>2/6/2024</a:t>
+              <a:t>2/8/2024</a:t>
             </a:fld>
             <a:endParaRPr lang="en-US"/>
           </a:p>
@@ -4101,7 +3646,7 @@
           <a:p>
             <a:fld id="{5BCAD085-E8A6-8845-BD4E-CB4CCA059FC4}" type="datetimeFigureOut">
               <a:rPr lang="en-US" smtClean="0"/>
-              <a:t>2/6/2024</a:t>
+              <a:t>2/8/2024</a:t>
             </a:fld>
             <a:endParaRPr lang="en-US"/>
           </a:p>
@@ -4312,7 +3857,7 @@
           <a:p>
             <a:fld id="{5BCAD085-E8A6-8845-BD4E-CB4CCA059FC4}" type="datetimeFigureOut">
               <a:rPr lang="en-US" smtClean="0"/>
-              <a:t>2/6/2024</a:t>
+              <a:t>2/8/2024</a:t>
             </a:fld>
             <a:endParaRPr lang="en-US"/>
           </a:p>
@@ -5074,8 +4619,8 @@
         </p:blipFill>
         <p:spPr>
           <a:xfrm>
-            <a:off x="375313" y="1212812"/>
-            <a:ext cx="8460869" cy="5635297"/>
+            <a:off x="-8203" y="995422"/>
+            <a:ext cx="9152204" cy="5852687"/>
           </a:xfrm>
         </p:spPr>
       </p:pic>
@@ -5119,15 +4664,10 @@
             <p:ph type="title"/>
           </p:nvPr>
         </p:nvSpPr>
-        <p:spPr>
-          <a:xfrm>
-            <a:off x="375313" y="69812"/>
-            <a:ext cx="8768687" cy="1143000"/>
-          </a:xfrm>
-        </p:spPr>
+        <p:spPr/>
         <p:txBody>
           <a:bodyPr>
-            <a:normAutofit/>
+            <a:normAutofit fontScale="90000"/>
           </a:bodyPr>
           <a:lstStyle/>
           <a:p>
@@ -5140,47 +4680,44 @@
             </a:pPr>
             <a:r>
               <a:rPr lang="en-AU" dirty="0"/>
-              <a:t>LGAs and their population</a:t>
+              <a:t>Conclusions and Recommendations</a:t>
             </a:r>
             <a:endParaRPr dirty="0"/>
           </a:p>
         </p:txBody>
       </p:sp>
-      <p:pic>
-        <p:nvPicPr>
-          <p:cNvPr id="6" name="Content Placeholder 5" descr="A graph of blue bars with black text">
-            <a:extLst>
-              <a:ext uri="{FF2B5EF4-FFF2-40B4-BE49-F238E27FC236}">
-                <a16:creationId xmlns:a16="http://schemas.microsoft.com/office/drawing/2014/main" id="{9A609EC7-E79E-C140-0604-2F989655DC5A}"/>
-              </a:ext>
-            </a:extLst>
-          </p:cNvPr>
-          <p:cNvPicPr>
-            <a:picLocks noGrp="1" noChangeAspect="1"/>
-          </p:cNvPicPr>
+      <p:sp>
+        <p:nvSpPr>
+          <p:cNvPr id="3" name="Content Placeholder 2"/>
+          <p:cNvSpPr>
+            <a:spLocks noGrp="1"/>
+          </p:cNvSpPr>
           <p:nvPr>
             <p:ph idx="1"/>
           </p:nvPr>
-        </p:nvPicPr>
-        <p:blipFill>
-          <a:blip r:embed="rId3"/>
-          <a:stretch>
-            <a:fillRect/>
-          </a:stretch>
-        </p:blipFill>
-        <p:spPr>
-          <a:xfrm>
-            <a:off x="210312" y="1005841"/>
-            <a:ext cx="8558375" cy="5688217"/>
-          </a:xfrm>
-        </p:spPr>
-      </p:pic>
+        </p:nvSpPr>
+        <p:spPr/>
+        <p:txBody>
+          <a:bodyPr>
+            <a:normAutofit/>
+          </a:bodyPr>
+          <a:lstStyle/>
+          <a:p>
+            <a:r>
+              <a:rPr lang="en-AU" sz="2000" dirty="0"/>
+              <a:t>It was evident from our project the LGA with the highest density of population will have a greater number of parks.</a:t>
+            </a:r>
+          </a:p>
+          <a:p>
+            <a:r>
+              <a:rPr lang="en-AU" sz="2000" dirty="0"/>
+              <a:t>Other factors like schools also play an important role in decision making.</a:t>
+            </a:r>
+            <a:endParaRPr sz="2000" dirty="0"/>
+          </a:p>
+        </p:txBody>
+      </p:sp>
     </p:spTree>
-    <p:extLst>
-      <p:ext uri="{BB962C8B-B14F-4D97-AF65-F5344CB8AC3E}">
-        <p14:creationId xmlns:p14="http://schemas.microsoft.com/office/powerpoint/2010/main" val="263020404"/>
-      </p:ext>
-    </p:extLst>
   </p:cSld>
   <p:clrMapOvr>
     <a:masterClrMapping/>
@@ -5207,13 +4744,7 @@
       </p:grpSpPr>
       <p:sp>
         <p:nvSpPr>
-          <p:cNvPr id="2" name="Title 1">
-            <a:extLst>
-              <a:ext uri="{FF2B5EF4-FFF2-40B4-BE49-F238E27FC236}">
-                <a16:creationId xmlns:a16="http://schemas.microsoft.com/office/drawing/2014/main" id="{17358F9C-C032-B95A-60DB-974DD7632C4E}"/>
-              </a:ext>
-            </a:extLst>
-          </p:cNvPr>
+          <p:cNvPr id="2" name="Title 1"/>
           <p:cNvSpPr>
             <a:spLocks noGrp="1"/>
           </p:cNvSpPr>
@@ -5221,58 +4752,74 @@
             <p:ph type="title"/>
           </p:nvPr>
         </p:nvSpPr>
-        <p:spPr>
-          <a:xfrm>
-            <a:off x="457200" y="160337"/>
-            <a:ext cx="8229600" cy="1143000"/>
-          </a:xfrm>
-        </p:spPr>
+        <p:spPr/>
+        <p:txBody>
+          <a:bodyPr>
+            <a:normAutofit/>
+          </a:bodyPr>
+          <a:lstStyle/>
+          <a:p>
+            <a:pPr indent="0">
+              <a:lnSpc>
+                <a:spcPts val="3012"/>
+              </a:lnSpc>
+              <a:buNone/>
+            </a:pPr>
+            <a:r>
+              <a:rPr lang="en-AU" dirty="0">
+                <a:solidFill>
+                  <a:srgbClr val="003366"/>
+                </a:solidFill>
+              </a:rPr>
+              <a:t>Lessons Learnt</a:t>
+            </a:r>
+          </a:p>
+        </p:txBody>
+      </p:sp>
+      <p:sp>
+        <p:nvSpPr>
+          <p:cNvPr id="3" name="Content Placeholder 2"/>
+          <p:cNvSpPr>
+            <a:spLocks noGrp="1"/>
+          </p:cNvSpPr>
+          <p:nvPr>
+            <p:ph idx="1"/>
+          </p:nvPr>
+        </p:nvSpPr>
+        <p:spPr/>
         <p:txBody>
           <a:bodyPr/>
           <a:lstStyle/>
           <a:p>
             <a:r>
-              <a:rPr lang="en-AU" dirty="0"/>
-              <a:t>The API view</a:t>
-            </a:r>
-          </a:p>
-        </p:txBody>
-      </p:sp>
-      <p:pic>
-        <p:nvPicPr>
-          <p:cNvPr id="5" name="Content Placeholder 4" descr="A map with many colored circles&#10;&#10;Description automatically generated">
-            <a:extLst>
-              <a:ext uri="{FF2B5EF4-FFF2-40B4-BE49-F238E27FC236}">
-                <a16:creationId xmlns:a16="http://schemas.microsoft.com/office/drawing/2014/main" id="{E6132EF4-ECA1-8FB9-8847-C4F47BCFBF9A}"/>
-              </a:ext>
-            </a:extLst>
-          </p:cNvPr>
-          <p:cNvPicPr>
-            <a:picLocks noGrp="1" noChangeAspect="1"/>
-          </p:cNvPicPr>
-          <p:nvPr>
-            <p:ph idx="1"/>
-          </p:nvPr>
-        </p:nvPicPr>
-        <p:blipFill>
-          <a:blip r:embed="rId2"/>
-          <a:stretch>
-            <a:fillRect/>
-          </a:stretch>
-        </p:blipFill>
-        <p:spPr>
-          <a:xfrm>
-            <a:off x="246888" y="1078992"/>
-            <a:ext cx="8567928" cy="5486400"/>
-          </a:xfrm>
-        </p:spPr>
-      </p:pic>
+              <a:rPr lang="en-AU" sz="2000" dirty="0"/>
+              <a:t>Our quest to retrieve data</a:t>
+            </a:r>
+          </a:p>
+          <a:p>
+            <a:r>
+              <a:rPr lang="en-AU" sz="2000" dirty="0"/>
+              <a:t>Knowledge sharing </a:t>
+            </a:r>
+          </a:p>
+          <a:p>
+            <a:r>
+              <a:rPr lang="en-AU" sz="2000" dirty="0"/>
+              <a:t>Teamwork</a:t>
+            </a:r>
+          </a:p>
+          <a:p>
+            <a:r>
+              <a:rPr lang="en-AU" sz="2000" dirty="0"/>
+              <a:t>Collaboration</a:t>
+            </a:r>
+          </a:p>
+          <a:p>
+            <a:endParaRPr dirty="0"/>
+          </a:p>
+        </p:txBody>
+      </p:sp>
     </p:spTree>
-    <p:extLst>
-      <p:ext uri="{BB962C8B-B14F-4D97-AF65-F5344CB8AC3E}">
-        <p14:creationId xmlns:p14="http://schemas.microsoft.com/office/powerpoint/2010/main" val="366985341"/>
-      </p:ext>
-    </p:extLst>
   </p:cSld>
   <p:clrMapOvr>
     <a:masterClrMapping/>
@@ -5281,196 +4828,6 @@
 </file>
 
 <file path=ppt/slides/slide13.xml><?xml version="1.0" encoding="utf-8"?>
-<p:sld xmlns:a="http://schemas.openxmlformats.org/drawingml/2006/main" xmlns:r="http://schemas.openxmlformats.org/officeDocument/2006/relationships" xmlns:p="http://schemas.openxmlformats.org/presentationml/2006/main">
-  <p:cSld>
-    <p:spTree>
-      <p:nvGrpSpPr>
-        <p:cNvPr id="1" name=""/>
-        <p:cNvGrpSpPr/>
-        <p:nvPr/>
-      </p:nvGrpSpPr>
-      <p:grpSpPr>
-        <a:xfrm>
-          <a:off x="0" y="0"/>
-          <a:ext cx="0" cy="0"/>
-          <a:chOff x="0" y="0"/>
-          <a:chExt cx="0" cy="0"/>
-        </a:xfrm>
-      </p:grpSpPr>
-      <p:sp>
-        <p:nvSpPr>
-          <p:cNvPr id="2" name="Title 1"/>
-          <p:cNvSpPr>
-            <a:spLocks noGrp="1"/>
-          </p:cNvSpPr>
-          <p:nvPr>
-            <p:ph type="title"/>
-          </p:nvPr>
-        </p:nvSpPr>
-        <p:spPr/>
-        <p:txBody>
-          <a:bodyPr>
-            <a:normAutofit fontScale="90000"/>
-          </a:bodyPr>
-          <a:lstStyle/>
-          <a:p>
-            <a:pPr>
-              <a:defRPr sz="4400">
-                <a:solidFill>
-                  <a:srgbClr val="003366"/>
-                </a:solidFill>
-              </a:defRPr>
-            </a:pPr>
-            <a:r>
-              <a:rPr lang="en-AU" dirty="0"/>
-              <a:t>Conclusions and Recommendations</a:t>
-            </a:r>
-            <a:endParaRPr dirty="0"/>
-          </a:p>
-        </p:txBody>
-      </p:sp>
-      <p:sp>
-        <p:nvSpPr>
-          <p:cNvPr id="3" name="Content Placeholder 2"/>
-          <p:cNvSpPr>
-            <a:spLocks noGrp="1"/>
-          </p:cNvSpPr>
-          <p:nvPr>
-            <p:ph idx="1"/>
-          </p:nvPr>
-        </p:nvSpPr>
-        <p:spPr/>
-        <p:txBody>
-          <a:bodyPr>
-            <a:normAutofit/>
-          </a:bodyPr>
-          <a:lstStyle/>
-          <a:p>
-            <a:r>
-              <a:rPr lang="en-AU" sz="2000" dirty="0"/>
-              <a:t>It was evident from our project the LGA with the highest density of population will have a greater number of parks.</a:t>
-            </a:r>
-          </a:p>
-          <a:p>
-            <a:r>
-              <a:rPr lang="en-AU" sz="2000" dirty="0"/>
-              <a:t>Other factors like schools also play an important role in decision making.</a:t>
-            </a:r>
-            <a:endParaRPr sz="2000" dirty="0"/>
-          </a:p>
-        </p:txBody>
-      </p:sp>
-    </p:spTree>
-  </p:cSld>
-  <p:clrMapOvr>
-    <a:masterClrMapping/>
-  </p:clrMapOvr>
-</p:sld>
-</file>
-
-<file path=ppt/slides/slide14.xml><?xml version="1.0" encoding="utf-8"?>
-<p:sld xmlns:a="http://schemas.openxmlformats.org/drawingml/2006/main" xmlns:r="http://schemas.openxmlformats.org/officeDocument/2006/relationships" xmlns:p="http://schemas.openxmlformats.org/presentationml/2006/main">
-  <p:cSld>
-    <p:spTree>
-      <p:nvGrpSpPr>
-        <p:cNvPr id="1" name=""/>
-        <p:cNvGrpSpPr/>
-        <p:nvPr/>
-      </p:nvGrpSpPr>
-      <p:grpSpPr>
-        <a:xfrm>
-          <a:off x="0" y="0"/>
-          <a:ext cx="0" cy="0"/>
-          <a:chOff x="0" y="0"/>
-          <a:chExt cx="0" cy="0"/>
-        </a:xfrm>
-      </p:grpSpPr>
-      <p:sp>
-        <p:nvSpPr>
-          <p:cNvPr id="2" name="Title 1"/>
-          <p:cNvSpPr>
-            <a:spLocks noGrp="1"/>
-          </p:cNvSpPr>
-          <p:nvPr>
-            <p:ph type="title"/>
-          </p:nvPr>
-        </p:nvSpPr>
-        <p:spPr/>
-        <p:txBody>
-          <a:bodyPr>
-            <a:normAutofit/>
-          </a:bodyPr>
-          <a:lstStyle/>
-          <a:p>
-            <a:pPr indent="0">
-              <a:lnSpc>
-                <a:spcPts val="3012"/>
-              </a:lnSpc>
-              <a:buNone/>
-            </a:pPr>
-            <a:r>
-              <a:rPr lang="en-AU" dirty="0">
-                <a:solidFill>
-                  <a:srgbClr val="003366"/>
-                </a:solidFill>
-              </a:rPr>
-              <a:t>Lessons Learnt</a:t>
-            </a:r>
-          </a:p>
-        </p:txBody>
-      </p:sp>
-      <p:sp>
-        <p:nvSpPr>
-          <p:cNvPr id="3" name="Content Placeholder 2"/>
-          <p:cNvSpPr>
-            <a:spLocks noGrp="1"/>
-          </p:cNvSpPr>
-          <p:nvPr>
-            <p:ph idx="1"/>
-          </p:nvPr>
-        </p:nvSpPr>
-        <p:spPr/>
-        <p:txBody>
-          <a:bodyPr/>
-          <a:lstStyle/>
-          <a:p>
-            <a:r>
-              <a:rPr lang="en-AU" sz="2000" dirty="0"/>
-              <a:t>Our quest to retrieve data</a:t>
-            </a:r>
-          </a:p>
-          <a:p>
-            <a:r>
-              <a:rPr lang="en-AU" sz="2000" dirty="0"/>
-              <a:t>Knowledge sharing </a:t>
-            </a:r>
-          </a:p>
-          <a:p>
-            <a:r>
-              <a:rPr lang="en-AU" sz="2000" dirty="0"/>
-              <a:t>Teamwork</a:t>
-            </a:r>
-          </a:p>
-          <a:p>
-            <a:r>
-              <a:rPr lang="en-AU" sz="2000" dirty="0"/>
-              <a:t>Collaboration</a:t>
-            </a:r>
-          </a:p>
-          <a:p>
-            <a:endParaRPr dirty="0"/>
-          </a:p>
-        </p:txBody>
-      </p:sp>
-    </p:spTree>
-  </p:cSld>
-  <p:clrMapOvr>
-    <a:masterClrMapping/>
-  </p:clrMapOvr>
-</p:sld>
-</file>
-
-<file path=ppt/slides/slide15.xml><?xml version="1.0" encoding="utf-8"?>
 <p:sld xmlns:a="http://schemas.openxmlformats.org/drawingml/2006/main" xmlns:r="http://schemas.openxmlformats.org/officeDocument/2006/relationships" xmlns:p="http://schemas.openxmlformats.org/presentationml/2006/main">
   <p:cSld>
     <p:spTree>
@@ -5610,7 +4967,7 @@
 </p:sld>
 </file>
 
-<file path=ppt/slides/slide16.xml><?xml version="1.0" encoding="utf-8"?>
+<file path=ppt/slides/slide14.xml><?xml version="1.0" encoding="utf-8"?>
 <p:sld xmlns:a="http://schemas.openxmlformats.org/drawingml/2006/main" xmlns:r="http://schemas.openxmlformats.org/officeDocument/2006/relationships" xmlns:p="http://schemas.openxmlformats.org/presentationml/2006/main">
   <p:cSld>
     <p:spTree>
@@ -6019,128 +5376,881 @@
       </p:grpSpPr>
       <p:sp>
         <p:nvSpPr>
-          <p:cNvPr id="2" name="Title 1"/>
-          <p:cNvSpPr>
-            <a:spLocks noGrp="1"/>
-          </p:cNvSpPr>
-          <p:nvPr>
-            <p:ph type="title"/>
-          </p:nvPr>
-        </p:nvSpPr>
-        <p:spPr/>
-        <p:txBody>
-          <a:bodyPr/>
-          <a:lstStyle/>
-          <a:p>
-            <a:pPr>
-              <a:defRPr sz="4400">
+          <p:cNvPr id="2" name="Object 1"/>
+          <p:cNvSpPr/>
+          <p:nvPr/>
+        </p:nvSpPr>
+        <p:spPr>
+          <a:xfrm>
+            <a:off x="571358" y="923452"/>
+            <a:ext cx="9141714" cy="588347"/>
+          </a:xfrm>
+          <a:prstGeom prst="rect">
+            <a:avLst/>
+          </a:prstGeom>
+          <a:noFill/>
+        </p:spPr>
+        <p:txBody>
+          <a:bodyPr wrap="square" lIns="0" tIns="0" rIns="0" bIns="0" rtlCol="0" anchor="t"/>
+          <a:lstStyle/>
+          <a:p>
+            <a:pPr algn="ctr">
+              <a:lnSpc>
+                <a:spcPts val="3012"/>
+              </a:lnSpc>
+            </a:pPr>
+            <a:r>
+              <a:rPr lang="en-AU" sz="4400" dirty="0">
                 <a:solidFill>
                   <a:srgbClr val="003366"/>
                 </a:solidFill>
-              </a:defRPr>
+                <a:latin typeface="+mj-lt"/>
+                <a:ea typeface="+mj-ea"/>
+                <a:cs typeface="+mj-cs"/>
+              </a:rPr>
+              <a:t>Our Journey – Our Story</a:t>
+            </a:r>
+            <a:r>
+              <a:rPr lang="en-US" sz="2391" dirty="0">
+                <a:solidFill>
+                  <a:srgbClr val="FFFFFF"/>
+                </a:solidFill>
+                <a:latin typeface="Montserrat" pitchFamily="34" charset="0"/>
+                <a:ea typeface="Montserrat" pitchFamily="34" charset="-122"/>
+                <a:cs typeface="Montserrat" pitchFamily="34" charset="-120"/>
+              </a:rPr>
+              <a:t>e Challenges</a:t>
+            </a:r>
+            <a:endParaRPr lang="en-US" sz="1350" dirty="0"/>
+          </a:p>
+        </p:txBody>
+      </p:sp>
+      <p:sp>
+        <p:nvSpPr>
+          <p:cNvPr id="5" name="Object 4"/>
+          <p:cNvSpPr/>
+          <p:nvPr/>
+        </p:nvSpPr>
+        <p:spPr>
+          <a:xfrm>
+            <a:off x="571358" y="3640875"/>
+            <a:ext cx="1429821" cy="1119782"/>
+          </a:xfrm>
+          <a:prstGeom prst="rect">
+            <a:avLst/>
+          </a:prstGeom>
+          <a:noFill/>
+        </p:spPr>
+        <p:txBody>
+          <a:bodyPr wrap="square" lIns="0" tIns="0" rIns="0" bIns="0" rtlCol="0" anchor="t"/>
+          <a:lstStyle/>
+          <a:p>
+            <a:pPr>
+              <a:lnSpc>
+                <a:spcPts val="1260"/>
+              </a:lnSpc>
             </a:pPr>
             <a:r>
-              <a:rPr dirty="0"/>
-              <a:t>Agenda</a:t>
-            </a:r>
-          </a:p>
-        </p:txBody>
-      </p:sp>
-      <p:sp>
-        <p:nvSpPr>
-          <p:cNvPr id="3" name="Content Placeholder 2"/>
-          <p:cNvSpPr>
-            <a:spLocks noGrp="1"/>
-          </p:cNvSpPr>
-          <p:nvPr>
-            <p:ph idx="1"/>
-          </p:nvPr>
-        </p:nvSpPr>
-        <p:spPr/>
+              <a:rPr lang="en-US" sz="900" dirty="0">
+                <a:solidFill>
+                  <a:srgbClr val="FFFFFF">
+                    <a:alpha val="90000"/>
+                  </a:srgbClr>
+                </a:solidFill>
+                <a:latin typeface="Montserrat" pitchFamily="34" charset="0"/>
+                <a:ea typeface="Montserrat" pitchFamily="34" charset="-122"/>
+                <a:cs typeface="Montserrat" pitchFamily="34" charset="-120"/>
+              </a:rPr>
+              <a:t>List the major challenges facing urban greening efforts in Victoria such as climate change, population growth, and lack of funding.</a:t>
+            </a:r>
+            <a:endParaRPr lang="en-US" sz="1350" dirty="0"/>
+          </a:p>
+        </p:txBody>
+      </p:sp>
+      <p:sp>
+        <p:nvSpPr>
+          <p:cNvPr id="8" name="Object 7"/>
+          <p:cNvSpPr/>
+          <p:nvPr/>
+        </p:nvSpPr>
+        <p:spPr>
+          <a:xfrm>
+            <a:off x="2228293" y="3640875"/>
+            <a:ext cx="1429821" cy="1439720"/>
+          </a:xfrm>
+          <a:prstGeom prst="rect">
+            <a:avLst/>
+          </a:prstGeom>
+          <a:noFill/>
+        </p:spPr>
+        <p:txBody>
+          <a:bodyPr wrap="square" lIns="0" tIns="0" rIns="0" bIns="0" rtlCol="0" anchor="t"/>
+          <a:lstStyle/>
+          <a:p>
+            <a:pPr>
+              <a:lnSpc>
+                <a:spcPts val="1260"/>
+              </a:lnSpc>
+            </a:pPr>
+            <a:r>
+              <a:rPr lang="en-US" sz="900" dirty="0">
+                <a:solidFill>
+                  <a:srgbClr val="FFFFFF">
+                    <a:alpha val="90000"/>
+                  </a:srgbClr>
+                </a:solidFill>
+                <a:latin typeface="Montserrat" pitchFamily="34" charset="0"/>
+                <a:ea typeface="Montserrat" pitchFamily="34" charset="-122"/>
+                <a:cs typeface="Montserrat" pitchFamily="34" charset="-120"/>
+              </a:rPr>
+              <a:t>Propose potential solutions to address each challenge such as developing climate-resilient plant species, securing government funding, and engaging community volunteers.</a:t>
+            </a:r>
+            <a:endParaRPr lang="en-US" sz="1350" dirty="0"/>
+          </a:p>
+        </p:txBody>
+      </p:sp>
+      <p:sp>
+        <p:nvSpPr>
+          <p:cNvPr id="11" name="Object 10"/>
+          <p:cNvSpPr/>
+          <p:nvPr/>
+        </p:nvSpPr>
+        <p:spPr>
+          <a:xfrm>
+            <a:off x="3885229" y="3640876"/>
+            <a:ext cx="1429821" cy="959813"/>
+          </a:xfrm>
+          <a:prstGeom prst="rect">
+            <a:avLst/>
+          </a:prstGeom>
+          <a:noFill/>
+        </p:spPr>
+        <p:txBody>
+          <a:bodyPr wrap="square" lIns="0" tIns="0" rIns="0" bIns="0" rtlCol="0" anchor="t"/>
+          <a:lstStyle/>
+          <a:p>
+            <a:pPr>
+              <a:lnSpc>
+                <a:spcPts val="1260"/>
+              </a:lnSpc>
+            </a:pPr>
+            <a:r>
+              <a:rPr lang="en-US" sz="900" dirty="0">
+                <a:solidFill>
+                  <a:srgbClr val="FFFFFF">
+                    <a:alpha val="90000"/>
+                  </a:srgbClr>
+                </a:solidFill>
+                <a:latin typeface="Montserrat" pitchFamily="34" charset="0"/>
+                <a:ea typeface="Montserrat" pitchFamily="34" charset="-122"/>
+                <a:cs typeface="Montserrat" pitchFamily="34" charset="-120"/>
+              </a:rPr>
+              <a:t>Determine the most critical actions that need to be taken in the near-term to drive progress on urban greening in Victoria.</a:t>
+            </a:r>
+            <a:endParaRPr lang="en-US" sz="1350" dirty="0"/>
+          </a:p>
+        </p:txBody>
+      </p:sp>
+      <p:sp>
+        <p:nvSpPr>
+          <p:cNvPr id="14" name="Object 13"/>
+          <p:cNvSpPr/>
+          <p:nvPr/>
+        </p:nvSpPr>
+        <p:spPr>
+          <a:xfrm>
+            <a:off x="5542164" y="3640875"/>
+            <a:ext cx="1429821" cy="1279751"/>
+          </a:xfrm>
+          <a:prstGeom prst="rect">
+            <a:avLst/>
+          </a:prstGeom>
+          <a:noFill/>
+        </p:spPr>
+        <p:txBody>
+          <a:bodyPr wrap="square" lIns="0" tIns="0" rIns="0" bIns="0" rtlCol="0" anchor="t"/>
+          <a:lstStyle/>
+          <a:p>
+            <a:pPr>
+              <a:lnSpc>
+                <a:spcPts val="1260"/>
+              </a:lnSpc>
+            </a:pPr>
+            <a:r>
+              <a:rPr lang="en-US" sz="900" dirty="0">
+                <a:solidFill>
+                  <a:srgbClr val="FFFFFF">
+                    <a:alpha val="90000"/>
+                  </a:srgbClr>
+                </a:solidFill>
+                <a:latin typeface="Montserrat" pitchFamily="34" charset="0"/>
+                <a:ea typeface="Montserrat" pitchFamily="34" charset="-122"/>
+                <a:cs typeface="Montserrat" pitchFamily="34" charset="-120"/>
+              </a:rPr>
+              <a:t>Identify key performance indicators to measure progress over time such as number of new trees planted annually or increase in urban canopy cover.</a:t>
+            </a:r>
+            <a:endParaRPr lang="en-US" sz="1350" dirty="0"/>
+          </a:p>
+        </p:txBody>
+      </p:sp>
+      <p:grpSp>
+        <p:nvGrpSpPr>
+          <p:cNvPr id="10" name="Group 9">
+            <a:extLst>
+              <a:ext uri="{FF2B5EF4-FFF2-40B4-BE49-F238E27FC236}">
+                <a16:creationId xmlns:a16="http://schemas.microsoft.com/office/drawing/2014/main" id="{50278671-A32A-577F-B6D7-286DF5FE3887}"/>
+              </a:ext>
+            </a:extLst>
+          </p:cNvPr>
+          <p:cNvGrpSpPr/>
+          <p:nvPr/>
+        </p:nvGrpSpPr>
+        <p:grpSpPr>
+          <a:xfrm>
+            <a:off x="337259" y="1745593"/>
+            <a:ext cx="8470371" cy="1815362"/>
+            <a:chOff x="337259" y="2625358"/>
+            <a:chExt cx="8470371" cy="1815362"/>
+          </a:xfrm>
+        </p:grpSpPr>
+        <p:pic>
+          <p:nvPicPr>
+            <p:cNvPr id="3" name="Object 2" descr="preencoded.png"/>
+            <p:cNvPicPr>
+              <a:picLocks noChangeAspect="1"/>
+            </p:cNvPicPr>
+            <p:nvPr/>
+          </p:nvPicPr>
+          <p:blipFill>
+            <a:blip r:embed="rId3">
+              <a:extLst>
+                <a:ext uri="{96DAC541-7B7A-43D3-8B79-37D633B846F1}">
+                  <asvg:svgBlip xmlns:asvg="http://schemas.microsoft.com/office/drawing/2016/SVG/main" r:embed="rId4"/>
+                </a:ext>
+              </a:extLst>
+            </a:blip>
+            <a:stretch>
+              <a:fillRect/>
+            </a:stretch>
+          </p:blipFill>
+          <p:spPr>
+            <a:xfrm>
+              <a:off x="337259" y="2625358"/>
+              <a:ext cx="1842627" cy="935597"/>
+            </a:xfrm>
+            <a:prstGeom prst="rect">
+              <a:avLst/>
+            </a:prstGeom>
+          </p:spPr>
+        </p:pic>
+        <p:sp>
+          <p:nvSpPr>
+            <p:cNvPr id="4" name="Object 3"/>
+            <p:cNvSpPr/>
+            <p:nvPr/>
+          </p:nvSpPr>
+          <p:spPr>
+            <a:xfrm>
+              <a:off x="434945" y="2926624"/>
+              <a:ext cx="1429821" cy="328307"/>
+            </a:xfrm>
+            <a:prstGeom prst="rect">
+              <a:avLst/>
+            </a:prstGeom>
+            <a:noFill/>
+          </p:spPr>
+          <p:txBody>
+            <a:bodyPr wrap="square" lIns="0" tIns="0" rIns="0" bIns="0" rtlCol="0" anchor="t"/>
+            <a:lstStyle/>
+            <a:p>
+              <a:pPr algn="ctr">
+                <a:lnSpc>
+                  <a:spcPts val="1293"/>
+                </a:lnSpc>
+              </a:pPr>
+              <a:r>
+                <a:rPr lang="en-US" sz="1350" b="1" dirty="0"/>
+                <a:t>Ideas	</a:t>
+              </a:r>
+            </a:p>
+          </p:txBody>
+        </p:sp>
+        <p:pic>
+          <p:nvPicPr>
+            <p:cNvPr id="6" name="Object 5" descr="preencoded.png"/>
+            <p:cNvPicPr>
+              <a:picLocks noChangeAspect="1"/>
+            </p:cNvPicPr>
+            <p:nvPr/>
+          </p:nvPicPr>
+          <p:blipFill>
+            <a:blip r:embed="rId5">
+              <a:extLst>
+                <a:ext uri="{96DAC541-7B7A-43D3-8B79-37D633B846F1}">
+                  <asvg:svgBlip xmlns:asvg="http://schemas.microsoft.com/office/drawing/2016/SVG/main" r:embed="rId6"/>
+                </a:ext>
+              </a:extLst>
+            </a:blip>
+            <a:stretch>
+              <a:fillRect/>
+            </a:stretch>
+          </p:blipFill>
+          <p:spPr>
+            <a:xfrm>
+              <a:off x="1994195" y="2625358"/>
+              <a:ext cx="1842627" cy="935597"/>
+            </a:xfrm>
+            <a:prstGeom prst="rect">
+              <a:avLst/>
+            </a:prstGeom>
+          </p:spPr>
+        </p:pic>
+        <p:pic>
+          <p:nvPicPr>
+            <p:cNvPr id="9" name="Object 8" descr="preencoded.png"/>
+            <p:cNvPicPr>
+              <a:picLocks noChangeAspect="1"/>
+            </p:cNvPicPr>
+            <p:nvPr/>
+          </p:nvPicPr>
+          <p:blipFill>
+            <a:blip r:embed="rId5">
+              <a:extLst>
+                <a:ext uri="{96DAC541-7B7A-43D3-8B79-37D633B846F1}">
+                  <asvg:svgBlip xmlns:asvg="http://schemas.microsoft.com/office/drawing/2016/SVG/main" r:embed="rId6"/>
+                </a:ext>
+              </a:extLst>
+            </a:blip>
+            <a:stretch>
+              <a:fillRect/>
+            </a:stretch>
+          </p:blipFill>
+          <p:spPr>
+            <a:xfrm>
+              <a:off x="3651131" y="2625358"/>
+              <a:ext cx="1842627" cy="935597"/>
+            </a:xfrm>
+            <a:prstGeom prst="rect">
+              <a:avLst/>
+            </a:prstGeom>
+          </p:spPr>
+        </p:pic>
+        <p:pic>
+          <p:nvPicPr>
+            <p:cNvPr id="12" name="Object 11" descr="preencoded.png"/>
+            <p:cNvPicPr>
+              <a:picLocks noChangeAspect="1"/>
+            </p:cNvPicPr>
+            <p:nvPr/>
+          </p:nvPicPr>
+          <p:blipFill>
+            <a:blip r:embed="rId5">
+              <a:extLst>
+                <a:ext uri="{96DAC541-7B7A-43D3-8B79-37D633B846F1}">
+                  <asvg:svgBlip xmlns:asvg="http://schemas.microsoft.com/office/drawing/2016/SVG/main" r:embed="rId6"/>
+                </a:ext>
+              </a:extLst>
+            </a:blip>
+            <a:stretch>
+              <a:fillRect/>
+            </a:stretch>
+          </p:blipFill>
+          <p:spPr>
+            <a:xfrm>
+              <a:off x="5308067" y="2625358"/>
+              <a:ext cx="1842627" cy="935597"/>
+            </a:xfrm>
+            <a:prstGeom prst="rect">
+              <a:avLst/>
+            </a:prstGeom>
+          </p:spPr>
+        </p:pic>
+        <p:pic>
+          <p:nvPicPr>
+            <p:cNvPr id="15" name="Object 14" descr="preencoded.png"/>
+            <p:cNvPicPr>
+              <a:picLocks noChangeAspect="1"/>
+            </p:cNvPicPr>
+            <p:nvPr/>
+          </p:nvPicPr>
+          <p:blipFill>
+            <a:blip r:embed="rId7">
+              <a:extLst>
+                <a:ext uri="{96DAC541-7B7A-43D3-8B79-37D633B846F1}">
+                  <asvg:svgBlip xmlns:asvg="http://schemas.microsoft.com/office/drawing/2016/SVG/main" r:embed="rId8"/>
+                </a:ext>
+              </a:extLst>
+            </a:blip>
+            <a:stretch>
+              <a:fillRect/>
+            </a:stretch>
+          </p:blipFill>
+          <p:spPr>
+            <a:xfrm>
+              <a:off x="6965003" y="2625358"/>
+              <a:ext cx="1842627" cy="935597"/>
+            </a:xfrm>
+            <a:prstGeom prst="rect">
+              <a:avLst/>
+            </a:prstGeom>
+          </p:spPr>
+        </p:pic>
+        <p:sp>
+          <p:nvSpPr>
+            <p:cNvPr id="16" name="Object 15"/>
+            <p:cNvSpPr/>
+            <p:nvPr/>
+          </p:nvSpPr>
+          <p:spPr>
+            <a:xfrm>
+              <a:off x="7287660" y="2911314"/>
+              <a:ext cx="1194137" cy="492461"/>
+            </a:xfrm>
+            <a:prstGeom prst="rect">
+              <a:avLst/>
+            </a:prstGeom>
+            <a:noFill/>
+          </p:spPr>
+          <p:txBody>
+            <a:bodyPr wrap="square" lIns="0" tIns="0" rIns="0" bIns="0" rtlCol="0" anchor="t"/>
+            <a:lstStyle/>
+            <a:p>
+              <a:pPr algn="ctr">
+                <a:lnSpc>
+                  <a:spcPts val="1293"/>
+                </a:lnSpc>
+              </a:pPr>
+              <a:r>
+                <a:rPr lang="en-US" sz="1350" dirty="0">
+                  <a:ea typeface="Montserrat" pitchFamily="34" charset="-122"/>
+                  <a:cs typeface="Montserrat" pitchFamily="34" charset="-120"/>
+                </a:rPr>
+                <a:t>Analysis</a:t>
+              </a:r>
+            </a:p>
+          </p:txBody>
+        </p:sp>
+        <p:sp>
+          <p:nvSpPr>
+            <p:cNvPr id="17" name="Object 16"/>
+            <p:cNvSpPr/>
+            <p:nvPr/>
+          </p:nvSpPr>
+          <p:spPr>
+            <a:xfrm>
+              <a:off x="7199100" y="3640876"/>
+              <a:ext cx="1429821" cy="799844"/>
+            </a:xfrm>
+            <a:prstGeom prst="rect">
+              <a:avLst/>
+            </a:prstGeom>
+            <a:noFill/>
+          </p:spPr>
+          <p:txBody>
+            <a:bodyPr wrap="square" lIns="0" tIns="0" rIns="0" bIns="0" rtlCol="0" anchor="t"/>
+            <a:lstStyle/>
+            <a:p>
+              <a:pPr>
+                <a:lnSpc>
+                  <a:spcPts val="1260"/>
+                </a:lnSpc>
+              </a:pPr>
+              <a:r>
+                <a:rPr lang="en-US" sz="900" dirty="0">
+                  <a:solidFill>
+                    <a:srgbClr val="FFFFFF">
+                      <a:alpha val="90000"/>
+                    </a:srgbClr>
+                  </a:solidFill>
+                  <a:latin typeface="Montserrat" pitchFamily="34" charset="0"/>
+                  <a:ea typeface="Montserrat" pitchFamily="34" charset="-122"/>
+                  <a:cs typeface="Montserrat" pitchFamily="34" charset="-120"/>
+                </a:rPr>
+                <a:t>Outline specific steps, owners, timelines, and resources required to execute the solutions and track the metrics.</a:t>
+              </a:r>
+              <a:endParaRPr lang="en-US" sz="1350" dirty="0"/>
+            </a:p>
+          </p:txBody>
+        </p:sp>
+        <p:sp>
+          <p:nvSpPr>
+            <p:cNvPr id="19" name="Object 3">
+              <a:extLst>
+                <a:ext uri="{FF2B5EF4-FFF2-40B4-BE49-F238E27FC236}">
+                  <a16:creationId xmlns:a16="http://schemas.microsoft.com/office/drawing/2014/main" id="{35B89890-2496-E357-E3C6-D90B8CE78142}"/>
+                </a:ext>
+              </a:extLst>
+            </p:cNvPr>
+            <p:cNvSpPr/>
+            <p:nvPr/>
+          </p:nvSpPr>
+          <p:spPr>
+            <a:xfrm>
+              <a:off x="2179886" y="2936471"/>
+              <a:ext cx="1429821" cy="328307"/>
+            </a:xfrm>
+            <a:prstGeom prst="rect">
+              <a:avLst/>
+            </a:prstGeom>
+            <a:noFill/>
+          </p:spPr>
+          <p:txBody>
+            <a:bodyPr wrap="square" lIns="0" tIns="0" rIns="0" bIns="0" rtlCol="0" anchor="t"/>
+            <a:lstStyle/>
+            <a:p>
+              <a:pPr algn="ctr">
+                <a:lnSpc>
+                  <a:spcPts val="1293"/>
+                </a:lnSpc>
+              </a:pPr>
+              <a:r>
+                <a:rPr lang="en-US" sz="1350" b="1" dirty="0"/>
+                <a:t>Data Source</a:t>
+              </a:r>
+            </a:p>
+          </p:txBody>
+        </p:sp>
+        <p:sp>
+          <p:nvSpPr>
+            <p:cNvPr id="22" name="TextBox 21">
+              <a:extLst>
+                <a:ext uri="{FF2B5EF4-FFF2-40B4-BE49-F238E27FC236}">
+                  <a16:creationId xmlns:a16="http://schemas.microsoft.com/office/drawing/2014/main" id="{4D24B2BB-34E2-40BC-B8F1-9E599CA5B985}"/>
+                </a:ext>
+              </a:extLst>
+            </p:cNvPr>
+            <p:cNvSpPr txBox="1"/>
+            <p:nvPr/>
+          </p:nvSpPr>
+          <p:spPr>
+            <a:xfrm>
+              <a:off x="4060137" y="2846708"/>
+              <a:ext cx="1110964" cy="300082"/>
+            </a:xfrm>
+            <a:prstGeom prst="rect">
+              <a:avLst/>
+            </a:prstGeom>
+            <a:noFill/>
+          </p:spPr>
+          <p:txBody>
+            <a:bodyPr wrap="square" rtlCol="0">
+              <a:spAutoFit/>
+            </a:bodyPr>
+            <a:lstStyle/>
+            <a:p>
+              <a:r>
+                <a:rPr lang="en-AU" sz="1350" b="1" dirty="0"/>
+                <a:t>Code/Debug</a:t>
+              </a:r>
+            </a:p>
+          </p:txBody>
+        </p:sp>
+        <p:sp>
+          <p:nvSpPr>
+            <p:cNvPr id="23" name="TextBox 22">
+              <a:extLst>
+                <a:ext uri="{FF2B5EF4-FFF2-40B4-BE49-F238E27FC236}">
+                  <a16:creationId xmlns:a16="http://schemas.microsoft.com/office/drawing/2014/main" id="{C3F3FCBF-D083-19E0-DCAA-88925FB6AA91}"/>
+                </a:ext>
+              </a:extLst>
+            </p:cNvPr>
+            <p:cNvSpPr txBox="1"/>
+            <p:nvPr/>
+          </p:nvSpPr>
+          <p:spPr>
+            <a:xfrm>
+              <a:off x="5658417" y="2857463"/>
+              <a:ext cx="1197313" cy="300082"/>
+            </a:xfrm>
+            <a:prstGeom prst="rect">
+              <a:avLst/>
+            </a:prstGeom>
+            <a:noFill/>
+          </p:spPr>
+          <p:txBody>
+            <a:bodyPr wrap="square" rtlCol="0">
+              <a:spAutoFit/>
+            </a:bodyPr>
+            <a:lstStyle/>
+            <a:p>
+              <a:r>
+                <a:rPr lang="en-AU" sz="1350" b="1" dirty="0"/>
+                <a:t>Tools used</a:t>
+              </a:r>
+            </a:p>
+          </p:txBody>
+        </p:sp>
+      </p:grpSp>
+      <p:sp>
+        <p:nvSpPr>
+          <p:cNvPr id="13" name="Content Placeholder 2">
+            <a:extLst>
+              <a:ext uri="{FF2B5EF4-FFF2-40B4-BE49-F238E27FC236}">
+                <a16:creationId xmlns:a16="http://schemas.microsoft.com/office/drawing/2014/main" id="{CE2BA736-0E32-3D9E-AA9C-B22AEBE0E6C5}"/>
+              </a:ext>
+            </a:extLst>
+          </p:cNvPr>
+          <p:cNvSpPr txBox="1">
+            <a:spLocks/>
+          </p:cNvSpPr>
+          <p:nvPr/>
+        </p:nvSpPr>
+        <p:spPr>
+          <a:xfrm>
+            <a:off x="337259" y="2696126"/>
+            <a:ext cx="7251539" cy="3548025"/>
+          </a:xfrm>
+          <a:prstGeom prst="rect">
+            <a:avLst/>
+          </a:prstGeom>
+        </p:spPr>
         <p:txBody>
           <a:bodyPr>
             <a:normAutofit/>
           </a:bodyPr>
-          <a:lstStyle/>
+          <a:lstStyle>
+            <a:lvl1pPr marL="342900" indent="-342900" algn="l" defTabSz="457200" rtl="0" eaLnBrk="1" latinLnBrk="0" hangingPunct="1">
+              <a:spcBef>
+                <a:spcPct val="20000"/>
+              </a:spcBef>
+              <a:buFont typeface="Arial"/>
+              <a:buChar char="•"/>
+              <a:defRPr sz="3200" kern="1200">
+                <a:solidFill>
+                  <a:schemeClr val="tx1"/>
+                </a:solidFill>
+                <a:latin typeface="+mn-lt"/>
+                <a:ea typeface="+mn-ea"/>
+                <a:cs typeface="+mn-cs"/>
+              </a:defRPr>
+            </a:lvl1pPr>
+            <a:lvl2pPr marL="742950" indent="-285750" algn="l" defTabSz="457200" rtl="0" eaLnBrk="1" latinLnBrk="0" hangingPunct="1">
+              <a:spcBef>
+                <a:spcPct val="20000"/>
+              </a:spcBef>
+              <a:buFont typeface="Arial"/>
+              <a:buChar char="–"/>
+              <a:defRPr sz="2800" kern="1200">
+                <a:solidFill>
+                  <a:schemeClr val="tx1"/>
+                </a:solidFill>
+                <a:latin typeface="+mn-lt"/>
+                <a:ea typeface="+mn-ea"/>
+                <a:cs typeface="+mn-cs"/>
+              </a:defRPr>
+            </a:lvl2pPr>
+            <a:lvl3pPr marL="1143000" indent="-228600" algn="l" defTabSz="457200" rtl="0" eaLnBrk="1" latinLnBrk="0" hangingPunct="1">
+              <a:spcBef>
+                <a:spcPct val="20000"/>
+              </a:spcBef>
+              <a:buFont typeface="Arial"/>
+              <a:buChar char="•"/>
+              <a:defRPr sz="2400" kern="1200">
+                <a:solidFill>
+                  <a:schemeClr val="tx1"/>
+                </a:solidFill>
+                <a:latin typeface="+mn-lt"/>
+                <a:ea typeface="+mn-ea"/>
+                <a:cs typeface="+mn-cs"/>
+              </a:defRPr>
+            </a:lvl3pPr>
+            <a:lvl4pPr marL="1600200" indent="-228600" algn="l" defTabSz="457200" rtl="0" eaLnBrk="1" latinLnBrk="0" hangingPunct="1">
+              <a:spcBef>
+                <a:spcPct val="20000"/>
+              </a:spcBef>
+              <a:buFont typeface="Arial"/>
+              <a:buChar char="–"/>
+              <a:defRPr sz="2000" kern="1200">
+                <a:solidFill>
+                  <a:schemeClr val="tx1"/>
+                </a:solidFill>
+                <a:latin typeface="+mn-lt"/>
+                <a:ea typeface="+mn-ea"/>
+                <a:cs typeface="+mn-cs"/>
+              </a:defRPr>
+            </a:lvl4pPr>
+            <a:lvl5pPr marL="2057400" indent="-228600" algn="l" defTabSz="457200" rtl="0" eaLnBrk="1" latinLnBrk="0" hangingPunct="1">
+              <a:spcBef>
+                <a:spcPct val="20000"/>
+              </a:spcBef>
+              <a:buFont typeface="Arial"/>
+              <a:buChar char="»"/>
+              <a:defRPr sz="2000" kern="1200">
+                <a:solidFill>
+                  <a:schemeClr val="tx1"/>
+                </a:solidFill>
+                <a:latin typeface="+mn-lt"/>
+                <a:ea typeface="+mn-ea"/>
+                <a:cs typeface="+mn-cs"/>
+              </a:defRPr>
+            </a:lvl5pPr>
+            <a:lvl6pPr marL="2514600" indent="-228600" algn="l" defTabSz="457200" rtl="0" eaLnBrk="1" latinLnBrk="0" hangingPunct="1">
+              <a:spcBef>
+                <a:spcPct val="20000"/>
+              </a:spcBef>
+              <a:buFont typeface="Arial"/>
+              <a:buChar char="•"/>
+              <a:defRPr sz="2000" kern="1200">
+                <a:solidFill>
+                  <a:schemeClr val="tx1"/>
+                </a:solidFill>
+                <a:latin typeface="+mn-lt"/>
+                <a:ea typeface="+mn-ea"/>
+                <a:cs typeface="+mn-cs"/>
+              </a:defRPr>
+            </a:lvl6pPr>
+            <a:lvl7pPr marL="2971800" indent="-228600" algn="l" defTabSz="457200" rtl="0" eaLnBrk="1" latinLnBrk="0" hangingPunct="1">
+              <a:spcBef>
+                <a:spcPct val="20000"/>
+              </a:spcBef>
+              <a:buFont typeface="Arial"/>
+              <a:buChar char="•"/>
+              <a:defRPr sz="2000" kern="1200">
+                <a:solidFill>
+                  <a:schemeClr val="tx1"/>
+                </a:solidFill>
+                <a:latin typeface="+mn-lt"/>
+                <a:ea typeface="+mn-ea"/>
+                <a:cs typeface="+mn-cs"/>
+              </a:defRPr>
+            </a:lvl7pPr>
+            <a:lvl8pPr marL="3429000" indent="-228600" algn="l" defTabSz="457200" rtl="0" eaLnBrk="1" latinLnBrk="0" hangingPunct="1">
+              <a:spcBef>
+                <a:spcPct val="20000"/>
+              </a:spcBef>
+              <a:buFont typeface="Arial"/>
+              <a:buChar char="•"/>
+              <a:defRPr sz="2000" kern="1200">
+                <a:solidFill>
+                  <a:schemeClr val="tx1"/>
+                </a:solidFill>
+                <a:latin typeface="+mn-lt"/>
+                <a:ea typeface="+mn-ea"/>
+                <a:cs typeface="+mn-cs"/>
+              </a:defRPr>
+            </a:lvl8pPr>
+            <a:lvl9pPr marL="3886200" indent="-228600" algn="l" defTabSz="457200" rtl="0" eaLnBrk="1" latinLnBrk="0" hangingPunct="1">
+              <a:spcBef>
+                <a:spcPct val="20000"/>
+              </a:spcBef>
+              <a:buFont typeface="Arial"/>
+              <a:buChar char="•"/>
+              <a:defRPr sz="2000" kern="1200">
+                <a:solidFill>
+                  <a:schemeClr val="tx1"/>
+                </a:solidFill>
+                <a:latin typeface="+mn-lt"/>
+                <a:ea typeface="+mn-ea"/>
+                <a:cs typeface="+mn-cs"/>
+              </a:defRPr>
+            </a:lvl9pPr>
+          </a:lstStyle>
+          <a:p>
+            <a:pPr>
+              <a:buFont typeface="Wingdings" panose="05000000000000000000" pitchFamily="2" charset="2"/>
+              <a:buChar char="§"/>
+            </a:pPr>
+            <a:r>
+              <a:rPr lang="en-US" dirty="0"/>
+              <a:t>Our Team</a:t>
+            </a:r>
+          </a:p>
+          <a:p>
+            <a:pPr>
+              <a:buFont typeface="Wingdings" panose="05000000000000000000" pitchFamily="2" charset="2"/>
+              <a:buChar char="§"/>
+            </a:pPr>
+            <a:r>
+              <a:rPr lang="en-US" dirty="0"/>
+              <a:t>Trend Analysis </a:t>
+            </a:r>
+          </a:p>
+          <a:p>
+            <a:pPr>
+              <a:buFont typeface="Wingdings" panose="05000000000000000000" pitchFamily="2" charset="2"/>
+              <a:buChar char="§"/>
+            </a:pPr>
+            <a:r>
+              <a:rPr lang="en-US" dirty="0"/>
+              <a:t>Conclusions</a:t>
+            </a:r>
+          </a:p>
+          <a:p>
+            <a:pPr>
+              <a:buFont typeface="Wingdings" panose="05000000000000000000" pitchFamily="2" charset="2"/>
+              <a:buChar char="§"/>
+            </a:pPr>
+            <a:r>
+              <a:rPr lang="en-US" dirty="0"/>
+              <a:t>Recommendations</a:t>
+            </a:r>
+          </a:p>
+          <a:p>
+            <a:pPr>
+              <a:buFont typeface="Wingdings" panose="05000000000000000000" pitchFamily="2" charset="2"/>
+              <a:buChar char="§"/>
+            </a:pPr>
+            <a:r>
+              <a:rPr lang="en-US" dirty="0"/>
+              <a:t>Lessons Learnt</a:t>
+            </a:r>
+          </a:p>
+          <a:p>
+            <a:pPr>
+              <a:buFont typeface="Wingdings" panose="05000000000000000000" pitchFamily="2" charset="2"/>
+              <a:buChar char="§"/>
+            </a:pPr>
+            <a:r>
+              <a:rPr lang="en-US" dirty="0"/>
+              <a:t>Q &amp; A</a:t>
+            </a:r>
+          </a:p>
           <a:p>
             <a:pPr marL="0" indent="0">
+              <a:buFont typeface="Arial"/>
               <a:buNone/>
             </a:pPr>
-            <a:r>
-              <a:rPr lang="en-AU" dirty="0"/>
-              <a:t>• Our Team</a:t>
-            </a:r>
+            <a:endParaRPr lang="en-US" dirty="0"/>
           </a:p>
           <a:p>
             <a:pPr marL="0" indent="0">
+              <a:buFont typeface="Arial"/>
               <a:buNone/>
             </a:pPr>
-            <a:r>
-              <a:rPr dirty="0"/>
-              <a:t>• </a:t>
-            </a:r>
-            <a:r>
-              <a:rPr lang="en-AU" dirty="0"/>
-              <a:t>Our Journey – Our Story</a:t>
-            </a:r>
-          </a:p>
-          <a:p>
-            <a:pPr marL="0" indent="0">
-              <a:buNone/>
-            </a:pPr>
-            <a:r>
-              <a:rPr dirty="0"/>
-              <a:t>• Trend</a:t>
-            </a:r>
-            <a:r>
-              <a:rPr lang="en-AU" dirty="0"/>
-              <a:t> Analysis</a:t>
-            </a:r>
-            <a:r>
-              <a:rPr dirty="0"/>
-              <a:t> </a:t>
-            </a:r>
-            <a:endParaRPr lang="en-AU" dirty="0"/>
-          </a:p>
-          <a:p>
-            <a:pPr marL="0" indent="0">
-              <a:buNone/>
-            </a:pPr>
-            <a:r>
-              <a:rPr dirty="0"/>
-              <a:t>• Conclusions and Recommendations</a:t>
-            </a:r>
-            <a:endParaRPr lang="en-AU" dirty="0"/>
-          </a:p>
-          <a:p>
-            <a:pPr marL="0" indent="0">
-              <a:buNone/>
-            </a:pPr>
-            <a:r>
-              <a:rPr lang="en-AU" dirty="0"/>
-              <a:t>• Lessons Learnt</a:t>
-            </a:r>
-          </a:p>
-          <a:p>
-            <a:r>
-              <a:rPr lang="en-AU" dirty="0"/>
-              <a:t>Q &amp; A</a:t>
-            </a:r>
-          </a:p>
-          <a:p>
-            <a:pPr marL="0" indent="0">
-              <a:buNone/>
-            </a:pPr>
-            <a:endParaRPr lang="en-AU" dirty="0"/>
-          </a:p>
-          <a:p>
-            <a:pPr marL="0" indent="0">
-              <a:buNone/>
-            </a:pPr>
-            <a:endParaRPr dirty="0"/>
-          </a:p>
-        </p:txBody>
-      </p:sp>
+            <a:endParaRPr lang="en-US" dirty="0"/>
+          </a:p>
+        </p:txBody>
+      </p:sp>
+      <p:pic>
+        <p:nvPicPr>
+          <p:cNvPr id="20" name="Picture 19">
+            <a:extLst>
+              <a:ext uri="{FF2B5EF4-FFF2-40B4-BE49-F238E27FC236}">
+                <a16:creationId xmlns:a16="http://schemas.microsoft.com/office/drawing/2014/main" id="{38DF1FF0-1C56-589B-C230-6BE0F7B40F19}"/>
+              </a:ext>
+            </a:extLst>
+          </p:cNvPr>
+          <p:cNvPicPr>
+            <a:picLocks noChangeAspect="1"/>
+          </p:cNvPicPr>
+          <p:nvPr/>
+        </p:nvPicPr>
+        <p:blipFill>
+          <a:blip r:embed="rId9"/>
+          <a:stretch>
+            <a:fillRect/>
+          </a:stretch>
+        </p:blipFill>
+        <p:spPr>
+          <a:xfrm>
+            <a:off x="3963028" y="3134659"/>
+            <a:ext cx="4973344" cy="2849650"/>
+          </a:xfrm>
+          <a:prstGeom prst="rect">
+            <a:avLst/>
+          </a:prstGeom>
+        </p:spPr>
+      </p:pic>
     </p:spTree>
   </p:cSld>
   <p:clrMapOvr>
@@ -6168,692 +6278,6 @@
       </p:grpSpPr>
       <p:sp>
         <p:nvSpPr>
-          <p:cNvPr id="2" name="Title 1"/>
-          <p:cNvSpPr>
-            <a:spLocks noGrp="1"/>
-          </p:cNvSpPr>
-          <p:nvPr>
-            <p:ph type="title"/>
-          </p:nvPr>
-        </p:nvSpPr>
-        <p:spPr/>
-        <p:txBody>
-          <a:bodyPr/>
-          <a:lstStyle/>
-          <a:p>
-            <a:pPr>
-              <a:defRPr sz="4400">
-                <a:solidFill>
-                  <a:srgbClr val="003366"/>
-                </a:solidFill>
-              </a:defRPr>
-            </a:pPr>
-            <a:r>
-              <a:rPr lang="en-AU" dirty="0"/>
-              <a:t>Our Team</a:t>
-            </a:r>
-            <a:endParaRPr dirty="0"/>
-          </a:p>
-        </p:txBody>
-      </p:sp>
-      <p:sp>
-        <p:nvSpPr>
-          <p:cNvPr id="3" name="Content Placeholder 2"/>
-          <p:cNvSpPr>
-            <a:spLocks noGrp="1"/>
-          </p:cNvSpPr>
-          <p:nvPr>
-            <p:ph idx="1"/>
-          </p:nvPr>
-        </p:nvSpPr>
-        <p:spPr/>
-        <p:txBody>
-          <a:bodyPr/>
-          <a:lstStyle/>
-          <a:p>
-            <a:endParaRPr dirty="0"/>
-          </a:p>
-        </p:txBody>
-      </p:sp>
-    </p:spTree>
-  </p:cSld>
-  <p:clrMapOvr>
-    <a:masterClrMapping/>
-  </p:clrMapOvr>
-</p:sld>
-</file>
-
-<file path=ppt/slides/slide4.xml><?xml version="1.0" encoding="utf-8"?>
-<p:sld xmlns:a="http://schemas.openxmlformats.org/drawingml/2006/main" xmlns:r="http://schemas.openxmlformats.org/officeDocument/2006/relationships" xmlns:p="http://schemas.openxmlformats.org/presentationml/2006/main">
-  <p:cSld>
-    <p:spTree>
-      <p:nvGrpSpPr>
-        <p:cNvPr id="1" name=""/>
-        <p:cNvGrpSpPr/>
-        <p:nvPr/>
-      </p:nvGrpSpPr>
-      <p:grpSpPr>
-        <a:xfrm>
-          <a:off x="0" y="0"/>
-          <a:ext cx="0" cy="0"/>
-          <a:chOff x="0" y="0"/>
-          <a:chExt cx="0" cy="0"/>
-        </a:xfrm>
-      </p:grpSpPr>
-      <p:sp>
-        <p:nvSpPr>
-          <p:cNvPr id="2" name="Object 1"/>
-          <p:cNvSpPr/>
-          <p:nvPr/>
-        </p:nvSpPr>
-        <p:spPr>
-          <a:xfrm>
-            <a:off x="571358" y="923452"/>
-            <a:ext cx="9141714" cy="588347"/>
-          </a:xfrm>
-          <a:prstGeom prst="rect">
-            <a:avLst/>
-          </a:prstGeom>
-          <a:noFill/>
-        </p:spPr>
-        <p:txBody>
-          <a:bodyPr wrap="square" lIns="0" tIns="0" rIns="0" bIns="0" rtlCol="0" anchor="t"/>
-          <a:lstStyle/>
-          <a:p>
-            <a:pPr algn="ctr">
-              <a:lnSpc>
-                <a:spcPts val="3012"/>
-              </a:lnSpc>
-            </a:pPr>
-            <a:r>
-              <a:rPr lang="en-AU" sz="4400" dirty="0">
-                <a:solidFill>
-                  <a:srgbClr val="003366"/>
-                </a:solidFill>
-                <a:latin typeface="+mj-lt"/>
-                <a:ea typeface="+mj-ea"/>
-                <a:cs typeface="+mj-cs"/>
-              </a:rPr>
-              <a:t>Our Journey – Our Story</a:t>
-            </a:r>
-            <a:r>
-              <a:rPr lang="en-US" sz="2391" dirty="0">
-                <a:solidFill>
-                  <a:srgbClr val="FFFFFF"/>
-                </a:solidFill>
-                <a:latin typeface="Montserrat" pitchFamily="34" charset="0"/>
-                <a:ea typeface="Montserrat" pitchFamily="34" charset="-122"/>
-                <a:cs typeface="Montserrat" pitchFamily="34" charset="-120"/>
-              </a:rPr>
-              <a:t>e Challenges</a:t>
-            </a:r>
-            <a:endParaRPr lang="en-US" sz="1350" dirty="0"/>
-          </a:p>
-        </p:txBody>
-      </p:sp>
-      <p:pic>
-        <p:nvPicPr>
-          <p:cNvPr id="3" name="Object 2" descr="preencoded.png"/>
-          <p:cNvPicPr>
-            <a:picLocks noChangeAspect="1"/>
-          </p:cNvPicPr>
-          <p:nvPr/>
-        </p:nvPicPr>
-        <p:blipFill>
-          <a:blip r:embed="rId3">
-            <a:extLst>
-              <a:ext uri="{96DAC541-7B7A-43D3-8B79-37D633B846F1}">
-                <asvg:svgBlip xmlns:asvg="http://schemas.microsoft.com/office/drawing/2016/SVG/main" r:embed="rId4"/>
-              </a:ext>
-            </a:extLst>
-          </a:blip>
-          <a:stretch>
-            <a:fillRect/>
-          </a:stretch>
-        </p:blipFill>
-        <p:spPr>
-          <a:xfrm>
-            <a:off x="337259" y="2625358"/>
-            <a:ext cx="1842627" cy="935597"/>
-          </a:xfrm>
-          <a:prstGeom prst="rect">
-            <a:avLst/>
-          </a:prstGeom>
-        </p:spPr>
-      </p:pic>
-      <p:sp>
-        <p:nvSpPr>
-          <p:cNvPr id="4" name="Object 3"/>
-          <p:cNvSpPr/>
-          <p:nvPr/>
-        </p:nvSpPr>
-        <p:spPr>
-          <a:xfrm>
-            <a:off x="434945" y="2926624"/>
-            <a:ext cx="1429821" cy="328307"/>
-          </a:xfrm>
-          <a:prstGeom prst="rect">
-            <a:avLst/>
-          </a:prstGeom>
-          <a:noFill/>
-        </p:spPr>
-        <p:txBody>
-          <a:bodyPr wrap="square" lIns="0" tIns="0" rIns="0" bIns="0" rtlCol="0" anchor="t"/>
-          <a:lstStyle/>
-          <a:p>
-            <a:pPr algn="ctr">
-              <a:lnSpc>
-                <a:spcPts val="1293"/>
-              </a:lnSpc>
-            </a:pPr>
-            <a:r>
-              <a:rPr lang="en-US" sz="1350" b="1" dirty="0"/>
-              <a:t>Ideas	</a:t>
-            </a:r>
-          </a:p>
-        </p:txBody>
-      </p:sp>
-      <p:sp>
-        <p:nvSpPr>
-          <p:cNvPr id="5" name="Object 4"/>
-          <p:cNvSpPr/>
-          <p:nvPr/>
-        </p:nvSpPr>
-        <p:spPr>
-          <a:xfrm>
-            <a:off x="571358" y="3640875"/>
-            <a:ext cx="1429821" cy="1119782"/>
-          </a:xfrm>
-          <a:prstGeom prst="rect">
-            <a:avLst/>
-          </a:prstGeom>
-          <a:noFill/>
-        </p:spPr>
-        <p:txBody>
-          <a:bodyPr wrap="square" lIns="0" tIns="0" rIns="0" bIns="0" rtlCol="0" anchor="t"/>
-          <a:lstStyle/>
-          <a:p>
-            <a:pPr>
-              <a:lnSpc>
-                <a:spcPts val="1260"/>
-              </a:lnSpc>
-            </a:pPr>
-            <a:r>
-              <a:rPr lang="en-US" sz="900" dirty="0">
-                <a:solidFill>
-                  <a:srgbClr val="FFFFFF">
-                    <a:alpha val="90000"/>
-                  </a:srgbClr>
-                </a:solidFill>
-                <a:latin typeface="Montserrat" pitchFamily="34" charset="0"/>
-                <a:ea typeface="Montserrat" pitchFamily="34" charset="-122"/>
-                <a:cs typeface="Montserrat" pitchFamily="34" charset="-120"/>
-              </a:rPr>
-              <a:t>List the major challenges facing urban greening efforts in Victoria such as climate change, population growth, and lack of funding.</a:t>
-            </a:r>
-            <a:endParaRPr lang="en-US" sz="1350" dirty="0"/>
-          </a:p>
-        </p:txBody>
-      </p:sp>
-      <p:pic>
-        <p:nvPicPr>
-          <p:cNvPr id="6" name="Object 5" descr="preencoded.png"/>
-          <p:cNvPicPr>
-            <a:picLocks noChangeAspect="1"/>
-          </p:cNvPicPr>
-          <p:nvPr/>
-        </p:nvPicPr>
-        <p:blipFill>
-          <a:blip r:embed="rId5">
-            <a:extLst>
-              <a:ext uri="{96DAC541-7B7A-43D3-8B79-37D633B846F1}">
-                <asvg:svgBlip xmlns:asvg="http://schemas.microsoft.com/office/drawing/2016/SVG/main" r:embed="rId6"/>
-              </a:ext>
-            </a:extLst>
-          </a:blip>
-          <a:stretch>
-            <a:fillRect/>
-          </a:stretch>
-        </p:blipFill>
-        <p:spPr>
-          <a:xfrm>
-            <a:off x="1994195" y="2625358"/>
-            <a:ext cx="1842627" cy="935597"/>
-          </a:xfrm>
-          <a:prstGeom prst="rect">
-            <a:avLst/>
-          </a:prstGeom>
-        </p:spPr>
-      </p:pic>
-      <p:sp>
-        <p:nvSpPr>
-          <p:cNvPr id="8" name="Object 7"/>
-          <p:cNvSpPr/>
-          <p:nvPr/>
-        </p:nvSpPr>
-        <p:spPr>
-          <a:xfrm>
-            <a:off x="2228293" y="3640875"/>
-            <a:ext cx="1429821" cy="1439720"/>
-          </a:xfrm>
-          <a:prstGeom prst="rect">
-            <a:avLst/>
-          </a:prstGeom>
-          <a:noFill/>
-        </p:spPr>
-        <p:txBody>
-          <a:bodyPr wrap="square" lIns="0" tIns="0" rIns="0" bIns="0" rtlCol="0" anchor="t"/>
-          <a:lstStyle/>
-          <a:p>
-            <a:pPr>
-              <a:lnSpc>
-                <a:spcPts val="1260"/>
-              </a:lnSpc>
-            </a:pPr>
-            <a:r>
-              <a:rPr lang="en-US" sz="900" dirty="0">
-                <a:solidFill>
-                  <a:srgbClr val="FFFFFF">
-                    <a:alpha val="90000"/>
-                  </a:srgbClr>
-                </a:solidFill>
-                <a:latin typeface="Montserrat" pitchFamily="34" charset="0"/>
-                <a:ea typeface="Montserrat" pitchFamily="34" charset="-122"/>
-                <a:cs typeface="Montserrat" pitchFamily="34" charset="-120"/>
-              </a:rPr>
-              <a:t>Propose potential solutions to address each challenge such as developing climate-resilient plant species, securing government funding, and engaging community volunteers.</a:t>
-            </a:r>
-            <a:endParaRPr lang="en-US" sz="1350" dirty="0"/>
-          </a:p>
-        </p:txBody>
-      </p:sp>
-      <p:pic>
-        <p:nvPicPr>
-          <p:cNvPr id="9" name="Object 8" descr="preencoded.png"/>
-          <p:cNvPicPr>
-            <a:picLocks noChangeAspect="1"/>
-          </p:cNvPicPr>
-          <p:nvPr/>
-        </p:nvPicPr>
-        <p:blipFill>
-          <a:blip r:embed="rId5">
-            <a:extLst>
-              <a:ext uri="{96DAC541-7B7A-43D3-8B79-37D633B846F1}">
-                <asvg:svgBlip xmlns:asvg="http://schemas.microsoft.com/office/drawing/2016/SVG/main" r:embed="rId6"/>
-              </a:ext>
-            </a:extLst>
-          </a:blip>
-          <a:stretch>
-            <a:fillRect/>
-          </a:stretch>
-        </p:blipFill>
-        <p:spPr>
-          <a:xfrm>
-            <a:off x="3651131" y="2625358"/>
-            <a:ext cx="1842627" cy="935597"/>
-          </a:xfrm>
-          <a:prstGeom prst="rect">
-            <a:avLst/>
-          </a:prstGeom>
-        </p:spPr>
-      </p:pic>
-      <p:sp>
-        <p:nvSpPr>
-          <p:cNvPr id="11" name="Object 10"/>
-          <p:cNvSpPr/>
-          <p:nvPr/>
-        </p:nvSpPr>
-        <p:spPr>
-          <a:xfrm>
-            <a:off x="3885229" y="3640876"/>
-            <a:ext cx="1429821" cy="959813"/>
-          </a:xfrm>
-          <a:prstGeom prst="rect">
-            <a:avLst/>
-          </a:prstGeom>
-          <a:noFill/>
-        </p:spPr>
-        <p:txBody>
-          <a:bodyPr wrap="square" lIns="0" tIns="0" rIns="0" bIns="0" rtlCol="0" anchor="t"/>
-          <a:lstStyle/>
-          <a:p>
-            <a:pPr>
-              <a:lnSpc>
-                <a:spcPts val="1260"/>
-              </a:lnSpc>
-            </a:pPr>
-            <a:r>
-              <a:rPr lang="en-US" sz="900" dirty="0">
-                <a:solidFill>
-                  <a:srgbClr val="FFFFFF">
-                    <a:alpha val="90000"/>
-                  </a:srgbClr>
-                </a:solidFill>
-                <a:latin typeface="Montserrat" pitchFamily="34" charset="0"/>
-                <a:ea typeface="Montserrat" pitchFamily="34" charset="-122"/>
-                <a:cs typeface="Montserrat" pitchFamily="34" charset="-120"/>
-              </a:rPr>
-              <a:t>Determine the most critical actions that need to be taken in the near-term to drive progress on urban greening in Victoria.</a:t>
-            </a:r>
-            <a:endParaRPr lang="en-US" sz="1350" dirty="0"/>
-          </a:p>
-        </p:txBody>
-      </p:sp>
-      <p:pic>
-        <p:nvPicPr>
-          <p:cNvPr id="12" name="Object 11" descr="preencoded.png"/>
-          <p:cNvPicPr>
-            <a:picLocks noChangeAspect="1"/>
-          </p:cNvPicPr>
-          <p:nvPr/>
-        </p:nvPicPr>
-        <p:blipFill>
-          <a:blip r:embed="rId5">
-            <a:extLst>
-              <a:ext uri="{96DAC541-7B7A-43D3-8B79-37D633B846F1}">
-                <asvg:svgBlip xmlns:asvg="http://schemas.microsoft.com/office/drawing/2016/SVG/main" r:embed="rId6"/>
-              </a:ext>
-            </a:extLst>
-          </a:blip>
-          <a:stretch>
-            <a:fillRect/>
-          </a:stretch>
-        </p:blipFill>
-        <p:spPr>
-          <a:xfrm>
-            <a:off x="5308067" y="2625358"/>
-            <a:ext cx="1842627" cy="935597"/>
-          </a:xfrm>
-          <a:prstGeom prst="rect">
-            <a:avLst/>
-          </a:prstGeom>
-        </p:spPr>
-      </p:pic>
-      <p:sp>
-        <p:nvSpPr>
-          <p:cNvPr id="14" name="Object 13"/>
-          <p:cNvSpPr/>
-          <p:nvPr/>
-        </p:nvSpPr>
-        <p:spPr>
-          <a:xfrm>
-            <a:off x="5542164" y="3640875"/>
-            <a:ext cx="1429821" cy="1279751"/>
-          </a:xfrm>
-          <a:prstGeom prst="rect">
-            <a:avLst/>
-          </a:prstGeom>
-          <a:noFill/>
-        </p:spPr>
-        <p:txBody>
-          <a:bodyPr wrap="square" lIns="0" tIns="0" rIns="0" bIns="0" rtlCol="0" anchor="t"/>
-          <a:lstStyle/>
-          <a:p>
-            <a:pPr>
-              <a:lnSpc>
-                <a:spcPts val="1260"/>
-              </a:lnSpc>
-            </a:pPr>
-            <a:r>
-              <a:rPr lang="en-US" sz="900" dirty="0">
-                <a:solidFill>
-                  <a:srgbClr val="FFFFFF">
-                    <a:alpha val="90000"/>
-                  </a:srgbClr>
-                </a:solidFill>
-                <a:latin typeface="Montserrat" pitchFamily="34" charset="0"/>
-                <a:ea typeface="Montserrat" pitchFamily="34" charset="-122"/>
-                <a:cs typeface="Montserrat" pitchFamily="34" charset="-120"/>
-              </a:rPr>
-              <a:t>Identify key performance indicators to measure progress over time such as number of new trees planted annually or increase in urban canopy cover.</a:t>
-            </a:r>
-            <a:endParaRPr lang="en-US" sz="1350" dirty="0"/>
-          </a:p>
-        </p:txBody>
-      </p:sp>
-      <p:pic>
-        <p:nvPicPr>
-          <p:cNvPr id="15" name="Object 14" descr="preencoded.png"/>
-          <p:cNvPicPr>
-            <a:picLocks noChangeAspect="1"/>
-          </p:cNvPicPr>
-          <p:nvPr/>
-        </p:nvPicPr>
-        <p:blipFill>
-          <a:blip r:embed="rId7">
-            <a:extLst>
-              <a:ext uri="{96DAC541-7B7A-43D3-8B79-37D633B846F1}">
-                <asvg:svgBlip xmlns:asvg="http://schemas.microsoft.com/office/drawing/2016/SVG/main" r:embed="rId8"/>
-              </a:ext>
-            </a:extLst>
-          </a:blip>
-          <a:stretch>
-            <a:fillRect/>
-          </a:stretch>
-        </p:blipFill>
-        <p:spPr>
-          <a:xfrm>
-            <a:off x="6965003" y="2625358"/>
-            <a:ext cx="1842627" cy="935597"/>
-          </a:xfrm>
-          <a:prstGeom prst="rect">
-            <a:avLst/>
-          </a:prstGeom>
-        </p:spPr>
-      </p:pic>
-      <p:sp>
-        <p:nvSpPr>
-          <p:cNvPr id="16" name="Object 15"/>
-          <p:cNvSpPr/>
-          <p:nvPr/>
-        </p:nvSpPr>
-        <p:spPr>
-          <a:xfrm>
-            <a:off x="7287660" y="2911314"/>
-            <a:ext cx="1194137" cy="492461"/>
-          </a:xfrm>
-          <a:prstGeom prst="rect">
-            <a:avLst/>
-          </a:prstGeom>
-          <a:noFill/>
-        </p:spPr>
-        <p:txBody>
-          <a:bodyPr wrap="square" lIns="0" tIns="0" rIns="0" bIns="0" rtlCol="0" anchor="t"/>
-          <a:lstStyle/>
-          <a:p>
-            <a:pPr algn="ctr">
-              <a:lnSpc>
-                <a:spcPts val="1293"/>
-              </a:lnSpc>
-            </a:pPr>
-            <a:r>
-              <a:rPr lang="en-US" sz="1350" dirty="0">
-                <a:ea typeface="Montserrat" pitchFamily="34" charset="-122"/>
-                <a:cs typeface="Montserrat" pitchFamily="34" charset="-120"/>
-              </a:rPr>
-              <a:t>Final Product</a:t>
-            </a:r>
-            <a:endParaRPr lang="en-US" sz="1350" dirty="0"/>
-          </a:p>
-        </p:txBody>
-      </p:sp>
-      <p:sp>
-        <p:nvSpPr>
-          <p:cNvPr id="17" name="Object 16"/>
-          <p:cNvSpPr/>
-          <p:nvPr/>
-        </p:nvSpPr>
-        <p:spPr>
-          <a:xfrm>
-            <a:off x="7199100" y="3640876"/>
-            <a:ext cx="1429821" cy="799844"/>
-          </a:xfrm>
-          <a:prstGeom prst="rect">
-            <a:avLst/>
-          </a:prstGeom>
-          <a:noFill/>
-        </p:spPr>
-        <p:txBody>
-          <a:bodyPr wrap="square" lIns="0" tIns="0" rIns="0" bIns="0" rtlCol="0" anchor="t"/>
-          <a:lstStyle/>
-          <a:p>
-            <a:pPr>
-              <a:lnSpc>
-                <a:spcPts val="1260"/>
-              </a:lnSpc>
-            </a:pPr>
-            <a:r>
-              <a:rPr lang="en-US" sz="900" dirty="0">
-                <a:solidFill>
-                  <a:srgbClr val="FFFFFF">
-                    <a:alpha val="90000"/>
-                  </a:srgbClr>
-                </a:solidFill>
-                <a:latin typeface="Montserrat" pitchFamily="34" charset="0"/>
-                <a:ea typeface="Montserrat" pitchFamily="34" charset="-122"/>
-                <a:cs typeface="Montserrat" pitchFamily="34" charset="-120"/>
-              </a:rPr>
-              <a:t>Outline specific steps, owners, timelines, and resources required to execute the solutions and track the metrics.</a:t>
-            </a:r>
-            <a:endParaRPr lang="en-US" sz="1350" dirty="0"/>
-          </a:p>
-        </p:txBody>
-      </p:sp>
-      <p:sp>
-        <p:nvSpPr>
-          <p:cNvPr id="19" name="Object 3">
-            <a:extLst>
-              <a:ext uri="{FF2B5EF4-FFF2-40B4-BE49-F238E27FC236}">
-                <a16:creationId xmlns:a16="http://schemas.microsoft.com/office/drawing/2014/main" id="{35B89890-2496-E357-E3C6-D90B8CE78142}"/>
-              </a:ext>
-            </a:extLst>
-          </p:cNvPr>
-          <p:cNvSpPr/>
-          <p:nvPr/>
-        </p:nvSpPr>
-        <p:spPr>
-          <a:xfrm>
-            <a:off x="2179886" y="2936471"/>
-            <a:ext cx="1429821" cy="328307"/>
-          </a:xfrm>
-          <a:prstGeom prst="rect">
-            <a:avLst/>
-          </a:prstGeom>
-          <a:noFill/>
-        </p:spPr>
-        <p:txBody>
-          <a:bodyPr wrap="square" lIns="0" tIns="0" rIns="0" bIns="0" rtlCol="0" anchor="t"/>
-          <a:lstStyle/>
-          <a:p>
-            <a:pPr algn="ctr">
-              <a:lnSpc>
-                <a:spcPts val="1293"/>
-              </a:lnSpc>
-            </a:pPr>
-            <a:r>
-              <a:rPr lang="en-US" sz="1350" b="1" dirty="0"/>
-              <a:t>Data Source</a:t>
-            </a:r>
-          </a:p>
-        </p:txBody>
-      </p:sp>
-      <p:sp>
-        <p:nvSpPr>
-          <p:cNvPr id="22" name="TextBox 21">
-            <a:extLst>
-              <a:ext uri="{FF2B5EF4-FFF2-40B4-BE49-F238E27FC236}">
-                <a16:creationId xmlns:a16="http://schemas.microsoft.com/office/drawing/2014/main" id="{4D24B2BB-34E2-40BC-B8F1-9E599CA5B985}"/>
-              </a:ext>
-            </a:extLst>
-          </p:cNvPr>
-          <p:cNvSpPr txBox="1"/>
-          <p:nvPr/>
-        </p:nvSpPr>
-        <p:spPr>
-          <a:xfrm>
-            <a:off x="4060137" y="2846708"/>
-            <a:ext cx="1110964" cy="300082"/>
-          </a:xfrm>
-          <a:prstGeom prst="rect">
-            <a:avLst/>
-          </a:prstGeom>
-          <a:noFill/>
-        </p:spPr>
-        <p:txBody>
-          <a:bodyPr wrap="square" rtlCol="0">
-            <a:spAutoFit/>
-          </a:bodyPr>
-          <a:lstStyle/>
-          <a:p>
-            <a:r>
-              <a:rPr lang="en-AU" sz="1350" b="1" dirty="0"/>
-              <a:t>Code/Debug</a:t>
-            </a:r>
-          </a:p>
-        </p:txBody>
-      </p:sp>
-      <p:sp>
-        <p:nvSpPr>
-          <p:cNvPr id="23" name="TextBox 22">
-            <a:extLst>
-              <a:ext uri="{FF2B5EF4-FFF2-40B4-BE49-F238E27FC236}">
-                <a16:creationId xmlns:a16="http://schemas.microsoft.com/office/drawing/2014/main" id="{C3F3FCBF-D083-19E0-DCAA-88925FB6AA91}"/>
-              </a:ext>
-            </a:extLst>
-          </p:cNvPr>
-          <p:cNvSpPr txBox="1"/>
-          <p:nvPr/>
-        </p:nvSpPr>
-        <p:spPr>
-          <a:xfrm>
-            <a:off x="5658417" y="2857463"/>
-            <a:ext cx="1197313" cy="300082"/>
-          </a:xfrm>
-          <a:prstGeom prst="rect">
-            <a:avLst/>
-          </a:prstGeom>
-          <a:noFill/>
-        </p:spPr>
-        <p:txBody>
-          <a:bodyPr wrap="square" rtlCol="0">
-            <a:spAutoFit/>
-          </a:bodyPr>
-          <a:lstStyle/>
-          <a:p>
-            <a:r>
-              <a:rPr lang="en-AU" sz="1350" b="1" dirty="0"/>
-              <a:t>Tools used</a:t>
-            </a:r>
-          </a:p>
-        </p:txBody>
-      </p:sp>
-    </p:spTree>
-  </p:cSld>
-  <p:clrMapOvr>
-    <a:masterClrMapping/>
-  </p:clrMapOvr>
-</p:sld>
-</file>
-
-<file path=ppt/slides/slide5.xml><?xml version="1.0" encoding="utf-8"?>
-<p:sld xmlns:a="http://schemas.openxmlformats.org/drawingml/2006/main" xmlns:r="http://schemas.openxmlformats.org/officeDocument/2006/relationships" xmlns:p="http://schemas.openxmlformats.org/presentationml/2006/main">
-  <p:cSld>
-    <p:spTree>
-      <p:nvGrpSpPr>
-        <p:cNvPr id="1" name=""/>
-        <p:cNvGrpSpPr/>
-        <p:nvPr/>
-      </p:nvGrpSpPr>
-      <p:grpSpPr>
-        <a:xfrm>
-          <a:off x="0" y="0"/>
-          <a:ext cx="0" cy="0"/>
-          <a:chOff x="0" y="0"/>
-          <a:chExt cx="0" cy="0"/>
-        </a:xfrm>
-      </p:grpSpPr>
-      <p:sp>
-        <p:nvSpPr>
           <p:cNvPr id="2" name="Object 1"/>
           <p:cNvSpPr/>
           <p:nvPr/>
@@ -6974,7 +6398,7 @@
         </p:nvSpPr>
         <p:spPr>
           <a:xfrm>
-            <a:off x="571358" y="2499455"/>
+            <a:off x="478512" y="2484513"/>
             <a:ext cx="2592533" cy="569795"/>
           </a:xfrm>
           <a:prstGeom prst="rect">
@@ -7106,7 +6530,7 @@
         </p:nvSpPr>
         <p:spPr>
           <a:xfrm>
-            <a:off x="3428143" y="2499456"/>
+            <a:off x="3274590" y="2499456"/>
             <a:ext cx="2592533" cy="759727"/>
           </a:xfrm>
           <a:prstGeom prst="rect">
@@ -7228,7 +6652,7 @@
         </p:nvSpPr>
         <p:spPr>
           <a:xfrm>
-            <a:off x="6192083" y="2499456"/>
+            <a:off x="6142089" y="2494991"/>
             <a:ext cx="2592533" cy="759727"/>
           </a:xfrm>
           <a:prstGeom prst="rect">
@@ -7340,7 +6764,7 @@
         </p:nvSpPr>
         <p:spPr>
           <a:xfrm>
-            <a:off x="571358" y="4392076"/>
+            <a:off x="503509" y="4392076"/>
             <a:ext cx="2592533" cy="569795"/>
           </a:xfrm>
           <a:prstGeom prst="rect">
@@ -7452,7 +6876,7 @@
         </p:nvSpPr>
         <p:spPr>
           <a:xfrm>
-            <a:off x="3428143" y="4392076"/>
+            <a:off x="3306730" y="4392076"/>
             <a:ext cx="2592533" cy="569795"/>
           </a:xfrm>
           <a:prstGeom prst="rect">
@@ -7606,7 +7030,7 @@
 </p:sld>
 </file>
 
-<file path=ppt/slides/slide6.xml><?xml version="1.0" encoding="utf-8"?>
+<file path=ppt/slides/slide4.xml><?xml version="1.0" encoding="utf-8"?>
 <p:sld xmlns:a="http://schemas.openxmlformats.org/drawingml/2006/main" xmlns:r="http://schemas.openxmlformats.org/officeDocument/2006/relationships" xmlns:p="http://schemas.openxmlformats.org/presentationml/2006/main">
   <p:cSld>
     <p:spTree>
@@ -7723,6 +7147,182 @@
 </p:sld>
 </file>
 
+<file path=ppt/slides/slide5.xml><?xml version="1.0" encoding="utf-8"?>
+<p:sld xmlns:a="http://schemas.openxmlformats.org/drawingml/2006/main" xmlns:r="http://schemas.openxmlformats.org/officeDocument/2006/relationships" xmlns:p="http://schemas.openxmlformats.org/presentationml/2006/main">
+  <p:cSld>
+    <p:spTree>
+      <p:nvGrpSpPr>
+        <p:cNvPr id="1" name=""/>
+        <p:cNvGrpSpPr/>
+        <p:nvPr/>
+      </p:nvGrpSpPr>
+      <p:grpSpPr>
+        <a:xfrm>
+          <a:off x="0" y="0"/>
+          <a:ext cx="0" cy="0"/>
+          <a:chOff x="0" y="0"/>
+          <a:chExt cx="0" cy="0"/>
+        </a:xfrm>
+      </p:grpSpPr>
+      <p:sp>
+        <p:nvSpPr>
+          <p:cNvPr id="2" name="Title 1">
+            <a:extLst>
+              <a:ext uri="{FF2B5EF4-FFF2-40B4-BE49-F238E27FC236}">
+                <a16:creationId xmlns:a16="http://schemas.microsoft.com/office/drawing/2014/main" id="{0351AFC4-BDEB-6AE4-6322-CB0B67590334}"/>
+              </a:ext>
+            </a:extLst>
+          </p:cNvPr>
+          <p:cNvSpPr>
+            <a:spLocks noGrp="1"/>
+          </p:cNvSpPr>
+          <p:nvPr>
+            <p:ph type="title"/>
+          </p:nvPr>
+        </p:nvSpPr>
+        <p:spPr/>
+        <p:txBody>
+          <a:bodyPr/>
+          <a:lstStyle/>
+          <a:p>
+            <a:endParaRPr lang="en-AU" dirty="0"/>
+          </a:p>
+        </p:txBody>
+      </p:sp>
+      <p:pic>
+        <p:nvPicPr>
+          <p:cNvPr id="5" name="Content Placeholder 4" descr="A blue and white rectangular object with black lines&#10;&#10;Description automatically generated with medium confidence">
+            <a:extLst>
+              <a:ext uri="{FF2B5EF4-FFF2-40B4-BE49-F238E27FC236}">
+                <a16:creationId xmlns:a16="http://schemas.microsoft.com/office/drawing/2014/main" id="{647AB055-C150-B71D-5761-50B46056C51B}"/>
+              </a:ext>
+            </a:extLst>
+          </p:cNvPr>
+          <p:cNvPicPr>
+            <a:picLocks noGrp="1" noChangeAspect="1"/>
+          </p:cNvPicPr>
+          <p:nvPr>
+            <p:ph idx="1"/>
+          </p:nvPr>
+        </p:nvPicPr>
+        <p:blipFill>
+          <a:blip r:embed="rId2"/>
+          <a:stretch>
+            <a:fillRect/>
+          </a:stretch>
+        </p:blipFill>
+        <p:spPr>
+          <a:xfrm>
+            <a:off x="0" y="1331089"/>
+            <a:ext cx="9144000" cy="5526911"/>
+          </a:xfrm>
+        </p:spPr>
+      </p:pic>
+    </p:spTree>
+    <p:extLst>
+      <p:ext uri="{BB962C8B-B14F-4D97-AF65-F5344CB8AC3E}">
+        <p14:creationId xmlns:p14="http://schemas.microsoft.com/office/powerpoint/2010/main" val="1382469694"/>
+      </p:ext>
+    </p:extLst>
+  </p:cSld>
+  <p:clrMapOvr>
+    <a:masterClrMapping/>
+  </p:clrMapOvr>
+</p:sld>
+</file>
+
+<file path=ppt/slides/slide6.xml><?xml version="1.0" encoding="utf-8"?>
+<p:sld xmlns:a="http://schemas.openxmlformats.org/drawingml/2006/main" xmlns:r="http://schemas.openxmlformats.org/officeDocument/2006/relationships" xmlns:p="http://schemas.openxmlformats.org/presentationml/2006/main">
+  <p:cSld>
+    <p:spTree>
+      <p:nvGrpSpPr>
+        <p:cNvPr id="1" name=""/>
+        <p:cNvGrpSpPr/>
+        <p:nvPr/>
+      </p:nvGrpSpPr>
+      <p:grpSpPr>
+        <a:xfrm>
+          <a:off x="0" y="0"/>
+          <a:ext cx="0" cy="0"/>
+          <a:chOff x="0" y="0"/>
+          <a:chExt cx="0" cy="0"/>
+        </a:xfrm>
+      </p:grpSpPr>
+      <p:sp>
+        <p:nvSpPr>
+          <p:cNvPr id="2" name="Title 1">
+            <a:extLst>
+              <a:ext uri="{FF2B5EF4-FFF2-40B4-BE49-F238E27FC236}">
+                <a16:creationId xmlns:a16="http://schemas.microsoft.com/office/drawing/2014/main" id="{17358F9C-C032-B95A-60DB-974DD7632C4E}"/>
+              </a:ext>
+            </a:extLst>
+          </p:cNvPr>
+          <p:cNvSpPr>
+            <a:spLocks noGrp="1"/>
+          </p:cNvSpPr>
+          <p:nvPr>
+            <p:ph type="title"/>
+          </p:nvPr>
+        </p:nvSpPr>
+        <p:spPr>
+          <a:xfrm>
+            <a:off x="457200" y="160337"/>
+            <a:ext cx="8229600" cy="1143000"/>
+          </a:xfrm>
+        </p:spPr>
+        <p:txBody>
+          <a:bodyPr/>
+          <a:lstStyle/>
+          <a:p>
+            <a:r>
+              <a:rPr lang="en-AU" dirty="0"/>
+              <a:t>The API view</a:t>
+            </a:r>
+          </a:p>
+        </p:txBody>
+      </p:sp>
+      <p:pic>
+        <p:nvPicPr>
+          <p:cNvPr id="5" name="Content Placeholder 4" descr="A map with many colored circles&#10;&#10;Description automatically generated">
+            <a:extLst>
+              <a:ext uri="{FF2B5EF4-FFF2-40B4-BE49-F238E27FC236}">
+                <a16:creationId xmlns:a16="http://schemas.microsoft.com/office/drawing/2014/main" id="{E6132EF4-ECA1-8FB9-8847-C4F47BCFBF9A}"/>
+              </a:ext>
+            </a:extLst>
+          </p:cNvPr>
+          <p:cNvPicPr>
+            <a:picLocks noGrp="1" noChangeAspect="1"/>
+          </p:cNvPicPr>
+          <p:nvPr>
+            <p:ph idx="1"/>
+          </p:nvPr>
+        </p:nvPicPr>
+        <p:blipFill>
+          <a:blip r:embed="rId3"/>
+          <a:stretch>
+            <a:fillRect/>
+          </a:stretch>
+        </p:blipFill>
+        <p:spPr>
+          <a:xfrm>
+            <a:off x="105290" y="977223"/>
+            <a:ext cx="8933420" cy="5720440"/>
+          </a:xfrm>
+        </p:spPr>
+      </p:pic>
+    </p:spTree>
+    <p:extLst>
+      <p:ext uri="{BB962C8B-B14F-4D97-AF65-F5344CB8AC3E}">
+        <p14:creationId xmlns:p14="http://schemas.microsoft.com/office/powerpoint/2010/main" val="366985341"/>
+      </p:ext>
+    </p:extLst>
+  </p:cSld>
+  <p:clrMapOvr>
+    <a:masterClrMapping/>
+  </p:clrMapOvr>
+</p:sld>
+</file>
+
 <file path=ppt/slides/slide7.xml><?xml version="1.0" encoding="utf-8"?>
 <p:sld xmlns:a="http://schemas.openxmlformats.org/drawingml/2006/main" xmlns:r="http://schemas.openxmlformats.org/officeDocument/2006/relationships" xmlns:p="http://schemas.openxmlformats.org/presentationml/2006/main">
   <p:cSld>
@@ -7752,34 +7352,37 @@
         </p:nvSpPr>
         <p:spPr>
           <a:xfrm>
-            <a:off x="457200" y="36577"/>
-            <a:ext cx="8229600" cy="1143000"/>
+            <a:off x="375313" y="69812"/>
+            <a:ext cx="8768687" cy="1143000"/>
           </a:xfrm>
         </p:spPr>
         <p:txBody>
-          <a:bodyPr/>
-          <a:lstStyle/>
-          <a:p>
-            <a:pPr marL="0" indent="0">
-              <a:buNone/>
-            </a:pPr>
-            <a:r>
-              <a:rPr lang="en-AU" dirty="0">
+          <a:bodyPr>
+            <a:normAutofit fontScale="90000"/>
+          </a:bodyPr>
+          <a:lstStyle/>
+          <a:p>
+            <a:pPr>
+              <a:defRPr sz="4400">
                 <a:solidFill>
                   <a:srgbClr val="003366"/>
                 </a:solidFill>
-              </a:rPr>
-              <a:t>Trend Analysis </a:t>
-            </a:r>
+              </a:defRPr>
+            </a:pPr>
+            <a:r>
+              <a:rPr lang="en-AU" dirty="0"/>
+              <a:t>Compare LGA and Public Open Spaces</a:t>
+            </a:r>
+            <a:endParaRPr dirty="0"/>
           </a:p>
         </p:txBody>
       </p:sp>
       <p:pic>
         <p:nvPicPr>
-          <p:cNvPr id="9" name="Content Placeholder 8" descr="A graph of a number of parks and gardens&#10;&#10;Description automatically generated">
+          <p:cNvPr id="10" name="Content Placeholder 9" descr="A graph of blue bars with white text&#10;&#10;Description automatically generated">
             <a:extLst>
               <a:ext uri="{FF2B5EF4-FFF2-40B4-BE49-F238E27FC236}">
-                <a16:creationId xmlns:a16="http://schemas.microsoft.com/office/drawing/2014/main" id="{5CC9D996-E097-A251-73C8-BB4450FE7B30}"/>
+                <a16:creationId xmlns:a16="http://schemas.microsoft.com/office/drawing/2014/main" id="{399CB185-BBF0-5622-E547-D57FE56C3AB4}"/>
               </a:ext>
             </a:extLst>
           </p:cNvPr>
@@ -7798,8 +7401,8 @@
         </p:blipFill>
         <p:spPr>
           <a:xfrm>
-            <a:off x="393192" y="896113"/>
-            <a:ext cx="8357616" cy="5650991"/>
+            <a:off x="242520" y="978408"/>
+            <a:ext cx="8631936" cy="5577840"/>
           </a:xfrm>
         </p:spPr>
       </p:pic>
@@ -7846,7 +7449,7 @@
         </p:spPr>
         <p:txBody>
           <a:bodyPr>
-            <a:normAutofit fontScale="90000"/>
+            <a:normAutofit/>
           </a:bodyPr>
           <a:lstStyle/>
           <a:p>
@@ -7859,7 +7462,7 @@
             </a:pPr>
             <a:r>
               <a:rPr lang="en-AU" dirty="0"/>
-              <a:t>Compare LGA and Public Open Spaces</a:t>
+              <a:t>LGAs and their population</a:t>
             </a:r>
             <a:endParaRPr dirty="0"/>
           </a:p>
@@ -7867,10 +7470,10 @@
       </p:sp>
       <p:pic>
         <p:nvPicPr>
-          <p:cNvPr id="10" name="Content Placeholder 9" descr="A graph of blue bars with white text&#10;&#10;Description automatically generated">
+          <p:cNvPr id="6" name="Content Placeholder 5" descr="A graph of blue bars with black text">
             <a:extLst>
               <a:ext uri="{FF2B5EF4-FFF2-40B4-BE49-F238E27FC236}">
-                <a16:creationId xmlns:a16="http://schemas.microsoft.com/office/drawing/2014/main" id="{399CB185-BBF0-5622-E547-D57FE56C3AB4}"/>
+                <a16:creationId xmlns:a16="http://schemas.microsoft.com/office/drawing/2014/main" id="{9A609EC7-E79E-C140-0604-2F989655DC5A}"/>
               </a:ext>
             </a:extLst>
           </p:cNvPr>
@@ -7889,12 +7492,17 @@
         </p:blipFill>
         <p:spPr>
           <a:xfrm>
-            <a:off x="242520" y="978408"/>
-            <a:ext cx="8631936" cy="5577840"/>
+            <a:off x="210312" y="1005841"/>
+            <a:ext cx="8558375" cy="5688217"/>
           </a:xfrm>
         </p:spPr>
       </p:pic>
     </p:spTree>
+    <p:extLst>
+      <p:ext uri="{BB962C8B-B14F-4D97-AF65-F5344CB8AC3E}">
+        <p14:creationId xmlns:p14="http://schemas.microsoft.com/office/powerpoint/2010/main" val="263020404"/>
+      </p:ext>
+    </p:extLst>
   </p:cSld>
   <p:clrMapOvr>
     <a:masterClrMapping/>
@@ -7983,6 +7591,36 @@
             <a:off x="292608" y="1075473"/>
             <a:ext cx="8577072" cy="5712715"/>
           </a:xfrm>
+        </p:spPr>
+      </p:pic>
+      <p:pic>
+        <p:nvPicPr>
+          <p:cNvPr id="4" name="Picture 3" descr="A screenshot of a computer&#10;&#10;Description automatically generated">
+            <a:extLst>
+              <a:ext uri="{FF2B5EF4-FFF2-40B4-BE49-F238E27FC236}">
+                <a16:creationId xmlns:a16="http://schemas.microsoft.com/office/drawing/2014/main" id="{6DD5A25D-B732-79A3-E3DC-E7C5C9D433F3}"/>
+              </a:ext>
+            </a:extLst>
+          </p:cNvPr>
+          <p:cNvPicPr>
+            <a:picLocks noChangeAspect="1"/>
+          </p:cNvPicPr>
+          <p:nvPr/>
+        </p:nvPicPr>
+        <p:blipFill>
+          <a:blip r:embed="rId4"/>
+          <a:stretch>
+            <a:fillRect/>
+          </a:stretch>
+        </p:blipFill>
+        <p:spPr>
+          <a:xfrm>
+            <a:off x="0" y="1212812"/>
+            <a:ext cx="9144000" cy="5488930"/>
+          </a:xfrm>
+          <a:prstGeom prst="rect">
+            <a:avLst/>
+          </a:prstGeom>
         </p:spPr>
       </p:pic>
     </p:spTree>

--- a/PPT_WIP.pptx
+++ b/PPT_WIP.pptx
@@ -5,23 +5,25 @@
     <p:sldMasterId id="2147483648" r:id="rId1"/>
   </p:sldMasterIdLst>
   <p:notesMasterIdLst>
-    <p:notesMasterId r:id="rId16"/>
+    <p:notesMasterId r:id="rId18"/>
   </p:notesMasterIdLst>
   <p:sldIdLst>
     <p:sldId id="256" r:id="rId2"/>
     <p:sldId id="267" r:id="rId3"/>
     <p:sldId id="266" r:id="rId4"/>
-    <p:sldId id="273" r:id="rId5"/>
-    <p:sldId id="274" r:id="rId6"/>
-    <p:sldId id="272" r:id="rId7"/>
+    <p:sldId id="272" r:id="rId5"/>
+    <p:sldId id="273" r:id="rId6"/>
+    <p:sldId id="274" r:id="rId7"/>
     <p:sldId id="260" r:id="rId8"/>
     <p:sldId id="271" r:id="rId9"/>
     <p:sldId id="269" r:id="rId10"/>
-    <p:sldId id="270" r:id="rId11"/>
-    <p:sldId id="262" r:id="rId12"/>
-    <p:sldId id="263" r:id="rId13"/>
-    <p:sldId id="264" r:id="rId14"/>
-    <p:sldId id="265" r:id="rId15"/>
+    <p:sldId id="276" r:id="rId11"/>
+    <p:sldId id="275" r:id="rId12"/>
+    <p:sldId id="270" r:id="rId13"/>
+    <p:sldId id="262" r:id="rId14"/>
+    <p:sldId id="263" r:id="rId15"/>
+    <p:sldId id="264" r:id="rId16"/>
+    <p:sldId id="265" r:id="rId17"/>
   </p:sldIdLst>
   <p:sldSz cx="9144000" cy="6858000" type="screen4x3"/>
   <p:notesSz cx="6858000" cy="9144000"/>
@@ -143,8 +145,309 @@
 <p1510:revInfo xmlns:a="http://schemas.openxmlformats.org/drawingml/2006/main" xmlns:r="http://schemas.openxmlformats.org/officeDocument/2006/relationships" xmlns:p1510="http://schemas.microsoft.com/office/powerpoint/2015/10/main">
   <p1510:revLst>
     <p1510:client id="{31ADAD4B-D503-4568-BB74-7843C0CB657A}" v="18" dt="2024-02-07T12:38:16.864"/>
+    <p1510:client id="{CF6C4CAE-DFEF-42E7-ADFF-DEFD7B47D145}" v="7" dt="2024-02-08T10:39:12.662"/>
   </p1510:revLst>
 </p1510:revInfo>
+</file>
+
+<file path=ppt/changesInfos/changesInfo1.xml><?xml version="1.0" encoding="utf-8"?>
+<pc:chgInfo xmlns:a="http://schemas.openxmlformats.org/drawingml/2006/main" xmlns:r="http://schemas.openxmlformats.org/officeDocument/2006/relationships" xmlns:ac="http://schemas.microsoft.com/office/drawing/2013/main/command" xmlns:pc="http://schemas.microsoft.com/office/powerpoint/2013/main/command">
+  <pc:docChgLst>
+    <pc:chgData name="vaibhav bhosle" userId="68d2ea067cb66f68" providerId="LiveId" clId="{E5C5712F-7174-4631-B3EB-09179799C298}"/>
+    <pc:docChg chg="custSel modSld">
+      <pc:chgData name="vaibhav bhosle" userId="68d2ea067cb66f68" providerId="LiveId" clId="{E5C5712F-7174-4631-B3EB-09179799C298}" dt="2024-02-08T08:59:38.631" v="200" actId="20577"/>
+      <pc:docMkLst>
+        <pc:docMk/>
+      </pc:docMkLst>
+      <pc:sldChg chg="modSp mod">
+        <pc:chgData name="vaibhav bhosle" userId="68d2ea067cb66f68" providerId="LiveId" clId="{E5C5712F-7174-4631-B3EB-09179799C298}" dt="2024-02-08T08:56:50.869" v="170" actId="20577"/>
+        <pc:sldMkLst>
+          <pc:docMk/>
+          <pc:sldMk cId="0" sldId="262"/>
+        </pc:sldMkLst>
+        <pc:spChg chg="mod">
+          <ac:chgData name="vaibhav bhosle" userId="68d2ea067cb66f68" providerId="LiveId" clId="{E5C5712F-7174-4631-B3EB-09179799C298}" dt="2024-02-08T08:56:50.869" v="170" actId="20577"/>
+          <ac:spMkLst>
+            <pc:docMk/>
+            <pc:sldMk cId="0" sldId="262"/>
+            <ac:spMk id="3" creationId="{00000000-0000-0000-0000-000000000000}"/>
+          </ac:spMkLst>
+        </pc:spChg>
+      </pc:sldChg>
+      <pc:sldChg chg="modSp mod">
+        <pc:chgData name="vaibhav bhosle" userId="68d2ea067cb66f68" providerId="LiveId" clId="{E5C5712F-7174-4631-B3EB-09179799C298}" dt="2024-02-08T08:59:38.631" v="200" actId="20577"/>
+        <pc:sldMkLst>
+          <pc:docMk/>
+          <pc:sldMk cId="3574457310" sldId="273"/>
+        </pc:sldMkLst>
+        <pc:spChg chg="mod">
+          <ac:chgData name="vaibhav bhosle" userId="68d2ea067cb66f68" providerId="LiveId" clId="{E5C5712F-7174-4631-B3EB-09179799C298}" dt="2024-02-08T08:59:38.631" v="200" actId="20577"/>
+          <ac:spMkLst>
+            <pc:docMk/>
+            <pc:sldMk cId="3574457310" sldId="273"/>
+            <ac:spMk id="2" creationId="{F266EACA-BC38-AFDC-D708-E142A0C48C0A}"/>
+          </ac:spMkLst>
+        </pc:spChg>
+      </pc:sldChg>
+      <pc:sldChg chg="delSp modSp mod">
+        <pc:chgData name="vaibhav bhosle" userId="68d2ea067cb66f68" providerId="LiveId" clId="{E5C5712F-7174-4631-B3EB-09179799C298}" dt="2024-02-08T08:53:45.355" v="1" actId="14100"/>
+        <pc:sldMkLst>
+          <pc:docMk/>
+          <pc:sldMk cId="1382469694" sldId="274"/>
+        </pc:sldMkLst>
+        <pc:spChg chg="del">
+          <ac:chgData name="vaibhav bhosle" userId="68d2ea067cb66f68" providerId="LiveId" clId="{E5C5712F-7174-4631-B3EB-09179799C298}" dt="2024-02-08T08:53:41.703" v="0" actId="478"/>
+          <ac:spMkLst>
+            <pc:docMk/>
+            <pc:sldMk cId="1382469694" sldId="274"/>
+            <ac:spMk id="2" creationId="{0351AFC4-BDEB-6AE4-6322-CB0B67590334}"/>
+          </ac:spMkLst>
+        </pc:spChg>
+        <pc:picChg chg="mod">
+          <ac:chgData name="vaibhav bhosle" userId="68d2ea067cb66f68" providerId="LiveId" clId="{E5C5712F-7174-4631-B3EB-09179799C298}" dt="2024-02-08T08:53:45.355" v="1" actId="14100"/>
+          <ac:picMkLst>
+            <pc:docMk/>
+            <pc:sldMk cId="1382469694" sldId="274"/>
+            <ac:picMk id="5" creationId="{647AB055-C150-B71D-5761-50B46056C51B}"/>
+          </ac:picMkLst>
+        </pc:picChg>
+      </pc:sldChg>
+    </pc:docChg>
+  </pc:docChgLst>
+  <pc:docChgLst>
+    <pc:chgData name="vaibhav bhosle" userId="68d2ea067cb66f68" providerId="LiveId" clId="{CF6C4CAE-DFEF-42E7-ADFF-DEFD7B47D145}"/>
+    <pc:docChg chg="undo custSel addSld modSld sldOrd">
+      <pc:chgData name="vaibhav bhosle" userId="68d2ea067cb66f68" providerId="LiveId" clId="{CF6C4CAE-DFEF-42E7-ADFF-DEFD7B47D145}" dt="2024-02-08T10:50:54.179" v="264" actId="20577"/>
+      <pc:docMkLst>
+        <pc:docMk/>
+      </pc:docMkLst>
+      <pc:sldChg chg="addSp delSp modSp mod">
+        <pc:chgData name="vaibhav bhosle" userId="68d2ea067cb66f68" providerId="LiveId" clId="{CF6C4CAE-DFEF-42E7-ADFF-DEFD7B47D145}" dt="2024-02-08T10:20:58.679" v="127" actId="14100"/>
+        <pc:sldMkLst>
+          <pc:docMk/>
+          <pc:sldMk cId="0" sldId="260"/>
+        </pc:sldMkLst>
+        <pc:spChg chg="add del mod">
+          <ac:chgData name="vaibhav bhosle" userId="68d2ea067cb66f68" providerId="LiveId" clId="{CF6C4CAE-DFEF-42E7-ADFF-DEFD7B47D145}" dt="2024-02-08T10:18:16.372" v="5" actId="931"/>
+          <ac:spMkLst>
+            <pc:docMk/>
+            <pc:sldMk cId="0" sldId="260"/>
+            <ac:spMk id="4" creationId="{2D2422CA-2169-473F-E1C0-83A0DA2B4644}"/>
+          </ac:spMkLst>
+        </pc:spChg>
+        <pc:spChg chg="add mod">
+          <ac:chgData name="vaibhav bhosle" userId="68d2ea067cb66f68" providerId="LiveId" clId="{CF6C4CAE-DFEF-42E7-ADFF-DEFD7B47D145}" dt="2024-02-08T10:20:58.679" v="127" actId="14100"/>
+          <ac:spMkLst>
+            <pc:docMk/>
+            <pc:sldMk cId="0" sldId="260"/>
+            <ac:spMk id="7" creationId="{2AF2B13E-4C76-C074-35D4-A1E19D4D4A81}"/>
+          </ac:spMkLst>
+        </pc:spChg>
+        <pc:picChg chg="add mod">
+          <ac:chgData name="vaibhav bhosle" userId="68d2ea067cb66f68" providerId="LiveId" clId="{CF6C4CAE-DFEF-42E7-ADFF-DEFD7B47D145}" dt="2024-02-08T10:18:53.285" v="16" actId="1076"/>
+          <ac:picMkLst>
+            <pc:docMk/>
+            <pc:sldMk cId="0" sldId="260"/>
+            <ac:picMk id="6" creationId="{FA6DB5D1-906B-EFF4-A566-A8A2F442A791}"/>
+          </ac:picMkLst>
+        </pc:picChg>
+        <pc:picChg chg="del">
+          <ac:chgData name="vaibhav bhosle" userId="68d2ea067cb66f68" providerId="LiveId" clId="{CF6C4CAE-DFEF-42E7-ADFF-DEFD7B47D145}" dt="2024-02-08T10:17:48.264" v="4" actId="478"/>
+          <ac:picMkLst>
+            <pc:docMk/>
+            <pc:sldMk cId="0" sldId="260"/>
+            <ac:picMk id="10" creationId="{399CB185-BBF0-5622-E547-D57FE56C3AB4}"/>
+          </ac:picMkLst>
+        </pc:picChg>
+      </pc:sldChg>
+      <pc:sldChg chg="modSp mod">
+        <pc:chgData name="vaibhav bhosle" userId="68d2ea067cb66f68" providerId="LiveId" clId="{CF6C4CAE-DFEF-42E7-ADFF-DEFD7B47D145}" dt="2024-02-08T10:43:49.737" v="183" actId="20577"/>
+        <pc:sldMkLst>
+          <pc:docMk/>
+          <pc:sldMk cId="0" sldId="262"/>
+        </pc:sldMkLst>
+        <pc:spChg chg="mod">
+          <ac:chgData name="vaibhav bhosle" userId="68d2ea067cb66f68" providerId="LiveId" clId="{CF6C4CAE-DFEF-42E7-ADFF-DEFD7B47D145}" dt="2024-02-08T10:43:49.737" v="183" actId="20577"/>
+          <ac:spMkLst>
+            <pc:docMk/>
+            <pc:sldMk cId="0" sldId="262"/>
+            <ac:spMk id="3" creationId="{00000000-0000-0000-0000-000000000000}"/>
+          </ac:spMkLst>
+        </pc:spChg>
+      </pc:sldChg>
+      <pc:sldChg chg="addSp delSp modSp mod">
+        <pc:chgData name="vaibhav bhosle" userId="68d2ea067cb66f68" providerId="LiveId" clId="{CF6C4CAE-DFEF-42E7-ADFF-DEFD7B47D145}" dt="2024-02-08T10:22:22.644" v="141" actId="962"/>
+        <pc:sldMkLst>
+          <pc:docMk/>
+          <pc:sldMk cId="3004503704" sldId="269"/>
+        </pc:sldMkLst>
+        <pc:spChg chg="add del mod">
+          <ac:chgData name="vaibhav bhosle" userId="68d2ea067cb66f68" providerId="LiveId" clId="{CF6C4CAE-DFEF-42E7-ADFF-DEFD7B47D145}" dt="2024-02-08T10:22:19.602" v="139" actId="931"/>
+          <ac:spMkLst>
+            <pc:docMk/>
+            <pc:sldMk cId="3004503704" sldId="269"/>
+            <ac:spMk id="5" creationId="{8EEEAA82-3474-C561-D625-E7AD377216E5}"/>
+          </ac:spMkLst>
+        </pc:spChg>
+        <pc:picChg chg="del">
+          <ac:chgData name="vaibhav bhosle" userId="68d2ea067cb66f68" providerId="LiveId" clId="{CF6C4CAE-DFEF-42E7-ADFF-DEFD7B47D145}" dt="2024-02-08T10:22:09.794" v="137" actId="478"/>
+          <ac:picMkLst>
+            <pc:docMk/>
+            <pc:sldMk cId="3004503704" sldId="269"/>
+            <ac:picMk id="4" creationId="{6DD5A25D-B732-79A3-E3DC-E7C5C9D433F3}"/>
+          </ac:picMkLst>
+        </pc:picChg>
+        <pc:picChg chg="del">
+          <ac:chgData name="vaibhav bhosle" userId="68d2ea067cb66f68" providerId="LiveId" clId="{CF6C4CAE-DFEF-42E7-ADFF-DEFD7B47D145}" dt="2024-02-08T10:22:11.596" v="138" actId="478"/>
+          <ac:picMkLst>
+            <pc:docMk/>
+            <pc:sldMk cId="3004503704" sldId="269"/>
+            <ac:picMk id="6" creationId="{D5F5FFB0-2FBA-D044-9588-95AAED028A87}"/>
+          </ac:picMkLst>
+        </pc:picChg>
+        <pc:picChg chg="add mod">
+          <ac:chgData name="vaibhav bhosle" userId="68d2ea067cb66f68" providerId="LiveId" clId="{CF6C4CAE-DFEF-42E7-ADFF-DEFD7B47D145}" dt="2024-02-08T10:22:22.644" v="141" actId="962"/>
+          <ac:picMkLst>
+            <pc:docMk/>
+            <pc:sldMk cId="3004503704" sldId="269"/>
+            <ac:picMk id="8" creationId="{639371F5-4E85-C95F-7506-6B12A5B2DD76}"/>
+          </ac:picMkLst>
+        </pc:picChg>
+      </pc:sldChg>
+      <pc:sldChg chg="modNotesTx">
+        <pc:chgData name="vaibhav bhosle" userId="68d2ea067cb66f68" providerId="LiveId" clId="{CF6C4CAE-DFEF-42E7-ADFF-DEFD7B47D145}" dt="2024-02-08T10:50:54.179" v="264" actId="20577"/>
+        <pc:sldMkLst>
+          <pc:docMk/>
+          <pc:sldMk cId="706350439" sldId="270"/>
+        </pc:sldMkLst>
+      </pc:sldChg>
+      <pc:sldChg chg="addSp delSp modSp mod modNotesTx">
+        <pc:chgData name="vaibhav bhosle" userId="68d2ea067cb66f68" providerId="LiveId" clId="{CF6C4CAE-DFEF-42E7-ADFF-DEFD7B47D145}" dt="2024-02-08T10:50:30.021" v="240" actId="20577"/>
+        <pc:sldMkLst>
+          <pc:docMk/>
+          <pc:sldMk cId="263020404" sldId="271"/>
+        </pc:sldMkLst>
+        <pc:spChg chg="mod">
+          <ac:chgData name="vaibhav bhosle" userId="68d2ea067cb66f68" providerId="LiveId" clId="{CF6C4CAE-DFEF-42E7-ADFF-DEFD7B47D145}" dt="2024-02-08T10:30:10.768" v="167" actId="14100"/>
+          <ac:spMkLst>
+            <pc:docMk/>
+            <pc:sldMk cId="263020404" sldId="271"/>
+            <ac:spMk id="2" creationId="{00000000-0000-0000-0000-000000000000}"/>
+          </ac:spMkLst>
+        </pc:spChg>
+        <pc:spChg chg="add del mod">
+          <ac:chgData name="vaibhav bhosle" userId="68d2ea067cb66f68" providerId="LiveId" clId="{CF6C4CAE-DFEF-42E7-ADFF-DEFD7B47D145}" dt="2024-02-08T10:21:49.272" v="129" actId="931"/>
+          <ac:spMkLst>
+            <pc:docMk/>
+            <pc:sldMk cId="263020404" sldId="271"/>
+            <ac:spMk id="4" creationId="{B636CECC-236D-A7FC-AB13-D92C445C29BA}"/>
+          </ac:spMkLst>
+        </pc:spChg>
+        <pc:spChg chg="add del mod">
+          <ac:chgData name="vaibhav bhosle" userId="68d2ea067cb66f68" providerId="LiveId" clId="{CF6C4CAE-DFEF-42E7-ADFF-DEFD7B47D145}" dt="2024-02-08T10:39:12.661" v="170" actId="931"/>
+          <ac:spMkLst>
+            <pc:docMk/>
+            <pc:sldMk cId="263020404" sldId="271"/>
+            <ac:spMk id="9" creationId="{D690690B-BC74-9DE9-613A-2227D425DC33}"/>
+          </ac:spMkLst>
+        </pc:spChg>
+        <pc:picChg chg="del">
+          <ac:chgData name="vaibhav bhosle" userId="68d2ea067cb66f68" providerId="LiveId" clId="{CF6C4CAE-DFEF-42E7-ADFF-DEFD7B47D145}" dt="2024-02-08T10:21:35.958" v="128" actId="478"/>
+          <ac:picMkLst>
+            <pc:docMk/>
+            <pc:sldMk cId="263020404" sldId="271"/>
+            <ac:picMk id="6" creationId="{9A609EC7-E79E-C140-0604-2F989655DC5A}"/>
+          </ac:picMkLst>
+        </pc:picChg>
+        <pc:picChg chg="add del mod">
+          <ac:chgData name="vaibhav bhosle" userId="68d2ea067cb66f68" providerId="LiveId" clId="{CF6C4CAE-DFEF-42E7-ADFF-DEFD7B47D145}" dt="2024-02-08T10:38:55.854" v="169" actId="478"/>
+          <ac:picMkLst>
+            <pc:docMk/>
+            <pc:sldMk cId="263020404" sldId="271"/>
+            <ac:picMk id="7" creationId="{41F779A8-BA96-7019-34E0-52225D08805F}"/>
+          </ac:picMkLst>
+        </pc:picChg>
+        <pc:picChg chg="add mod">
+          <ac:chgData name="vaibhav bhosle" userId="68d2ea067cb66f68" providerId="LiveId" clId="{CF6C4CAE-DFEF-42E7-ADFF-DEFD7B47D145}" dt="2024-02-08T10:40:04.174" v="177" actId="14100"/>
+          <ac:picMkLst>
+            <pc:docMk/>
+            <pc:sldMk cId="263020404" sldId="271"/>
+            <ac:picMk id="11" creationId="{0192138E-EECC-1A78-9172-D2D77FD51FC5}"/>
+          </ac:picMkLst>
+        </pc:picChg>
+      </pc:sldChg>
+      <pc:sldChg chg="ord modNotesTx">
+        <pc:chgData name="vaibhav bhosle" userId="68d2ea067cb66f68" providerId="LiveId" clId="{CF6C4CAE-DFEF-42E7-ADFF-DEFD7B47D145}" dt="2024-02-08T10:50:09.348" v="221" actId="20577"/>
+        <pc:sldMkLst>
+          <pc:docMk/>
+          <pc:sldMk cId="366985341" sldId="272"/>
+        </pc:sldMkLst>
+      </pc:sldChg>
+      <pc:sldChg chg="addSp delSp modSp new mod">
+        <pc:chgData name="vaibhav bhosle" userId="68d2ea067cb66f68" providerId="LiveId" clId="{CF6C4CAE-DFEF-42E7-ADFF-DEFD7B47D145}" dt="2024-02-08T10:25:17.339" v="157" actId="14100"/>
+        <pc:sldMkLst>
+          <pc:docMk/>
+          <pc:sldMk cId="2807739620" sldId="275"/>
+        </pc:sldMkLst>
+        <pc:spChg chg="del">
+          <ac:chgData name="vaibhav bhosle" userId="68d2ea067cb66f68" providerId="LiveId" clId="{CF6C4CAE-DFEF-42E7-ADFF-DEFD7B47D145}" dt="2024-02-08T10:25:14.461" v="156" actId="21"/>
+          <ac:spMkLst>
+            <pc:docMk/>
+            <pc:sldMk cId="2807739620" sldId="275"/>
+            <ac:spMk id="2" creationId="{7223B58A-95D0-C587-BD51-00A5A27C44F0}"/>
+          </ac:spMkLst>
+        </pc:spChg>
+        <pc:spChg chg="del">
+          <ac:chgData name="vaibhav bhosle" userId="68d2ea067cb66f68" providerId="LiveId" clId="{CF6C4CAE-DFEF-42E7-ADFF-DEFD7B47D145}" dt="2024-02-08T10:23:11.817" v="144" actId="931"/>
+          <ac:spMkLst>
+            <pc:docMk/>
+            <pc:sldMk cId="2807739620" sldId="275"/>
+            <ac:spMk id="3" creationId="{F9FD7CC9-0057-C020-821B-2AA13CF84C08}"/>
+          </ac:spMkLst>
+        </pc:spChg>
+        <pc:picChg chg="add mod">
+          <ac:chgData name="vaibhav bhosle" userId="68d2ea067cb66f68" providerId="LiveId" clId="{CF6C4CAE-DFEF-42E7-ADFF-DEFD7B47D145}" dt="2024-02-08T10:25:17.339" v="157" actId="14100"/>
+          <ac:picMkLst>
+            <pc:docMk/>
+            <pc:sldMk cId="2807739620" sldId="275"/>
+            <ac:picMk id="5" creationId="{A83C4D45-D172-94E2-A6EC-29A9025D035C}"/>
+          </ac:picMkLst>
+        </pc:picChg>
+      </pc:sldChg>
+      <pc:sldChg chg="addSp delSp modSp new mod ord">
+        <pc:chgData name="vaibhav bhosle" userId="68d2ea067cb66f68" providerId="LiveId" clId="{CF6C4CAE-DFEF-42E7-ADFF-DEFD7B47D145}" dt="2024-02-08T10:25:44.852" v="161"/>
+        <pc:sldMkLst>
+          <pc:docMk/>
+          <pc:sldMk cId="1786302171" sldId="276"/>
+        </pc:sldMkLst>
+        <pc:spChg chg="del">
+          <ac:chgData name="vaibhav bhosle" userId="68d2ea067cb66f68" providerId="LiveId" clId="{CF6C4CAE-DFEF-42E7-ADFF-DEFD7B47D145}" dt="2024-02-08T10:25:23.988" v="158" actId="478"/>
+          <ac:spMkLst>
+            <pc:docMk/>
+            <pc:sldMk cId="1786302171" sldId="276"/>
+            <ac:spMk id="2" creationId="{AC563809-96CD-3B3B-809D-C756F9354757}"/>
+          </ac:spMkLst>
+        </pc:spChg>
+        <pc:spChg chg="del">
+          <ac:chgData name="vaibhav bhosle" userId="68d2ea067cb66f68" providerId="LiveId" clId="{CF6C4CAE-DFEF-42E7-ADFF-DEFD7B47D145}" dt="2024-02-08T10:23:34.376" v="147" actId="931"/>
+          <ac:spMkLst>
+            <pc:docMk/>
+            <pc:sldMk cId="1786302171" sldId="276"/>
+            <ac:spMk id="3" creationId="{88FCA136-8E94-D811-6BC5-508F0D550AFB}"/>
+          </ac:spMkLst>
+        </pc:spChg>
+        <pc:picChg chg="add mod">
+          <ac:chgData name="vaibhav bhosle" userId="68d2ea067cb66f68" providerId="LiveId" clId="{CF6C4CAE-DFEF-42E7-ADFF-DEFD7B47D145}" dt="2024-02-08T10:25:27.045" v="159" actId="14100"/>
+          <ac:picMkLst>
+            <pc:docMk/>
+            <pc:sldMk cId="1786302171" sldId="276"/>
+            <ac:picMk id="5" creationId="{DF4CB1C0-8AF4-8847-EB61-D754B6ADB97B}"/>
+          </ac:picMkLst>
+        </pc:picChg>
+      </pc:sldChg>
+    </pc:docChg>
+  </pc:docChgLst>
+</pc:chgInfo>
 </file>
 
 <file path=ppt/notesMasters/notesMaster1.xml><?xml version="1.0" encoding="utf-8"?>
@@ -805,6 +1108,15 @@
               <a:rPr lang="en-US" dirty="0"/>
               <a:t> Ranges located well outside the Melbourne Metro LGA area. Would not be considered suitable for a family or person moving there who’s after a good balance between availability of inner-city services and public spaces.</a:t>
             </a:r>
+          </a:p>
+          <a:p>
+            <a:endParaRPr lang="en-US" dirty="0"/>
+          </a:p>
+          <a:p>
+            <a:r>
+              <a:rPr lang="en-US" dirty="0"/>
+              <a:t>Last slide – Jimmy – Over to Sonal</a:t>
+            </a:r>
             <a:endParaRPr lang="en-AU" dirty="0"/>
           </a:p>
         </p:txBody>
@@ -826,7 +1138,7 @@
           <a:p>
             <a:fld id="{D2EC087D-094B-4121-A536-202E43873E76}" type="slidenum">
               <a:rPr lang="en-AU" smtClean="0"/>
-              <a:t>6</a:t>
+              <a:t>4</a:t>
             </a:fld>
             <a:endParaRPr lang="en-AU"/>
           </a:p>
@@ -993,6 +1305,39 @@
           <a:p>
             <a:endParaRPr lang="en-AU" dirty="0"/>
           </a:p>
+          <a:p>
+            <a:endParaRPr lang="en-AU" dirty="0"/>
+          </a:p>
+          <a:p>
+            <a:endParaRPr lang="en-AU" dirty="0"/>
+          </a:p>
+          <a:p>
+            <a:pPr marL="0" marR="0" lvl="0" indent="0" algn="l" defTabSz="914400" rtl="0" eaLnBrk="1" fontAlgn="auto" latinLnBrk="0" hangingPunct="1">
+              <a:lnSpc>
+                <a:spcPct val="100000"/>
+              </a:lnSpc>
+              <a:spcBef>
+                <a:spcPts val="0"/>
+              </a:spcBef>
+              <a:spcAft>
+                <a:spcPts val="0"/>
+              </a:spcAft>
+              <a:buClrTx/>
+              <a:buSzTx/>
+              <a:buFontTx/>
+              <a:buNone/>
+              <a:tabLst/>
+              <a:defRPr/>
+            </a:pPr>
+            <a:r>
+              <a:rPr lang="en-US" dirty="0"/>
+              <a:t>Last slide – Sonal – Over to Laura</a:t>
+            </a:r>
+            <a:endParaRPr lang="en-AU" dirty="0"/>
+          </a:p>
+          <a:p>
+            <a:endParaRPr lang="en-AU" dirty="0"/>
+          </a:p>
         </p:txBody>
       </p:sp>
       <p:sp>
@@ -1227,6 +1572,48 @@
               <a:t>It is evident with the above graph that Casey has the greatest number of open spaces and schools.</a:t>
             </a:r>
           </a:p>
+          <a:p>
+            <a:endParaRPr lang="en-AU" dirty="0"/>
+          </a:p>
+          <a:p>
+            <a:pPr marL="0" marR="0" lvl="0" indent="0" algn="l" defTabSz="914400" rtl="0" eaLnBrk="1" fontAlgn="auto" latinLnBrk="0" hangingPunct="1">
+              <a:lnSpc>
+                <a:spcPct val="100000"/>
+              </a:lnSpc>
+              <a:spcBef>
+                <a:spcPts val="0"/>
+              </a:spcBef>
+              <a:spcAft>
+                <a:spcPts val="0"/>
+              </a:spcAft>
+              <a:buClrTx/>
+              <a:buSzTx/>
+              <a:buFontTx/>
+              <a:buNone/>
+              <a:tabLst/>
+              <a:defRPr/>
+            </a:pPr>
+            <a:r>
+              <a:rPr lang="en-US" dirty="0"/>
+              <a:t>Last slide </a:t>
+            </a:r>
+            <a:r>
+              <a:rPr lang="en-US"/>
+              <a:t>– Laura </a:t>
+            </a:r>
+            <a:r>
+              <a:rPr lang="en-US" dirty="0"/>
+              <a:t>– Over </a:t>
+            </a:r>
+            <a:r>
+              <a:rPr lang="en-US"/>
+              <a:t>to John</a:t>
+            </a:r>
+            <a:endParaRPr lang="en-AU" dirty="0"/>
+          </a:p>
+          <a:p>
+            <a:endParaRPr lang="en-AU" dirty="0"/>
+          </a:p>
         </p:txBody>
       </p:sp>
       <p:sp>
@@ -1246,7 +1633,7 @@
           <a:p>
             <a:fld id="{D2EC087D-094B-4121-A536-202E43873E76}" type="slidenum">
               <a:rPr lang="en-AU" smtClean="0"/>
-              <a:t>10</a:t>
+              <a:t>12</a:t>
             </a:fld>
             <a:endParaRPr lang="en-AU"/>
           </a:p>
@@ -4558,49 +4945,12 @@
           <a:chExt cx="0" cy="0"/>
         </a:xfrm>
       </p:grpSpPr>
-      <p:sp>
-        <p:nvSpPr>
-          <p:cNvPr id="2" name="Title 1"/>
-          <p:cNvSpPr>
-            <a:spLocks noGrp="1"/>
-          </p:cNvSpPr>
-          <p:nvPr>
-            <p:ph type="title"/>
-          </p:nvPr>
-        </p:nvSpPr>
-        <p:spPr>
-          <a:xfrm>
-            <a:off x="375313" y="69812"/>
-            <a:ext cx="8768687" cy="1143000"/>
-          </a:xfrm>
-        </p:spPr>
-        <p:txBody>
-          <a:bodyPr>
-            <a:normAutofit fontScale="90000"/>
-          </a:bodyPr>
-          <a:lstStyle/>
-          <a:p>
-            <a:pPr>
-              <a:defRPr sz="4400">
-                <a:solidFill>
-                  <a:srgbClr val="003366"/>
-                </a:solidFill>
-              </a:defRPr>
-            </a:pPr>
-            <a:r>
-              <a:rPr lang="en-AU" dirty="0"/>
-              <a:t>Compare schools to LGA and open spaces</a:t>
-            </a:r>
-            <a:endParaRPr dirty="0"/>
-          </a:p>
-        </p:txBody>
-      </p:sp>
       <p:pic>
         <p:nvPicPr>
-          <p:cNvPr id="11" name="Content Placeholder 10" descr="A chart with colored dots&#10;&#10;Description automatically generated">
+          <p:cNvPr id="5" name="Content Placeholder 4" descr="A diagram of a graph">
             <a:extLst>
               <a:ext uri="{FF2B5EF4-FFF2-40B4-BE49-F238E27FC236}">
-                <a16:creationId xmlns:a16="http://schemas.microsoft.com/office/drawing/2014/main" id="{4AD0163B-E614-77EC-1B11-048EF2152C1E}"/>
+                <a16:creationId xmlns:a16="http://schemas.microsoft.com/office/drawing/2014/main" id="{DF4CB1C0-8AF4-8847-EB61-D754B6ADB97B}"/>
               </a:ext>
             </a:extLst>
           </p:cNvPr>
@@ -4612,22 +4962,22 @@
           </p:nvPr>
         </p:nvPicPr>
         <p:blipFill>
-          <a:blip r:embed="rId3"/>
+          <a:blip r:embed="rId2"/>
           <a:stretch>
             <a:fillRect/>
           </a:stretch>
         </p:blipFill>
         <p:spPr>
           <a:xfrm>
-            <a:off x="-8203" y="995422"/>
-            <a:ext cx="9152204" cy="5852687"/>
+            <a:off x="368135" y="380011"/>
+            <a:ext cx="8229600" cy="5677736"/>
           </a:xfrm>
         </p:spPr>
       </p:pic>
     </p:spTree>
     <p:extLst>
       <p:ext uri="{BB962C8B-B14F-4D97-AF65-F5344CB8AC3E}">
-        <p14:creationId xmlns:p14="http://schemas.microsoft.com/office/powerpoint/2010/main" val="706350439"/>
+        <p14:creationId xmlns:p14="http://schemas.microsoft.com/office/powerpoint/2010/main" val="1786302171"/>
       </p:ext>
     </p:extLst>
   </p:cSld>
@@ -4654,70 +5004,41 @@
           <a:chExt cx="0" cy="0"/>
         </a:xfrm>
       </p:grpSpPr>
-      <p:sp>
-        <p:nvSpPr>
-          <p:cNvPr id="2" name="Title 1"/>
-          <p:cNvSpPr>
-            <a:spLocks noGrp="1"/>
-          </p:cNvSpPr>
-          <p:nvPr>
-            <p:ph type="title"/>
-          </p:nvPr>
-        </p:nvSpPr>
-        <p:spPr/>
-        <p:txBody>
-          <a:bodyPr>
-            <a:normAutofit fontScale="90000"/>
-          </a:bodyPr>
-          <a:lstStyle/>
-          <a:p>
-            <a:pPr>
-              <a:defRPr sz="4400">
-                <a:solidFill>
-                  <a:srgbClr val="003366"/>
-                </a:solidFill>
-              </a:defRPr>
-            </a:pPr>
-            <a:r>
-              <a:rPr lang="en-AU" dirty="0"/>
-              <a:t>Conclusions and Recommendations</a:t>
-            </a:r>
-            <a:endParaRPr dirty="0"/>
-          </a:p>
-        </p:txBody>
-      </p:sp>
-      <p:sp>
-        <p:nvSpPr>
-          <p:cNvPr id="3" name="Content Placeholder 2"/>
-          <p:cNvSpPr>
-            <a:spLocks noGrp="1"/>
-          </p:cNvSpPr>
+      <p:pic>
+        <p:nvPicPr>
+          <p:cNvPr id="5" name="Content Placeholder 4" descr="A graph with blue dots and red line&#10;&#10;Description automatically generated">
+            <a:extLst>
+              <a:ext uri="{FF2B5EF4-FFF2-40B4-BE49-F238E27FC236}">
+                <a16:creationId xmlns:a16="http://schemas.microsoft.com/office/drawing/2014/main" id="{A83C4D45-D172-94E2-A6EC-29A9025D035C}"/>
+              </a:ext>
+            </a:extLst>
+          </p:cNvPr>
+          <p:cNvPicPr>
+            <a:picLocks noGrp="1" noChangeAspect="1"/>
+          </p:cNvPicPr>
           <p:nvPr>
             <p:ph idx="1"/>
           </p:nvPr>
-        </p:nvSpPr>
-        <p:spPr/>
-        <p:txBody>
-          <a:bodyPr>
-            <a:normAutofit/>
-          </a:bodyPr>
-          <a:lstStyle/>
-          <a:p>
-            <a:r>
-              <a:rPr lang="en-AU" sz="2000" dirty="0"/>
-              <a:t>It was evident from our project the LGA with the highest density of population will have a greater number of parks.</a:t>
-            </a:r>
-          </a:p>
-          <a:p>
-            <a:r>
-              <a:rPr lang="en-AU" sz="2000" dirty="0"/>
-              <a:t>Other factors like schools also play an important role in decision making.</a:t>
-            </a:r>
-            <a:endParaRPr sz="2000" dirty="0"/>
-          </a:p>
-        </p:txBody>
-      </p:sp>
+        </p:nvPicPr>
+        <p:blipFill>
+          <a:blip r:embed="rId2"/>
+          <a:stretch>
+            <a:fillRect/>
+          </a:stretch>
+        </p:blipFill>
+        <p:spPr>
+          <a:xfrm>
+            <a:off x="457200" y="605643"/>
+            <a:ext cx="8229600" cy="5452104"/>
+          </a:xfrm>
+        </p:spPr>
+      </p:pic>
     </p:spTree>
+    <p:extLst>
+      <p:ext uri="{BB962C8B-B14F-4D97-AF65-F5344CB8AC3E}">
+        <p14:creationId xmlns:p14="http://schemas.microsoft.com/office/powerpoint/2010/main" val="2807739620"/>
+      </p:ext>
+    </p:extLst>
   </p:cSld>
   <p:clrMapOvr>
     <a:masterClrMapping/>
@@ -4752,6 +5073,135 @@
             <p:ph type="title"/>
           </p:nvPr>
         </p:nvSpPr>
+        <p:spPr>
+          <a:xfrm>
+            <a:off x="375313" y="69812"/>
+            <a:ext cx="8768687" cy="1143000"/>
+          </a:xfrm>
+        </p:spPr>
+        <p:txBody>
+          <a:bodyPr>
+            <a:normAutofit fontScale="90000"/>
+          </a:bodyPr>
+          <a:lstStyle/>
+          <a:p>
+            <a:pPr>
+              <a:defRPr sz="4400">
+                <a:solidFill>
+                  <a:srgbClr val="003366"/>
+                </a:solidFill>
+              </a:defRPr>
+            </a:pPr>
+            <a:r>
+              <a:rPr lang="en-AU" dirty="0"/>
+              <a:t>Compare schools to LGA and open spaces</a:t>
+            </a:r>
+            <a:endParaRPr dirty="0"/>
+          </a:p>
+        </p:txBody>
+      </p:sp>
+      <p:pic>
+        <p:nvPicPr>
+          <p:cNvPr id="4" name="Picture 3" descr="A graph with different colored dots&#10;&#10;Description automatically generated">
+            <a:extLst>
+              <a:ext uri="{FF2B5EF4-FFF2-40B4-BE49-F238E27FC236}">
+                <a16:creationId xmlns:a16="http://schemas.microsoft.com/office/drawing/2014/main" id="{75AE07E4-C90D-4BFA-DFC7-A27F828CF632}"/>
+              </a:ext>
+            </a:extLst>
+          </p:cNvPr>
+          <p:cNvPicPr>
+            <a:picLocks noChangeAspect="1"/>
+          </p:cNvPicPr>
+          <p:nvPr/>
+        </p:nvPicPr>
+        <p:blipFill>
+          <a:blip r:embed="rId3"/>
+          <a:stretch>
+            <a:fillRect/>
+          </a:stretch>
+        </p:blipFill>
+        <p:spPr>
+          <a:xfrm>
+            <a:off x="529109" y="960188"/>
+            <a:ext cx="8085781" cy="5828000"/>
+          </a:xfrm>
+          <a:prstGeom prst="rect">
+            <a:avLst/>
+          </a:prstGeom>
+        </p:spPr>
+      </p:pic>
+    </p:spTree>
+    <p:extLst>
+      <p:ext uri="{BB962C8B-B14F-4D97-AF65-F5344CB8AC3E}">
+        <p14:creationId xmlns:p14="http://schemas.microsoft.com/office/powerpoint/2010/main" val="706350439"/>
+      </p:ext>
+    </p:extLst>
+  </p:cSld>
+  <p:clrMapOvr>
+    <a:masterClrMapping/>
+  </p:clrMapOvr>
+</p:sld>
+</file>
+
+<file path=ppt/slides/slide13.xml><?xml version="1.0" encoding="utf-8"?>
+<p:sld xmlns:a="http://schemas.openxmlformats.org/drawingml/2006/main" xmlns:r="http://schemas.openxmlformats.org/officeDocument/2006/relationships" xmlns:p="http://schemas.openxmlformats.org/presentationml/2006/main">
+  <p:cSld>
+    <p:spTree>
+      <p:nvGrpSpPr>
+        <p:cNvPr id="1" name=""/>
+        <p:cNvGrpSpPr/>
+        <p:nvPr/>
+      </p:nvGrpSpPr>
+      <p:grpSpPr>
+        <a:xfrm>
+          <a:off x="0" y="0"/>
+          <a:ext cx="0" cy="0"/>
+          <a:chOff x="0" y="0"/>
+          <a:chExt cx="0" cy="0"/>
+        </a:xfrm>
+      </p:grpSpPr>
+      <p:sp>
+        <p:nvSpPr>
+          <p:cNvPr id="2" name="Title 1"/>
+          <p:cNvSpPr>
+            <a:spLocks noGrp="1"/>
+          </p:cNvSpPr>
+          <p:nvPr>
+            <p:ph type="title"/>
+          </p:nvPr>
+        </p:nvSpPr>
+        <p:spPr/>
+        <p:txBody>
+          <a:bodyPr>
+            <a:normAutofit fontScale="90000"/>
+          </a:bodyPr>
+          <a:lstStyle/>
+          <a:p>
+            <a:pPr>
+              <a:defRPr sz="4400">
+                <a:solidFill>
+                  <a:srgbClr val="003366"/>
+                </a:solidFill>
+              </a:defRPr>
+            </a:pPr>
+            <a:r>
+              <a:rPr lang="en-AU" dirty="0"/>
+              <a:t>Conclusions and Recommendations</a:t>
+            </a:r>
+            <a:endParaRPr dirty="0"/>
+          </a:p>
+        </p:txBody>
+      </p:sp>
+      <p:sp>
+        <p:nvSpPr>
+          <p:cNvPr id="3" name="Content Placeholder 2"/>
+          <p:cNvSpPr>
+            <a:spLocks noGrp="1"/>
+          </p:cNvSpPr>
+          <p:nvPr>
+            <p:ph idx="1"/>
+          </p:nvPr>
+        </p:nvSpPr>
         <p:spPr/>
         <p:txBody>
           <a:bodyPr>
@@ -4759,63 +5209,23 @@
           </a:bodyPr>
           <a:lstStyle/>
           <a:p>
-            <a:pPr indent="0">
-              <a:lnSpc>
-                <a:spcPts val="3012"/>
-              </a:lnSpc>
-              <a:buNone/>
-            </a:pPr>
-            <a:r>
-              <a:rPr lang="en-AU" dirty="0">
-                <a:solidFill>
-                  <a:srgbClr val="003366"/>
-                </a:solidFill>
-              </a:rPr>
-              <a:t>Lessons Learnt</a:t>
-            </a:r>
-          </a:p>
-        </p:txBody>
-      </p:sp>
-      <p:sp>
-        <p:nvSpPr>
-          <p:cNvPr id="3" name="Content Placeholder 2"/>
-          <p:cNvSpPr>
-            <a:spLocks noGrp="1"/>
-          </p:cNvSpPr>
-          <p:nvPr>
-            <p:ph idx="1"/>
-          </p:nvPr>
-        </p:nvSpPr>
-        <p:spPr/>
-        <p:txBody>
-          <a:bodyPr/>
-          <a:lstStyle/>
-          <a:p>
             <a:r>
               <a:rPr lang="en-AU" sz="2000" dirty="0"/>
-              <a:t>Our quest to retrieve data</a:t>
+              <a:t>It was evident from our project the LGA with the highest density of population will not have greater number of parks.</a:t>
             </a:r>
           </a:p>
           <a:p>
             <a:r>
               <a:rPr lang="en-AU" sz="2000" dirty="0"/>
-              <a:t>Knowledge sharing </a:t>
+              <a:t>Other factors like schools also play an important role in decision making.</a:t>
             </a:r>
           </a:p>
           <a:p>
             <a:r>
               <a:rPr lang="en-AU" sz="2000" dirty="0"/>
-              <a:t>Teamwork</a:t>
-            </a:r>
-          </a:p>
-          <a:p>
-            <a:r>
-              <a:rPr lang="en-AU" sz="2000" dirty="0"/>
-              <a:t>Collaboration</a:t>
-            </a:r>
-          </a:p>
-          <a:p>
-            <a:endParaRPr dirty="0"/>
+              <a:t>Our recommendation for families looking for a balanced lifestyle will be to consider Yarra ranges and Casey due to higher number of parks and schools.</a:t>
+            </a:r>
+            <a:endParaRPr sz="2000" dirty="0"/>
           </a:p>
         </p:txBody>
       </p:sp>
@@ -4827,7 +5237,109 @@
 </p:sld>
 </file>
 
-<file path=ppt/slides/slide13.xml><?xml version="1.0" encoding="utf-8"?>
+<file path=ppt/slides/slide14.xml><?xml version="1.0" encoding="utf-8"?>
+<p:sld xmlns:a="http://schemas.openxmlformats.org/drawingml/2006/main" xmlns:r="http://schemas.openxmlformats.org/officeDocument/2006/relationships" xmlns:p="http://schemas.openxmlformats.org/presentationml/2006/main">
+  <p:cSld>
+    <p:spTree>
+      <p:nvGrpSpPr>
+        <p:cNvPr id="1" name=""/>
+        <p:cNvGrpSpPr/>
+        <p:nvPr/>
+      </p:nvGrpSpPr>
+      <p:grpSpPr>
+        <a:xfrm>
+          <a:off x="0" y="0"/>
+          <a:ext cx="0" cy="0"/>
+          <a:chOff x="0" y="0"/>
+          <a:chExt cx="0" cy="0"/>
+        </a:xfrm>
+      </p:grpSpPr>
+      <p:sp>
+        <p:nvSpPr>
+          <p:cNvPr id="2" name="Title 1"/>
+          <p:cNvSpPr>
+            <a:spLocks noGrp="1"/>
+          </p:cNvSpPr>
+          <p:nvPr>
+            <p:ph type="title"/>
+          </p:nvPr>
+        </p:nvSpPr>
+        <p:spPr/>
+        <p:txBody>
+          <a:bodyPr>
+            <a:normAutofit/>
+          </a:bodyPr>
+          <a:lstStyle/>
+          <a:p>
+            <a:pPr indent="0">
+              <a:lnSpc>
+                <a:spcPts val="3012"/>
+              </a:lnSpc>
+              <a:buNone/>
+            </a:pPr>
+            <a:r>
+              <a:rPr lang="en-AU" dirty="0">
+                <a:solidFill>
+                  <a:srgbClr val="003366"/>
+                </a:solidFill>
+              </a:rPr>
+              <a:t>Lessons Learnt</a:t>
+            </a:r>
+          </a:p>
+        </p:txBody>
+      </p:sp>
+      <p:sp>
+        <p:nvSpPr>
+          <p:cNvPr id="3" name="Content Placeholder 2"/>
+          <p:cNvSpPr>
+            <a:spLocks noGrp="1"/>
+          </p:cNvSpPr>
+          <p:nvPr>
+            <p:ph idx="1"/>
+          </p:nvPr>
+        </p:nvSpPr>
+        <p:spPr/>
+        <p:txBody>
+          <a:bodyPr/>
+          <a:lstStyle/>
+          <a:p>
+            <a:r>
+              <a:rPr lang="en-AU" sz="2000" dirty="0"/>
+              <a:t>Our quest to retrieve data</a:t>
+            </a:r>
+          </a:p>
+          <a:p>
+            <a:r>
+              <a:rPr lang="en-AU" sz="2000" dirty="0"/>
+              <a:t>Knowledge sharing </a:t>
+            </a:r>
+          </a:p>
+          <a:p>
+            <a:r>
+              <a:rPr lang="en-AU" sz="2000" dirty="0"/>
+              <a:t>Teamwork</a:t>
+            </a:r>
+          </a:p>
+          <a:p>
+            <a:r>
+              <a:rPr lang="en-AU" sz="2000" dirty="0"/>
+              <a:t>Collaboration</a:t>
+            </a:r>
+          </a:p>
+          <a:p>
+            <a:endParaRPr dirty="0"/>
+          </a:p>
+        </p:txBody>
+      </p:sp>
+    </p:spTree>
+  </p:cSld>
+  <p:clrMapOvr>
+    <a:masterClrMapping/>
+  </p:clrMapOvr>
+</p:sld>
+</file>
+
+<file path=ppt/slides/slide15.xml><?xml version="1.0" encoding="utf-8"?>
 <p:sld xmlns:a="http://schemas.openxmlformats.org/drawingml/2006/main" xmlns:r="http://schemas.openxmlformats.org/officeDocument/2006/relationships" xmlns:p="http://schemas.openxmlformats.org/presentationml/2006/main">
   <p:cSld>
     <p:spTree>
@@ -4967,7 +5479,7 @@
 </p:sld>
 </file>
 
-<file path=ppt/slides/slide14.xml><?xml version="1.0" encoding="utf-8"?>
+<file path=ppt/slides/slide16.xml><?xml version="1.0" encoding="utf-8"?>
 <p:sld xmlns:a="http://schemas.openxmlformats.org/drawingml/2006/main" xmlns:r="http://schemas.openxmlformats.org/officeDocument/2006/relationships" xmlns:p="http://schemas.openxmlformats.org/presentationml/2006/main">
   <p:cSld>
     <p:spTree>
@@ -7052,6 +7564,98 @@
           <p:cNvPr id="2" name="Title 1">
             <a:extLst>
               <a:ext uri="{FF2B5EF4-FFF2-40B4-BE49-F238E27FC236}">
+                <a16:creationId xmlns:a16="http://schemas.microsoft.com/office/drawing/2014/main" id="{17358F9C-C032-B95A-60DB-974DD7632C4E}"/>
+              </a:ext>
+            </a:extLst>
+          </p:cNvPr>
+          <p:cNvSpPr>
+            <a:spLocks noGrp="1"/>
+          </p:cNvSpPr>
+          <p:nvPr>
+            <p:ph type="title"/>
+          </p:nvPr>
+        </p:nvSpPr>
+        <p:spPr>
+          <a:xfrm>
+            <a:off x="457200" y="160337"/>
+            <a:ext cx="8229600" cy="1143000"/>
+          </a:xfrm>
+        </p:spPr>
+        <p:txBody>
+          <a:bodyPr/>
+          <a:lstStyle/>
+          <a:p>
+            <a:r>
+              <a:rPr lang="en-AU" dirty="0"/>
+              <a:t>The API view</a:t>
+            </a:r>
+          </a:p>
+        </p:txBody>
+      </p:sp>
+      <p:pic>
+        <p:nvPicPr>
+          <p:cNvPr id="5" name="Content Placeholder 4" descr="A map with many colored circles&#10;&#10;Description automatically generated">
+            <a:extLst>
+              <a:ext uri="{FF2B5EF4-FFF2-40B4-BE49-F238E27FC236}">
+                <a16:creationId xmlns:a16="http://schemas.microsoft.com/office/drawing/2014/main" id="{E6132EF4-ECA1-8FB9-8847-C4F47BCFBF9A}"/>
+              </a:ext>
+            </a:extLst>
+          </p:cNvPr>
+          <p:cNvPicPr>
+            <a:picLocks noGrp="1" noChangeAspect="1"/>
+          </p:cNvPicPr>
+          <p:nvPr>
+            <p:ph idx="1"/>
+          </p:nvPr>
+        </p:nvPicPr>
+        <p:blipFill>
+          <a:blip r:embed="rId3"/>
+          <a:stretch>
+            <a:fillRect/>
+          </a:stretch>
+        </p:blipFill>
+        <p:spPr>
+          <a:xfrm>
+            <a:off x="105290" y="977223"/>
+            <a:ext cx="8933420" cy="5720440"/>
+          </a:xfrm>
+        </p:spPr>
+      </p:pic>
+    </p:spTree>
+    <p:extLst>
+      <p:ext uri="{BB962C8B-B14F-4D97-AF65-F5344CB8AC3E}">
+        <p14:creationId xmlns:p14="http://schemas.microsoft.com/office/powerpoint/2010/main" val="366985341"/>
+      </p:ext>
+    </p:extLst>
+  </p:cSld>
+  <p:clrMapOvr>
+    <a:masterClrMapping/>
+  </p:clrMapOvr>
+</p:sld>
+</file>
+
+<file path=ppt/slides/slide5.xml><?xml version="1.0" encoding="utf-8"?>
+<p:sld xmlns:a="http://schemas.openxmlformats.org/drawingml/2006/main" xmlns:r="http://schemas.openxmlformats.org/officeDocument/2006/relationships" xmlns:p="http://schemas.openxmlformats.org/presentationml/2006/main">
+  <p:cSld>
+    <p:spTree>
+      <p:nvGrpSpPr>
+        <p:cNvPr id="1" name=""/>
+        <p:cNvGrpSpPr/>
+        <p:nvPr/>
+      </p:nvGrpSpPr>
+      <p:grpSpPr>
+        <a:xfrm>
+          <a:off x="0" y="0"/>
+          <a:ext cx="0" cy="0"/>
+          <a:chOff x="0" y="0"/>
+          <a:chExt cx="0" cy="0"/>
+        </a:xfrm>
+      </p:grpSpPr>
+      <p:sp>
+        <p:nvSpPr>
+          <p:cNvPr id="2" name="Title 1">
+            <a:extLst>
+              <a:ext uri="{FF2B5EF4-FFF2-40B4-BE49-F238E27FC236}">
                 <a16:creationId xmlns:a16="http://schemas.microsoft.com/office/drawing/2014/main" id="{F266EACA-BC38-AFDC-D708-E142A0C48C0A}"/>
               </a:ext>
             </a:extLst>
@@ -7070,8 +7674,13 @@
           <a:p>
             <a:r>
               <a:rPr lang="en-AU" dirty="0"/>
-              <a:t>????</a:t>
-            </a:r>
+              <a:t>Breakdown of </a:t>
+            </a:r>
+            <a:r>
+              <a:rPr lang="en-AU"/>
+              <a:t>public spaces</a:t>
+            </a:r>
+            <a:endParaRPr lang="en-AU" dirty="0"/>
           </a:p>
         </p:txBody>
       </p:sp>
@@ -7147,90 +7756,6 @@
 </p:sld>
 </file>
 
-<file path=ppt/slides/slide5.xml><?xml version="1.0" encoding="utf-8"?>
-<p:sld xmlns:a="http://schemas.openxmlformats.org/drawingml/2006/main" xmlns:r="http://schemas.openxmlformats.org/officeDocument/2006/relationships" xmlns:p="http://schemas.openxmlformats.org/presentationml/2006/main">
-  <p:cSld>
-    <p:spTree>
-      <p:nvGrpSpPr>
-        <p:cNvPr id="1" name=""/>
-        <p:cNvGrpSpPr/>
-        <p:nvPr/>
-      </p:nvGrpSpPr>
-      <p:grpSpPr>
-        <a:xfrm>
-          <a:off x="0" y="0"/>
-          <a:ext cx="0" cy="0"/>
-          <a:chOff x="0" y="0"/>
-          <a:chExt cx="0" cy="0"/>
-        </a:xfrm>
-      </p:grpSpPr>
-      <p:sp>
-        <p:nvSpPr>
-          <p:cNvPr id="2" name="Title 1">
-            <a:extLst>
-              <a:ext uri="{FF2B5EF4-FFF2-40B4-BE49-F238E27FC236}">
-                <a16:creationId xmlns:a16="http://schemas.microsoft.com/office/drawing/2014/main" id="{0351AFC4-BDEB-6AE4-6322-CB0B67590334}"/>
-              </a:ext>
-            </a:extLst>
-          </p:cNvPr>
-          <p:cNvSpPr>
-            <a:spLocks noGrp="1"/>
-          </p:cNvSpPr>
-          <p:nvPr>
-            <p:ph type="title"/>
-          </p:nvPr>
-        </p:nvSpPr>
-        <p:spPr/>
-        <p:txBody>
-          <a:bodyPr/>
-          <a:lstStyle/>
-          <a:p>
-            <a:endParaRPr lang="en-AU" dirty="0"/>
-          </a:p>
-        </p:txBody>
-      </p:sp>
-      <p:pic>
-        <p:nvPicPr>
-          <p:cNvPr id="5" name="Content Placeholder 4" descr="A blue and white rectangular object with black lines&#10;&#10;Description automatically generated with medium confidence">
-            <a:extLst>
-              <a:ext uri="{FF2B5EF4-FFF2-40B4-BE49-F238E27FC236}">
-                <a16:creationId xmlns:a16="http://schemas.microsoft.com/office/drawing/2014/main" id="{647AB055-C150-B71D-5761-50B46056C51B}"/>
-              </a:ext>
-            </a:extLst>
-          </p:cNvPr>
-          <p:cNvPicPr>
-            <a:picLocks noGrp="1" noChangeAspect="1"/>
-          </p:cNvPicPr>
-          <p:nvPr>
-            <p:ph idx="1"/>
-          </p:nvPr>
-        </p:nvPicPr>
-        <p:blipFill>
-          <a:blip r:embed="rId2"/>
-          <a:stretch>
-            <a:fillRect/>
-          </a:stretch>
-        </p:blipFill>
-        <p:spPr>
-          <a:xfrm>
-            <a:off x="0" y="1331089"/>
-            <a:ext cx="9144000" cy="5526911"/>
-          </a:xfrm>
-        </p:spPr>
-      </p:pic>
-    </p:spTree>
-    <p:extLst>
-      <p:ext uri="{BB962C8B-B14F-4D97-AF65-F5344CB8AC3E}">
-        <p14:creationId xmlns:p14="http://schemas.microsoft.com/office/powerpoint/2010/main" val="1382469694"/>
-      </p:ext>
-    </p:extLst>
-  </p:cSld>
-  <p:clrMapOvr>
-    <a:masterClrMapping/>
-  </p:clrMapOvr>
-</p:sld>
-</file>
-
 <file path=ppt/slides/slide6.xml><?xml version="1.0" encoding="utf-8"?>
 <p:sld xmlns:a="http://schemas.openxmlformats.org/drawingml/2006/main" xmlns:r="http://schemas.openxmlformats.org/officeDocument/2006/relationships" xmlns:p="http://schemas.openxmlformats.org/presentationml/2006/main">
   <p:cSld>
@@ -7248,45 +7773,12 @@
           <a:chExt cx="0" cy="0"/>
         </a:xfrm>
       </p:grpSpPr>
-      <p:sp>
-        <p:nvSpPr>
-          <p:cNvPr id="2" name="Title 1">
+      <p:pic>
+        <p:nvPicPr>
+          <p:cNvPr id="5" name="Content Placeholder 4" descr="A blue and white rectangular object with black lines&#10;&#10;Description automatically generated with medium confidence">
             <a:extLst>
               <a:ext uri="{FF2B5EF4-FFF2-40B4-BE49-F238E27FC236}">
-                <a16:creationId xmlns:a16="http://schemas.microsoft.com/office/drawing/2014/main" id="{17358F9C-C032-B95A-60DB-974DD7632C4E}"/>
-              </a:ext>
-            </a:extLst>
-          </p:cNvPr>
-          <p:cNvSpPr>
-            <a:spLocks noGrp="1"/>
-          </p:cNvSpPr>
-          <p:nvPr>
-            <p:ph type="title"/>
-          </p:nvPr>
-        </p:nvSpPr>
-        <p:spPr>
-          <a:xfrm>
-            <a:off x="457200" y="160337"/>
-            <a:ext cx="8229600" cy="1143000"/>
-          </a:xfrm>
-        </p:spPr>
-        <p:txBody>
-          <a:bodyPr/>
-          <a:lstStyle/>
-          <a:p>
-            <a:r>
-              <a:rPr lang="en-AU" dirty="0"/>
-              <a:t>The API view</a:t>
-            </a:r>
-          </a:p>
-        </p:txBody>
-      </p:sp>
-      <p:pic>
-        <p:nvPicPr>
-          <p:cNvPr id="5" name="Content Placeholder 4" descr="A map with many colored circles&#10;&#10;Description automatically generated">
-            <a:extLst>
-              <a:ext uri="{FF2B5EF4-FFF2-40B4-BE49-F238E27FC236}">
-                <a16:creationId xmlns:a16="http://schemas.microsoft.com/office/drawing/2014/main" id="{E6132EF4-ECA1-8FB9-8847-C4F47BCFBF9A}"/>
+                <a16:creationId xmlns:a16="http://schemas.microsoft.com/office/drawing/2014/main" id="{647AB055-C150-B71D-5761-50B46056C51B}"/>
               </a:ext>
             </a:extLst>
           </p:cNvPr>
@@ -7298,22 +7790,22 @@
           </p:nvPr>
         </p:nvPicPr>
         <p:blipFill>
-          <a:blip r:embed="rId3"/>
+          <a:blip r:embed="rId2"/>
           <a:stretch>
             <a:fillRect/>
           </a:stretch>
         </p:blipFill>
         <p:spPr>
           <a:xfrm>
-            <a:off x="105290" y="977223"/>
-            <a:ext cx="8933420" cy="5720440"/>
+            <a:off x="0" y="1"/>
+            <a:ext cx="9144000" cy="6858000"/>
           </a:xfrm>
         </p:spPr>
       </p:pic>
     </p:spTree>
     <p:extLst>
       <p:ext uri="{BB962C8B-B14F-4D97-AF65-F5344CB8AC3E}">
-        <p14:creationId xmlns:p14="http://schemas.microsoft.com/office/powerpoint/2010/main" val="366985341"/>
+        <p14:creationId xmlns:p14="http://schemas.microsoft.com/office/powerpoint/2010/main" val="1382469694"/>
       </p:ext>
     </p:extLst>
   </p:cSld>
@@ -7379,10 +7871,10 @@
       </p:sp>
       <p:pic>
         <p:nvPicPr>
-          <p:cNvPr id="10" name="Content Placeholder 9" descr="A graph of blue bars with white text&#10;&#10;Description automatically generated">
+          <p:cNvPr id="6" name="Content Placeholder 5" descr="A graph of a number of blue bars&#10;&#10;Description automatically generated with medium confidence">
             <a:extLst>
               <a:ext uri="{FF2B5EF4-FFF2-40B4-BE49-F238E27FC236}">
-                <a16:creationId xmlns:a16="http://schemas.microsoft.com/office/drawing/2014/main" id="{399CB185-BBF0-5622-E547-D57FE56C3AB4}"/>
+                <a16:creationId xmlns:a16="http://schemas.microsoft.com/office/drawing/2014/main" id="{FA6DB5D1-906B-EFF4-A566-A8A2F442A791}"/>
               </a:ext>
             </a:extLst>
           </p:cNvPr>
@@ -7401,11 +7893,46 @@
         </p:blipFill>
         <p:spPr>
           <a:xfrm>
-            <a:off x="242520" y="978408"/>
-            <a:ext cx="8631936" cy="5577840"/>
+            <a:off x="144862" y="843148"/>
+            <a:ext cx="6379388" cy="6014852"/>
           </a:xfrm>
         </p:spPr>
       </p:pic>
+      <p:sp>
+        <p:nvSpPr>
+          <p:cNvPr id="7" name="TextBox 6">
+            <a:extLst>
+              <a:ext uri="{FF2B5EF4-FFF2-40B4-BE49-F238E27FC236}">
+                <a16:creationId xmlns:a16="http://schemas.microsoft.com/office/drawing/2014/main" id="{2AF2B13E-4C76-C074-35D4-A1E19D4D4A81}"/>
+              </a:ext>
+            </a:extLst>
+          </p:cNvPr>
+          <p:cNvSpPr txBox="1"/>
+          <p:nvPr/>
+        </p:nvSpPr>
+        <p:spPr>
+          <a:xfrm>
+            <a:off x="6816438" y="1650669"/>
+            <a:ext cx="1900050" cy="1477328"/>
+          </a:xfrm>
+          <a:prstGeom prst="rect">
+            <a:avLst/>
+          </a:prstGeom>
+          <a:noFill/>
+        </p:spPr>
+        <p:txBody>
+          <a:bodyPr wrap="square" rtlCol="0">
+            <a:spAutoFit/>
+          </a:bodyPr>
+          <a:lstStyle/>
+          <a:p>
+            <a:r>
+              <a:rPr lang="en-AU" dirty="0"/>
+              <a:t>Top three LGA’s with larger open spaces are Yarra Ranges, Casey and Mornington</a:t>
+            </a:r>
+          </a:p>
+        </p:txBody>
+      </p:sp>
     </p:spTree>
   </p:cSld>
   <p:clrMapOvr>
@@ -7444,7 +7971,7 @@
         <p:spPr>
           <a:xfrm>
             <a:off x="375313" y="69812"/>
-            <a:ext cx="8768687" cy="1143000"/>
+            <a:ext cx="8768687" cy="1058344"/>
           </a:xfrm>
         </p:spPr>
         <p:txBody>
@@ -7470,10 +7997,10 @@
       </p:sp>
       <p:pic>
         <p:nvPicPr>
-          <p:cNvPr id="6" name="Content Placeholder 5" descr="A graph of blue bars with black text">
+          <p:cNvPr id="11" name="Content Placeholder 10">
             <a:extLst>
               <a:ext uri="{FF2B5EF4-FFF2-40B4-BE49-F238E27FC236}">
-                <a16:creationId xmlns:a16="http://schemas.microsoft.com/office/drawing/2014/main" id="{9A609EC7-E79E-C140-0604-2F989655DC5A}"/>
+                <a16:creationId xmlns:a16="http://schemas.microsoft.com/office/drawing/2014/main" id="{0192138E-EECC-1A78-9172-D2D77FD51FC5}"/>
               </a:ext>
             </a:extLst>
           </p:cNvPr>
@@ -7492,8 +8019,8 @@
         </p:blipFill>
         <p:spPr>
           <a:xfrm>
-            <a:off x="210312" y="1005841"/>
-            <a:ext cx="8558375" cy="5688217"/>
+            <a:off x="629392" y="926274"/>
+            <a:ext cx="7849590" cy="5861913"/>
           </a:xfrm>
         </p:spPr>
       </p:pic>
@@ -7566,10 +8093,10 @@
       </p:sp>
       <p:pic>
         <p:nvPicPr>
-          <p:cNvPr id="6" name="Content Placeholder 5" descr="A graph with different colored bars&#10;&#10;Description automatically generated">
+          <p:cNvPr id="8" name="Content Placeholder 7" descr="A graph of different colored bars&#10;&#10;Description automatically generated with medium confidence">
             <a:extLst>
               <a:ext uri="{FF2B5EF4-FFF2-40B4-BE49-F238E27FC236}">
-                <a16:creationId xmlns:a16="http://schemas.microsoft.com/office/drawing/2014/main" id="{D5F5FFB0-2FBA-D044-9588-95AAED028A87}"/>
+                <a16:creationId xmlns:a16="http://schemas.microsoft.com/office/drawing/2014/main" id="{639371F5-4E85-C95F-7506-6B12A5B2DD76}"/>
               </a:ext>
             </a:extLst>
           </p:cNvPr>
@@ -7588,39 +8115,9 @@
         </p:blipFill>
         <p:spPr>
           <a:xfrm>
-            <a:off x="292608" y="1075473"/>
-            <a:ext cx="8577072" cy="5712715"/>
+            <a:off x="457200" y="1668621"/>
+            <a:ext cx="8229600" cy="4389120"/>
           </a:xfrm>
-        </p:spPr>
-      </p:pic>
-      <p:pic>
-        <p:nvPicPr>
-          <p:cNvPr id="4" name="Picture 3" descr="A screenshot of a computer&#10;&#10;Description automatically generated">
-            <a:extLst>
-              <a:ext uri="{FF2B5EF4-FFF2-40B4-BE49-F238E27FC236}">
-                <a16:creationId xmlns:a16="http://schemas.microsoft.com/office/drawing/2014/main" id="{6DD5A25D-B732-79A3-E3DC-E7C5C9D433F3}"/>
-              </a:ext>
-            </a:extLst>
-          </p:cNvPr>
-          <p:cNvPicPr>
-            <a:picLocks noChangeAspect="1"/>
-          </p:cNvPicPr>
-          <p:nvPr/>
-        </p:nvPicPr>
-        <p:blipFill>
-          <a:blip r:embed="rId4"/>
-          <a:stretch>
-            <a:fillRect/>
-          </a:stretch>
-        </p:blipFill>
-        <p:spPr>
-          <a:xfrm>
-            <a:off x="0" y="1212812"/>
-            <a:ext cx="9144000" cy="5488930"/>
-          </a:xfrm>
-          <a:prstGeom prst="rect">
-            <a:avLst/>
-          </a:prstGeom>
         </p:spPr>
       </p:pic>
     </p:spTree>
